--- a/Project1Presentation.pptx
+++ b/Project1Presentation.pptx
@@ -5,7 +5,7 @@
     <p:sldMasterId id="2147483648" r:id="rId1"/>
   </p:sldMasterIdLst>
   <p:notesMasterIdLst>
-    <p:notesMasterId r:id="rId18"/>
+    <p:notesMasterId r:id="rId17"/>
   </p:notesMasterIdLst>
   <p:sldIdLst>
     <p:sldId id="256" r:id="rId2"/>
@@ -21,9 +21,8 @@
     <p:sldId id="262" r:id="rId12"/>
     <p:sldId id="263" r:id="rId13"/>
     <p:sldId id="268" r:id="rId14"/>
-    <p:sldId id="269" r:id="rId15"/>
+    <p:sldId id="271" r:id="rId15"/>
     <p:sldId id="270" r:id="rId16"/>
-    <p:sldId id="271" r:id="rId17"/>
   </p:sldIdLst>
   <p:sldSz cx="12192000" cy="6858000"/>
   <p:notesSz cx="6858000" cy="9144000"/>
@@ -122,6 +121,11 @@
       </a:defRPr>
     </a:lvl9pPr>
   </p:defaultTextStyle>
+  <p:extLst>
+    <p:ext uri="{EFAFB233-063F-42B5-8137-9DF3F51BA10A}">
+      <p15:sldGuideLst xmlns:p15="http://schemas.microsoft.com/office/powerpoint/2012/main"/>
+    </p:ext>
+  </p:extLst>
 </p:presentation>
 </file>
 
@@ -207,7 +211,7 @@
           <a:p>
             <a:fld id="{4654C386-7EE1-C446-9979-B65CC9B8E40D}" type="datetimeFigureOut">
               <a:rPr lang="en-DE" smtClean="0"/>
-              <a:t>29.03.21</a:t>
+              <a:t>30.03.21</a:t>
             </a:fld>
             <a:endParaRPr lang="en-DE"/>
           </a:p>
@@ -1044,7 +1048,7 @@
           <a:p>
             <a:fld id="{1B7CD12D-F298-374E-B75F-CE539E99714B}" type="datetimeFigureOut">
               <a:rPr lang="en-DE" smtClean="0"/>
-              <a:t>29.03.21</a:t>
+              <a:t>30.03.21</a:t>
             </a:fld>
             <a:endParaRPr lang="en-DE"/>
           </a:p>
@@ -1244,7 +1248,7 @@
           <a:p>
             <a:fld id="{1B7CD12D-F298-374E-B75F-CE539E99714B}" type="datetimeFigureOut">
               <a:rPr lang="en-DE" smtClean="0"/>
-              <a:t>29.03.21</a:t>
+              <a:t>30.03.21</a:t>
             </a:fld>
             <a:endParaRPr lang="en-DE"/>
           </a:p>
@@ -1454,7 +1458,7 @@
           <a:p>
             <a:fld id="{1B7CD12D-F298-374E-B75F-CE539E99714B}" type="datetimeFigureOut">
               <a:rPr lang="en-DE" smtClean="0"/>
-              <a:t>29.03.21</a:t>
+              <a:t>30.03.21</a:t>
             </a:fld>
             <a:endParaRPr lang="en-DE"/>
           </a:p>
@@ -1654,7 +1658,7 @@
           <a:p>
             <a:fld id="{1B7CD12D-F298-374E-B75F-CE539E99714B}" type="datetimeFigureOut">
               <a:rPr lang="en-DE" smtClean="0"/>
-              <a:t>29.03.21</a:t>
+              <a:t>30.03.21</a:t>
             </a:fld>
             <a:endParaRPr lang="en-DE"/>
           </a:p>
@@ -1930,7 +1934,7 @@
           <a:p>
             <a:fld id="{1B7CD12D-F298-374E-B75F-CE539E99714B}" type="datetimeFigureOut">
               <a:rPr lang="en-DE" smtClean="0"/>
-              <a:t>29.03.21</a:t>
+              <a:t>30.03.21</a:t>
             </a:fld>
             <a:endParaRPr lang="en-DE"/>
           </a:p>
@@ -2198,7 +2202,7 @@
           <a:p>
             <a:fld id="{1B7CD12D-F298-374E-B75F-CE539E99714B}" type="datetimeFigureOut">
               <a:rPr lang="en-DE" smtClean="0"/>
-              <a:t>29.03.21</a:t>
+              <a:t>30.03.21</a:t>
             </a:fld>
             <a:endParaRPr lang="en-DE"/>
           </a:p>
@@ -2613,7 +2617,7 @@
           <a:p>
             <a:fld id="{1B7CD12D-F298-374E-B75F-CE539E99714B}" type="datetimeFigureOut">
               <a:rPr lang="en-DE" smtClean="0"/>
-              <a:t>29.03.21</a:t>
+              <a:t>30.03.21</a:t>
             </a:fld>
             <a:endParaRPr lang="en-DE"/>
           </a:p>
@@ -2755,7 +2759,7 @@
           <a:p>
             <a:fld id="{1B7CD12D-F298-374E-B75F-CE539E99714B}" type="datetimeFigureOut">
               <a:rPr lang="en-DE" smtClean="0"/>
-              <a:t>29.03.21</a:t>
+              <a:t>30.03.21</a:t>
             </a:fld>
             <a:endParaRPr lang="en-DE"/>
           </a:p>
@@ -2868,7 +2872,7 @@
           <a:p>
             <a:fld id="{1B7CD12D-F298-374E-B75F-CE539E99714B}" type="datetimeFigureOut">
               <a:rPr lang="en-DE" smtClean="0"/>
-              <a:t>29.03.21</a:t>
+              <a:t>30.03.21</a:t>
             </a:fld>
             <a:endParaRPr lang="en-DE"/>
           </a:p>
@@ -3181,7 +3185,7 @@
           <a:p>
             <a:fld id="{1B7CD12D-F298-374E-B75F-CE539E99714B}" type="datetimeFigureOut">
               <a:rPr lang="en-DE" smtClean="0"/>
-              <a:t>29.03.21</a:t>
+              <a:t>30.03.21</a:t>
             </a:fld>
             <a:endParaRPr lang="en-DE"/>
           </a:p>
@@ -3470,7 +3474,7 @@
           <a:p>
             <a:fld id="{1B7CD12D-F298-374E-B75F-CE539E99714B}" type="datetimeFigureOut">
               <a:rPr lang="en-DE" smtClean="0"/>
-              <a:t>29.03.21</a:t>
+              <a:t>30.03.21</a:t>
             </a:fld>
             <a:endParaRPr lang="en-DE"/>
           </a:p>
@@ -3713,7 +3717,7 @@
           <a:p>
             <a:fld id="{1B7CD12D-F298-374E-B75F-CE539E99714B}" type="datetimeFigureOut">
               <a:rPr lang="en-DE" smtClean="0"/>
-              <a:t>29.03.21</a:t>
+              <a:t>30.03.21</a:t>
             </a:fld>
             <a:endParaRPr lang="en-DE"/>
           </a:p>
@@ -5074,7 +5078,7 @@
           <p:cNvPr id="2" name="Title 1">
             <a:extLst>
               <a:ext uri="{FF2B5EF4-FFF2-40B4-BE49-F238E27FC236}">
-                <a16:creationId xmlns:a16="http://schemas.microsoft.com/office/drawing/2014/main" id="{2D25FF2A-C73A-4345-BD99-FECE95ADBEFE}"/>
+                <a16:creationId xmlns:a16="http://schemas.microsoft.com/office/drawing/2014/main" id="{B1B5AEEA-58DE-2441-8DFD-6260B9BA0D9D}"/>
               </a:ext>
             </a:extLst>
           </p:cNvPr>
@@ -5085,12 +5089,39 @@
             <p:ph type="title"/>
           </p:nvPr>
         </p:nvSpPr>
-        <p:spPr/>
+        <p:spPr>
+          <a:xfrm>
+            <a:off x="838200" y="365125"/>
+            <a:ext cx="10515600" cy="874739"/>
+          </a:xfrm>
+        </p:spPr>
         <p:txBody>
           <a:bodyPr/>
           <a:lstStyle/>
           <a:p>
-            <a:endParaRPr lang="en-DE"/>
+            <a:pPr>
+              <a:lnSpc>
+                <a:spcPct val="107000"/>
+              </a:lnSpc>
+              <a:spcAft>
+                <a:spcPts val="800"/>
+              </a:spcAft>
+            </a:pPr>
+            <a:r>
+              <a:rPr lang="en-GB" sz="4400" b="1" dirty="0">
+                <a:effectLst/>
+                <a:latin typeface="Calibri" panose="020F0502020204030204" pitchFamily="34" charset="0"/>
+                <a:ea typeface="Calibri" panose="020F0502020204030204" pitchFamily="34" charset="0"/>
+                <a:cs typeface="Arial" panose="020B0604020202020204" pitchFamily="34" charset="0"/>
+              </a:rPr>
+              <a:t>Challenges and how we tackled them</a:t>
+            </a:r>
+            <a:endParaRPr lang="en-GB" sz="4400" dirty="0">
+              <a:effectLst/>
+              <a:latin typeface="Calibri" panose="020F0502020204030204" pitchFamily="34" charset="0"/>
+              <a:ea typeface="Calibri" panose="020F0502020204030204" pitchFamily="34" charset="0"/>
+              <a:cs typeface="Arial" panose="020B0604020202020204" pitchFamily="34" charset="0"/>
+            </a:endParaRPr>
           </a:p>
         </p:txBody>
       </p:sp>
@@ -5099,7 +5130,7 @@
           <p:cNvPr id="3" name="Content Placeholder 2">
             <a:extLst>
               <a:ext uri="{FF2B5EF4-FFF2-40B4-BE49-F238E27FC236}">
-                <a16:creationId xmlns:a16="http://schemas.microsoft.com/office/drawing/2014/main" id="{83564A69-7F56-2D41-B761-C40EA46CE922}"/>
+                <a16:creationId xmlns:a16="http://schemas.microsoft.com/office/drawing/2014/main" id="{7E42C20C-D22D-0F45-A251-9D0F1112E770}"/>
               </a:ext>
             </a:extLst>
           </p:cNvPr>
@@ -5110,19 +5141,199 @@
             <p:ph idx="1"/>
           </p:nvPr>
         </p:nvSpPr>
-        <p:spPr/>
-        <p:txBody>
-          <a:bodyPr/>
-          <a:lstStyle/>
-          <a:p>
-            <a:endParaRPr lang="en-DE"/>
+        <p:spPr>
+          <a:xfrm>
+            <a:off x="838200" y="1239863"/>
+            <a:ext cx="10515600" cy="5470903"/>
+          </a:xfrm>
+        </p:spPr>
+        <p:txBody>
+          <a:bodyPr>
+            <a:normAutofit fontScale="92500"/>
+          </a:bodyPr>
+          <a:lstStyle/>
+          <a:p>
+            <a:pPr marL="0" lvl="0" indent="0">
+              <a:lnSpc>
+                <a:spcPct val="107000"/>
+              </a:lnSpc>
+              <a:buNone/>
+            </a:pPr>
+            <a:r>
+              <a:rPr lang="en-GB" sz="1600" b="1" dirty="0">
+                <a:effectLst/>
+                <a:latin typeface="Calibri" panose="020F0502020204030204" pitchFamily="34" charset="0"/>
+                <a:ea typeface="Calibri" panose="020F0502020204030204" pitchFamily="34" charset="0"/>
+                <a:cs typeface="Arial" panose="020B0604020202020204" pitchFamily="34" charset="0"/>
+              </a:rPr>
+              <a:t>The non-standardised nature of the raw data </a:t>
+            </a:r>
+          </a:p>
+          <a:p>
+            <a:pPr marL="0" lvl="0" indent="0">
+              <a:lnSpc>
+                <a:spcPct val="107000"/>
+              </a:lnSpc>
+              <a:buNone/>
+            </a:pPr>
+            <a:r>
+              <a:rPr lang="en-GB" sz="1600" dirty="0">
+                <a:effectLst/>
+                <a:latin typeface="Calibri" panose="020F0502020204030204" pitchFamily="34" charset="0"/>
+                <a:ea typeface="Calibri" panose="020F0502020204030204" pitchFamily="34" charset="0"/>
+                <a:cs typeface="Arial" panose="020B0604020202020204" pitchFamily="34" charset="0"/>
+              </a:rPr>
+              <a:t>The data has a large amount of non-structured information. It is not possible to see at a glance how best to categorise this. A thorough investigation of the full potential of the data would require a lengthy and sophisticated analysis. We decided that given the time restraints it was best to concentrate on just a handful of easily identifiable categories and work with them. </a:t>
+            </a:r>
+          </a:p>
+          <a:p>
+            <a:pPr marL="0" lvl="0" indent="0">
+              <a:lnSpc>
+                <a:spcPct val="107000"/>
+              </a:lnSpc>
+              <a:buNone/>
+            </a:pPr>
+            <a:r>
+              <a:rPr lang="en-GB" sz="1600" b="1" dirty="0">
+                <a:effectLst/>
+                <a:latin typeface="Calibri" panose="020F0502020204030204" pitchFamily="34" charset="0"/>
+                <a:ea typeface="Calibri" panose="020F0502020204030204" pitchFamily="34" charset="0"/>
+                <a:cs typeface="Arial" panose="020B0604020202020204" pitchFamily="34" charset="0"/>
+              </a:rPr>
+              <a:t>Teamwork in a time pressured environment with new colleagues</a:t>
+            </a:r>
+            <a:endParaRPr lang="en-GB" sz="1600" dirty="0">
+              <a:effectLst/>
+              <a:latin typeface="Calibri" panose="020F0502020204030204" pitchFamily="34" charset="0"/>
+              <a:ea typeface="Calibri" panose="020F0502020204030204" pitchFamily="34" charset="0"/>
+              <a:cs typeface="Arial" panose="020B0604020202020204" pitchFamily="34" charset="0"/>
+            </a:endParaRPr>
+          </a:p>
+          <a:p>
+            <a:pPr marL="28575" indent="0">
+              <a:lnSpc>
+                <a:spcPct val="107000"/>
+              </a:lnSpc>
+              <a:buNone/>
+            </a:pPr>
+            <a:r>
+              <a:rPr lang="en-GB" sz="1600" dirty="0">
+                <a:effectLst/>
+                <a:latin typeface="Calibri" panose="020F0502020204030204" pitchFamily="34" charset="0"/>
+                <a:ea typeface="Calibri" panose="020F0502020204030204" pitchFamily="34" charset="0"/>
+                <a:cs typeface="Arial" panose="020B0604020202020204" pitchFamily="34" charset="0"/>
+              </a:rPr>
+              <a:t>The team had not worked together before and we were under pressure to deliver a fist analysis in half a day. Despite this the team worked well together, setting clear time slots for private work and then coming back together to review, as well as successfully working together to solve problems. </a:t>
+            </a:r>
+          </a:p>
+          <a:p>
+            <a:pPr marL="0" lvl="0" indent="0">
+              <a:lnSpc>
+                <a:spcPct val="107000"/>
+              </a:lnSpc>
+              <a:buNone/>
+            </a:pPr>
+            <a:r>
+              <a:rPr lang="en-GB" sz="1600" b="1" dirty="0">
+                <a:effectLst/>
+                <a:latin typeface="Calibri" panose="020F0502020204030204" pitchFamily="34" charset="0"/>
+                <a:ea typeface="Calibri" panose="020F0502020204030204" pitchFamily="34" charset="0"/>
+                <a:cs typeface="Arial" panose="020B0604020202020204" pitchFamily="34" charset="0"/>
+              </a:rPr>
+              <a:t>Working together on one live document</a:t>
+            </a:r>
+            <a:endParaRPr lang="en-GB" sz="1600" dirty="0">
+              <a:effectLst/>
+              <a:latin typeface="Calibri" panose="020F0502020204030204" pitchFamily="34" charset="0"/>
+              <a:ea typeface="Calibri" panose="020F0502020204030204" pitchFamily="34" charset="0"/>
+              <a:cs typeface="Arial" panose="020B0604020202020204" pitchFamily="34" charset="0"/>
+            </a:endParaRPr>
+          </a:p>
+          <a:p>
+            <a:pPr marL="28575" indent="0">
+              <a:lnSpc>
+                <a:spcPct val="107000"/>
+              </a:lnSpc>
+              <a:buNone/>
+            </a:pPr>
+            <a:r>
+              <a:rPr lang="en-GB" sz="1600" dirty="0">
+                <a:effectLst/>
+                <a:latin typeface="Calibri" panose="020F0502020204030204" pitchFamily="34" charset="0"/>
+                <a:ea typeface="Calibri" panose="020F0502020204030204" pitchFamily="34" charset="0"/>
+                <a:cs typeface="Arial" panose="020B0604020202020204" pitchFamily="34" charset="0"/>
+              </a:rPr>
+              <a:t>The team were all writing code on the same data set and with the same starting </a:t>
+            </a:r>
+            <a:r>
+              <a:rPr lang="en-GB" sz="1600" dirty="0" err="1">
+                <a:effectLst/>
+                <a:latin typeface="Calibri" panose="020F0502020204030204" pitchFamily="34" charset="0"/>
+                <a:ea typeface="Calibri" panose="020F0502020204030204" pitchFamily="34" charset="0"/>
+                <a:cs typeface="Arial" panose="020B0604020202020204" pitchFamily="34" charset="0"/>
+              </a:rPr>
+              <a:t>Jupyter</a:t>
+            </a:r>
+            <a:r>
+              <a:rPr lang="en-GB" sz="1600" dirty="0">
+                <a:effectLst/>
+                <a:latin typeface="Calibri" panose="020F0502020204030204" pitchFamily="34" charset="0"/>
+                <a:ea typeface="Calibri" panose="020F0502020204030204" pitchFamily="34" charset="0"/>
+                <a:cs typeface="Arial" panose="020B0604020202020204" pitchFamily="34" charset="0"/>
+              </a:rPr>
+              <a:t> Notebook file. The question was how best to collaborate on this document and pull the work together. We did consider trying to work on one python document at the same time, but abandoned this approach as we were unsure of the technology and through it might cost us time. In the end one team member took responsibility for the main document and other members sent their code snippets to include over slack. This worked, but there was an issue where we were getting different results from the data across the systems. </a:t>
+            </a:r>
+          </a:p>
+          <a:p>
+            <a:pPr marL="28575" indent="0">
+              <a:lnSpc>
+                <a:spcPct val="107000"/>
+              </a:lnSpc>
+              <a:buNone/>
+            </a:pPr>
+            <a:r>
+              <a:rPr lang="en-GB" sz="1600" b="1" dirty="0">
+                <a:effectLst/>
+                <a:latin typeface="Calibri" panose="020F0502020204030204" pitchFamily="34" charset="0"/>
+                <a:ea typeface="Calibri" panose="020F0502020204030204" pitchFamily="34" charset="0"/>
+                <a:cs typeface="Arial" panose="020B0604020202020204" pitchFamily="34" charset="0"/>
+              </a:rPr>
+              <a:t>Displaying the data effectively</a:t>
+            </a:r>
+            <a:endParaRPr lang="en-GB" sz="1600" dirty="0">
+              <a:effectLst/>
+              <a:latin typeface="Calibri" panose="020F0502020204030204" pitchFamily="34" charset="0"/>
+              <a:ea typeface="Calibri" panose="020F0502020204030204" pitchFamily="34" charset="0"/>
+              <a:cs typeface="Arial" panose="020B0604020202020204" pitchFamily="34" charset="0"/>
+            </a:endParaRPr>
+          </a:p>
+          <a:p>
+            <a:pPr marL="0" lvl="0" indent="0">
+              <a:lnSpc>
+                <a:spcPct val="107000"/>
+              </a:lnSpc>
+              <a:spcAft>
+                <a:spcPts val="800"/>
+              </a:spcAft>
+              <a:buNone/>
+            </a:pPr>
+            <a:r>
+              <a:rPr lang="en-GB" sz="1600" dirty="0">
+                <a:effectLst/>
+                <a:latin typeface="Calibri" panose="020F0502020204030204" pitchFamily="34" charset="0"/>
+                <a:ea typeface="Calibri" panose="020F0502020204030204" pitchFamily="34" charset="0"/>
+                <a:cs typeface="Arial" panose="020B0604020202020204" pitchFamily="34" charset="0"/>
+              </a:rPr>
+              <a:t>The nature of the data required charts based on of categories as well as integers. It was well suited to many types of chart that the team had little experience in working with. This was a harder challenge than we had anticipated and while we produced some basic displays, we did not get the correlations well displayed within the time-limits set. </a:t>
+            </a:r>
+            <a:endParaRPr lang="en-DE" dirty="0"/>
           </a:p>
         </p:txBody>
       </p:sp>
     </p:spTree>
     <p:extLst>
       <p:ext uri="{BB962C8B-B14F-4D97-AF65-F5344CB8AC3E}">
-        <p14:creationId xmlns:p14="http://schemas.microsoft.com/office/powerpoint/2010/main" val="309873940"/>
+        <p14:creationId xmlns:p14="http://schemas.microsoft.com/office/powerpoint/2010/main" val="1060918591"/>
       </p:ext>
     </p:extLst>
   </p:cSld>
@@ -5212,106 +5423,6 @@
 </p:sld>
 </file>
 
-<file path=ppt/slides/slide16.xml><?xml version="1.0" encoding="utf-8"?>
-<p:sld xmlns:a="http://schemas.openxmlformats.org/drawingml/2006/main" xmlns:r="http://schemas.openxmlformats.org/officeDocument/2006/relationships" xmlns:p="http://schemas.openxmlformats.org/presentationml/2006/main">
-  <p:cSld>
-    <p:spTree>
-      <p:nvGrpSpPr>
-        <p:cNvPr id="1" name=""/>
-        <p:cNvGrpSpPr/>
-        <p:nvPr/>
-      </p:nvGrpSpPr>
-      <p:grpSpPr>
-        <a:xfrm>
-          <a:off x="0" y="0"/>
-          <a:ext cx="0" cy="0"/>
-          <a:chOff x="0" y="0"/>
-          <a:chExt cx="0" cy="0"/>
-        </a:xfrm>
-      </p:grpSpPr>
-      <p:sp>
-        <p:nvSpPr>
-          <p:cNvPr id="2" name="Title 1">
-            <a:extLst>
-              <a:ext uri="{FF2B5EF4-FFF2-40B4-BE49-F238E27FC236}">
-                <a16:creationId xmlns:a16="http://schemas.microsoft.com/office/drawing/2014/main" id="{B1B5AEEA-58DE-2441-8DFD-6260B9BA0D9D}"/>
-              </a:ext>
-            </a:extLst>
-          </p:cNvPr>
-          <p:cNvSpPr>
-            <a:spLocks noGrp="1"/>
-          </p:cNvSpPr>
-          <p:nvPr>
-            <p:ph type="title"/>
-          </p:nvPr>
-        </p:nvSpPr>
-        <p:spPr/>
-        <p:txBody>
-          <a:bodyPr/>
-          <a:lstStyle/>
-          <a:p>
-            <a:r>
-              <a:rPr lang="en-DE" dirty="0"/>
-              <a:t>Struggels</a:t>
-            </a:r>
-          </a:p>
-        </p:txBody>
-      </p:sp>
-      <p:sp>
-        <p:nvSpPr>
-          <p:cNvPr id="3" name="Content Placeholder 2">
-            <a:extLst>
-              <a:ext uri="{FF2B5EF4-FFF2-40B4-BE49-F238E27FC236}">
-                <a16:creationId xmlns:a16="http://schemas.microsoft.com/office/drawing/2014/main" id="{7E42C20C-D22D-0F45-A251-9D0F1112E770}"/>
-              </a:ext>
-            </a:extLst>
-          </p:cNvPr>
-          <p:cNvSpPr>
-            <a:spLocks noGrp="1"/>
-          </p:cNvSpPr>
-          <p:nvPr>
-            <p:ph idx="1"/>
-          </p:nvPr>
-        </p:nvSpPr>
-        <p:spPr/>
-        <p:txBody>
-          <a:bodyPr/>
-          <a:lstStyle/>
-          <a:p>
-            <a:r>
-              <a:rPr lang="en-GB" dirty="0"/>
-              <a:t>N</a:t>
-            </a:r>
-            <a:r>
-              <a:rPr lang="en-DE" dirty="0"/>
-              <a:t>ot planning enough time for the plotting</a:t>
-            </a:r>
-          </a:p>
-          <a:p>
-            <a:r>
-              <a:rPr lang="en-GB" dirty="0" err="1"/>
-              <a:t>Hav</a:t>
-            </a:r>
-            <a:r>
-              <a:rPr lang="en-DE"/>
-              <a:t>ing different data despite using the same code</a:t>
-            </a:r>
-          </a:p>
-        </p:txBody>
-      </p:sp>
-    </p:spTree>
-    <p:extLst>
-      <p:ext uri="{BB962C8B-B14F-4D97-AF65-F5344CB8AC3E}">
-        <p14:creationId xmlns:p14="http://schemas.microsoft.com/office/powerpoint/2010/main" val="1060918591"/>
-      </p:ext>
-    </p:extLst>
-  </p:cSld>
-  <p:clrMapOvr>
-    <a:masterClrMapping/>
-  </p:clrMapOvr>
-</p:sld>
-</file>
-
 <file path=ppt/slides/slide2.xml><?xml version="1.0" encoding="utf-8"?>
 <p:sld xmlns:a="http://schemas.openxmlformats.org/drawingml/2006/main" xmlns:r="http://schemas.openxmlformats.org/officeDocument/2006/relationships" xmlns:p="http://schemas.openxmlformats.org/presentationml/2006/main">
   <p:cSld>
@@ -5382,7 +5493,9 @@
         </p:nvSpPr>
         <p:spPr/>
         <p:txBody>
-          <a:bodyPr/>
+          <a:bodyPr>
+            <a:normAutofit fontScale="85000" lnSpcReduction="20000"/>
+          </a:bodyPr>
           <a:lstStyle/>
           <a:p>
             <a:r>
@@ -5450,6 +5563,49 @@
               <a:rPr lang="en-GB" dirty="0"/>
               <a:t>4.1 How we want to present it (which plots to use) - done</a:t>
             </a:r>
+          </a:p>
+          <a:p>
+            <a:r>
+              <a:rPr lang="en-GB" dirty="0"/>
+              <a:t>Regroup on Monday: present individual ideas + decide on game plan</a:t>
+            </a:r>
+          </a:p>
+          <a:p>
+            <a:pPr lvl="1"/>
+            <a:r>
+              <a:rPr lang="en-GB" dirty="0"/>
+              <a:t>Work on first challenge together</a:t>
+            </a:r>
+          </a:p>
+          <a:p>
+            <a:pPr lvl="1"/>
+            <a:r>
+              <a:rPr lang="en-GB" dirty="0"/>
+              <a:t>Split next tasks up to work on individual with set time limit</a:t>
+            </a:r>
+          </a:p>
+          <a:p>
+            <a:pPr lvl="1"/>
+            <a:r>
+              <a:rPr lang="en-GB" dirty="0"/>
+              <a:t>Get back together present individual work and combine</a:t>
+            </a:r>
+          </a:p>
+          <a:p>
+            <a:pPr lvl="1"/>
+            <a:r>
+              <a:rPr lang="en-GB" dirty="0"/>
+              <a:t>Discuss issues </a:t>
+            </a:r>
+            <a:r>
+              <a:rPr lang="en-GB" dirty="0" err="1"/>
+              <a:t>adhoc</a:t>
+            </a:r>
+            <a:r>
+              <a:rPr lang="en-GB"/>
+              <a:t> together</a:t>
+            </a:r>
+            <a:endParaRPr lang="en-GB" dirty="0"/>
           </a:p>
           <a:p>
             <a:endParaRPr lang="en-GB" dirty="0"/>

--- a/Project1Presentation.pptx
+++ b/Project1Presentation.pptx
@@ -1,11 +1,11 @@
 
 <file path=ppt/presentation.xml><?xml version="1.0" encoding="utf-8"?>
-<p:presentation xmlns:a="http://schemas.openxmlformats.org/drawingml/2006/main" xmlns:r="http://schemas.openxmlformats.org/officeDocument/2006/relationships" xmlns:p="http://schemas.openxmlformats.org/presentationml/2006/main" saveSubsetFonts="1" autoCompressPictures="0">
+<p:presentation xmlns:a="http://schemas.openxmlformats.org/drawingml/2006/main" xmlns:r="http://schemas.openxmlformats.org/officeDocument/2006/relationships" xmlns:p="http://schemas.openxmlformats.org/presentationml/2006/main" showSpecialPlsOnTitleSld="0" saveSubsetFonts="1" autoCompressPictures="0">
   <p:sldMasterIdLst>
     <p:sldMasterId id="2147483648" r:id="rId1"/>
   </p:sldMasterIdLst>
   <p:notesMasterIdLst>
-    <p:notesMasterId r:id="rId17"/>
+    <p:notesMasterId r:id="rId22"/>
   </p:notesMasterIdLst>
   <p:sldIdLst>
     <p:sldId id="256" r:id="rId2"/>
@@ -14,15 +14,20 @@
     <p:sldId id="259" r:id="rId5"/>
     <p:sldId id="260" r:id="rId6"/>
     <p:sldId id="264" r:id="rId7"/>
-    <p:sldId id="267" r:id="rId8"/>
-    <p:sldId id="265" r:id="rId9"/>
-    <p:sldId id="266" r:id="rId10"/>
-    <p:sldId id="261" r:id="rId11"/>
-    <p:sldId id="262" r:id="rId12"/>
-    <p:sldId id="263" r:id="rId13"/>
-    <p:sldId id="268" r:id="rId14"/>
-    <p:sldId id="271" r:id="rId15"/>
-    <p:sldId id="270" r:id="rId16"/>
+    <p:sldId id="276" r:id="rId8"/>
+    <p:sldId id="267" r:id="rId9"/>
+    <p:sldId id="265" r:id="rId10"/>
+    <p:sldId id="266" r:id="rId11"/>
+    <p:sldId id="261" r:id="rId12"/>
+    <p:sldId id="274" r:id="rId13"/>
+    <p:sldId id="275" r:id="rId14"/>
+    <p:sldId id="262" r:id="rId15"/>
+    <p:sldId id="263" r:id="rId16"/>
+    <p:sldId id="268" r:id="rId17"/>
+    <p:sldId id="270" r:id="rId18"/>
+    <p:sldId id="279" r:id="rId19"/>
+    <p:sldId id="271" r:id="rId20"/>
+    <p:sldId id="278" r:id="rId21"/>
   </p:sldIdLst>
   <p:sldSz cx="12192000" cy="6858000"/>
   <p:notesSz cx="6858000" cy="9144000"/>
@@ -523,7 +528,157 @@
           <a:bodyPr/>
           <a:lstStyle/>
           <a:p>
-            <a:endParaRPr lang="en-DE" dirty="0"/>
+            <a:pPr marL="0" indent="0">
+              <a:lnSpc>
+                <a:spcPct val="120000"/>
+              </a:lnSpc>
+              <a:buNone/>
+            </a:pPr>
+            <a:r>
+              <a:rPr lang="en-GB" dirty="0"/>
+              <a:t>1. </a:t>
+            </a:r>
+            <a:r>
+              <a:rPr lang="en-GB" b="1" dirty="0"/>
+              <a:t>Cleaning Data</a:t>
+            </a:r>
+          </a:p>
+          <a:p>
+            <a:pPr marL="0" indent="0">
+              <a:lnSpc>
+                <a:spcPct val="120000"/>
+              </a:lnSpc>
+              <a:buNone/>
+            </a:pPr>
+            <a:r>
+              <a:rPr lang="en-GB" dirty="0"/>
+              <a:t>2. </a:t>
+            </a:r>
+            <a:r>
+              <a:rPr lang="en-GB" b="1" dirty="0"/>
+              <a:t>Wrangling Data</a:t>
+            </a:r>
+          </a:p>
+          <a:p>
+            <a:pPr lvl="1">
+              <a:lnSpc>
+                <a:spcPct val="120000"/>
+              </a:lnSpc>
+            </a:pPr>
+            <a:r>
+              <a:rPr lang="en-GB" dirty="0"/>
+              <a:t>standardize column 'positions’</a:t>
+            </a:r>
+          </a:p>
+          <a:p>
+            <a:pPr lvl="2">
+              <a:lnSpc>
+                <a:spcPct val="120000"/>
+              </a:lnSpc>
+            </a:pPr>
+            <a:r>
+              <a:rPr lang="en-GB" dirty="0"/>
+              <a:t>- Define list of job positions we want to look at</a:t>
+            </a:r>
+          </a:p>
+          <a:p>
+            <a:pPr lvl="2">
+              <a:lnSpc>
+                <a:spcPct val="120000"/>
+              </a:lnSpc>
+            </a:pPr>
+            <a:r>
+              <a:rPr lang="en-GB" dirty="0"/>
+              <a:t>- Extract them into new column &amp; harmonize</a:t>
+            </a:r>
+          </a:p>
+          <a:p>
+            <a:pPr lvl="1">
+              <a:lnSpc>
+                <a:spcPct val="120000"/>
+              </a:lnSpc>
+            </a:pPr>
+            <a:r>
+              <a:rPr lang="en-GB" dirty="0"/>
+              <a:t>standardize column 'company’</a:t>
+            </a:r>
+          </a:p>
+          <a:p>
+            <a:pPr lvl="2">
+              <a:lnSpc>
+                <a:spcPct val="120000"/>
+              </a:lnSpc>
+            </a:pPr>
+            <a:r>
+              <a:rPr lang="en-GB" dirty="0"/>
+              <a:t>- check for same description just written differently/ typos &amp; correct them</a:t>
+            </a:r>
+          </a:p>
+          <a:p>
+            <a:pPr lvl="1">
+              <a:lnSpc>
+                <a:spcPct val="120000"/>
+              </a:lnSpc>
+            </a:pPr>
+            <a:r>
+              <a:rPr lang="en-GB" dirty="0"/>
+              <a:t>standardize column 'location’</a:t>
+            </a:r>
+          </a:p>
+          <a:p>
+            <a:pPr lvl="2">
+              <a:lnSpc>
+                <a:spcPct val="120000"/>
+              </a:lnSpc>
+            </a:pPr>
+            <a:r>
+              <a:rPr lang="en-GB" dirty="0"/>
+              <a:t>- Extract State in new column</a:t>
+            </a:r>
+          </a:p>
+          <a:p>
+            <a:pPr lvl="1">
+              <a:lnSpc>
+                <a:spcPct val="120000"/>
+              </a:lnSpc>
+            </a:pPr>
+            <a:r>
+              <a:rPr lang="en-GB" dirty="0"/>
+              <a:t>extract words from column ‘description’</a:t>
+            </a:r>
+          </a:p>
+          <a:p>
+            <a:pPr lvl="2">
+              <a:lnSpc>
+                <a:spcPct val="120000"/>
+              </a:lnSpc>
+            </a:pPr>
+            <a:r>
+              <a:rPr lang="en-GB" dirty="0"/>
+              <a:t>- Languages, seniority level, education</a:t>
+            </a:r>
+          </a:p>
+          <a:p>
+            <a:pPr marL="0" indent="0">
+              <a:lnSpc>
+                <a:spcPct val="120000"/>
+              </a:lnSpc>
+              <a:buNone/>
+            </a:pPr>
+            <a:r>
+              <a:rPr lang="en-GB" dirty="0"/>
+              <a:t>3. </a:t>
+            </a:r>
+            <a:r>
+              <a:rPr lang="en-GB" b="1" dirty="0"/>
+              <a:t>Visualization of Insights</a:t>
+            </a:r>
+          </a:p>
+          <a:p>
+            <a:r>
+              <a:rPr lang="en-DE" dirty="0"/>
+              <a:t> with mathplotlip and seaborn</a:t>
+            </a:r>
           </a:p>
         </p:txBody>
       </p:sp>
@@ -544,7 +699,7 @@
           <a:p>
             <a:fld id="{44696DCD-7610-2C4B-80E4-F527A2A5FCBD}" type="slidenum">
               <a:rPr lang="en-DE" smtClean="0"/>
-              <a:t>5</a:t>
+              <a:t>3</a:t>
             </a:fld>
             <a:endParaRPr lang="en-DE"/>
           </a:p>
@@ -553,7 +708,7 @@
     </p:spTree>
     <p:extLst>
       <p:ext uri="{BB962C8B-B14F-4D97-AF65-F5344CB8AC3E}">
-        <p14:creationId xmlns:p14="http://schemas.microsoft.com/office/powerpoint/2010/main" val="1241792810"/>
+        <p14:creationId xmlns:p14="http://schemas.microsoft.com/office/powerpoint/2010/main" val="1146888183"/>
       </p:ext>
     </p:extLst>
   </p:cSld>
@@ -628,7 +783,7 @@
           <a:p>
             <a:fld id="{44696DCD-7610-2C4B-80E4-F527A2A5FCBD}" type="slidenum">
               <a:rPr lang="en-DE" smtClean="0"/>
-              <a:t>6</a:t>
+              <a:t>5</a:t>
             </a:fld>
             <a:endParaRPr lang="en-DE"/>
           </a:p>
@@ -637,7 +792,7 @@
     </p:spTree>
     <p:extLst>
       <p:ext uri="{BB962C8B-B14F-4D97-AF65-F5344CB8AC3E}">
-        <p14:creationId xmlns:p14="http://schemas.microsoft.com/office/powerpoint/2010/main" val="4212625358"/>
+        <p14:creationId xmlns:p14="http://schemas.microsoft.com/office/powerpoint/2010/main" val="1241792810"/>
       </p:ext>
     </p:extLst>
   </p:cSld>
@@ -712,7 +867,7 @@
           <a:p>
             <a:fld id="{44696DCD-7610-2C4B-80E4-F527A2A5FCBD}" type="slidenum">
               <a:rPr lang="en-DE" smtClean="0"/>
-              <a:t>7</a:t>
+              <a:t>6</a:t>
             </a:fld>
             <a:endParaRPr lang="en-DE"/>
           </a:p>
@@ -721,7 +876,7 @@
     </p:spTree>
     <p:extLst>
       <p:ext uri="{BB962C8B-B14F-4D97-AF65-F5344CB8AC3E}">
-        <p14:creationId xmlns:p14="http://schemas.microsoft.com/office/powerpoint/2010/main" val="283356847"/>
+        <p14:creationId xmlns:p14="http://schemas.microsoft.com/office/powerpoint/2010/main" val="4212625358"/>
       </p:ext>
     </p:extLst>
   </p:cSld>
@@ -805,7 +960,7 @@
     </p:spTree>
     <p:extLst>
       <p:ext uri="{BB962C8B-B14F-4D97-AF65-F5344CB8AC3E}">
-        <p14:creationId xmlns:p14="http://schemas.microsoft.com/office/powerpoint/2010/main" val="2551144144"/>
+        <p14:creationId xmlns:p14="http://schemas.microsoft.com/office/powerpoint/2010/main" val="283356847"/>
       </p:ext>
     </p:extLst>
   </p:cSld>
@@ -889,7 +1044,351 @@
     </p:spTree>
     <p:extLst>
       <p:ext uri="{BB962C8B-B14F-4D97-AF65-F5344CB8AC3E}">
+        <p14:creationId xmlns:p14="http://schemas.microsoft.com/office/powerpoint/2010/main" val="2551144144"/>
+      </p:ext>
+    </p:extLst>
+  </p:cSld>
+  <p:clrMapOvr>
+    <a:masterClrMapping/>
+  </p:clrMapOvr>
+</p:notes>
+</file>
+
+<file path=ppt/notesSlides/notesSlide6.xml><?xml version="1.0" encoding="utf-8"?>
+<p:notes xmlns:a="http://schemas.openxmlformats.org/drawingml/2006/main" xmlns:r="http://schemas.openxmlformats.org/officeDocument/2006/relationships" xmlns:p="http://schemas.openxmlformats.org/presentationml/2006/main">
+  <p:cSld>
+    <p:spTree>
+      <p:nvGrpSpPr>
+        <p:cNvPr id="1" name=""/>
+        <p:cNvGrpSpPr/>
+        <p:nvPr/>
+      </p:nvGrpSpPr>
+      <p:grpSpPr>
+        <a:xfrm>
+          <a:off x="0" y="0"/>
+          <a:ext cx="0" cy="0"/>
+          <a:chOff x="0" y="0"/>
+          <a:chExt cx="0" cy="0"/>
+        </a:xfrm>
+      </p:grpSpPr>
+      <p:sp>
+        <p:nvSpPr>
+          <p:cNvPr id="2" name="Slide Image Placeholder 1"/>
+          <p:cNvSpPr>
+            <a:spLocks noGrp="1" noRot="1" noChangeAspect="1"/>
+          </p:cNvSpPr>
+          <p:nvPr>
+            <p:ph type="sldImg"/>
+          </p:nvPr>
+        </p:nvSpPr>
+        <p:spPr/>
+      </p:sp>
+      <p:sp>
+        <p:nvSpPr>
+          <p:cNvPr id="3" name="Notes Placeholder 2"/>
+          <p:cNvSpPr>
+            <a:spLocks noGrp="1"/>
+          </p:cNvSpPr>
+          <p:nvPr>
+            <p:ph type="body" idx="1"/>
+          </p:nvPr>
+        </p:nvSpPr>
+        <p:spPr/>
+        <p:txBody>
+          <a:bodyPr/>
+          <a:lstStyle/>
+          <a:p>
+            <a:endParaRPr lang="en-DE" dirty="0"/>
+          </a:p>
+        </p:txBody>
+      </p:sp>
+      <p:sp>
+        <p:nvSpPr>
+          <p:cNvPr id="4" name="Slide Number Placeholder 3"/>
+          <p:cNvSpPr>
+            <a:spLocks noGrp="1"/>
+          </p:cNvSpPr>
+          <p:nvPr>
+            <p:ph type="sldNum" sz="quarter" idx="5"/>
+          </p:nvPr>
+        </p:nvSpPr>
+        <p:spPr/>
+        <p:txBody>
+          <a:bodyPr/>
+          <a:lstStyle/>
+          <a:p>
+            <a:fld id="{44696DCD-7610-2C4B-80E4-F527A2A5FCBD}" type="slidenum">
+              <a:rPr lang="en-DE" smtClean="0"/>
+              <a:t>10</a:t>
+            </a:fld>
+            <a:endParaRPr lang="en-DE"/>
+          </a:p>
+        </p:txBody>
+      </p:sp>
+    </p:spTree>
+    <p:extLst>
+      <p:ext uri="{BB962C8B-B14F-4D97-AF65-F5344CB8AC3E}">
         <p14:creationId xmlns:p14="http://schemas.microsoft.com/office/powerpoint/2010/main" val="1555137921"/>
+      </p:ext>
+    </p:extLst>
+  </p:cSld>
+  <p:clrMapOvr>
+    <a:masterClrMapping/>
+  </p:clrMapOvr>
+</p:notes>
+</file>
+
+<file path=ppt/notesSlides/notesSlide7.xml><?xml version="1.0" encoding="utf-8"?>
+<p:notes xmlns:a="http://schemas.openxmlformats.org/drawingml/2006/main" xmlns:r="http://schemas.openxmlformats.org/officeDocument/2006/relationships" xmlns:p="http://schemas.openxmlformats.org/presentationml/2006/main">
+  <p:cSld>
+    <p:spTree>
+      <p:nvGrpSpPr>
+        <p:cNvPr id="1" name=""/>
+        <p:cNvGrpSpPr/>
+        <p:nvPr/>
+      </p:nvGrpSpPr>
+      <p:grpSpPr>
+        <a:xfrm>
+          <a:off x="0" y="0"/>
+          <a:ext cx="0" cy="0"/>
+          <a:chOff x="0" y="0"/>
+          <a:chExt cx="0" cy="0"/>
+        </a:xfrm>
+      </p:grpSpPr>
+      <p:sp>
+        <p:nvSpPr>
+          <p:cNvPr id="2" name="Slide Image Placeholder 1"/>
+          <p:cNvSpPr>
+            <a:spLocks noGrp="1" noRot="1" noChangeAspect="1"/>
+          </p:cNvSpPr>
+          <p:nvPr>
+            <p:ph type="sldImg"/>
+          </p:nvPr>
+        </p:nvSpPr>
+        <p:spPr/>
+      </p:sp>
+      <p:sp>
+        <p:nvSpPr>
+          <p:cNvPr id="3" name="Notes Placeholder 2"/>
+          <p:cNvSpPr>
+            <a:spLocks noGrp="1"/>
+          </p:cNvSpPr>
+          <p:nvPr>
+            <p:ph type="body" idx="1"/>
+          </p:nvPr>
+        </p:nvSpPr>
+        <p:spPr/>
+        <p:txBody>
+          <a:bodyPr/>
+          <a:lstStyle/>
+          <a:p>
+            <a:pPr marL="0" lvl="0" indent="0">
+              <a:lnSpc>
+                <a:spcPct val="107000"/>
+              </a:lnSpc>
+              <a:buNone/>
+            </a:pPr>
+            <a:r>
+              <a:rPr lang="en-GB" sz="1200" b="1" dirty="0">
+                <a:effectLst/>
+                <a:latin typeface="Calibri" panose="020F0502020204030204" pitchFamily="34" charset="0"/>
+                <a:ea typeface="Calibri" panose="020F0502020204030204" pitchFamily="34" charset="0"/>
+                <a:cs typeface="Arial" panose="020B0604020202020204" pitchFamily="34" charset="0"/>
+              </a:rPr>
+              <a:t>The non-standardised nature of the raw data </a:t>
+            </a:r>
+          </a:p>
+          <a:p>
+            <a:pPr marL="0" lvl="0" indent="0">
+              <a:lnSpc>
+                <a:spcPct val="107000"/>
+              </a:lnSpc>
+              <a:buNone/>
+            </a:pPr>
+            <a:r>
+              <a:rPr lang="en-GB" sz="1200" dirty="0">
+                <a:effectLst/>
+                <a:latin typeface="Calibri" panose="020F0502020204030204" pitchFamily="34" charset="0"/>
+                <a:ea typeface="Calibri" panose="020F0502020204030204" pitchFamily="34" charset="0"/>
+                <a:cs typeface="Arial" panose="020B0604020202020204" pitchFamily="34" charset="0"/>
+              </a:rPr>
+              <a:t>The data has a large amount of non-structured information. It is not possible to see at a glance how best to categorise this. A thorough investigation of the full potential of the data would require a lengthy and sophisticated analysis. We decided that given the time restraints it was best to concentrate on just a handful of easily identifiable categories and work with them. </a:t>
+            </a:r>
+          </a:p>
+          <a:p>
+            <a:pPr marL="0" lvl="0" indent="0">
+              <a:lnSpc>
+                <a:spcPct val="107000"/>
+              </a:lnSpc>
+              <a:buNone/>
+            </a:pPr>
+            <a:r>
+              <a:rPr lang="en-GB" sz="1200" b="1" dirty="0">
+                <a:effectLst/>
+                <a:latin typeface="Calibri" panose="020F0502020204030204" pitchFamily="34" charset="0"/>
+                <a:ea typeface="Calibri" panose="020F0502020204030204" pitchFamily="34" charset="0"/>
+                <a:cs typeface="Arial" panose="020B0604020202020204" pitchFamily="34" charset="0"/>
+              </a:rPr>
+              <a:t>Teamwork in a time pressured environment with new colleagues</a:t>
+            </a:r>
+            <a:endParaRPr lang="en-GB" sz="1200" dirty="0">
+              <a:effectLst/>
+              <a:latin typeface="Calibri" panose="020F0502020204030204" pitchFamily="34" charset="0"/>
+              <a:ea typeface="Calibri" panose="020F0502020204030204" pitchFamily="34" charset="0"/>
+              <a:cs typeface="Arial" panose="020B0604020202020204" pitchFamily="34" charset="0"/>
+            </a:endParaRPr>
+          </a:p>
+          <a:p>
+            <a:pPr marL="28575" indent="0">
+              <a:lnSpc>
+                <a:spcPct val="107000"/>
+              </a:lnSpc>
+              <a:buNone/>
+            </a:pPr>
+            <a:r>
+              <a:rPr lang="en-GB" sz="1200" dirty="0">
+                <a:effectLst/>
+                <a:latin typeface="Calibri" panose="020F0502020204030204" pitchFamily="34" charset="0"/>
+                <a:ea typeface="Calibri" panose="020F0502020204030204" pitchFamily="34" charset="0"/>
+                <a:cs typeface="Arial" panose="020B0604020202020204" pitchFamily="34" charset="0"/>
+              </a:rPr>
+              <a:t>The team had not worked together before and we were under pressure to deliver a fist analysis in half a day. Despite this the team worked well together, setting clear time slots for private work and then coming back together to review, as well as successfully working together to solve problems. </a:t>
+            </a:r>
+          </a:p>
+          <a:p>
+            <a:pPr marL="0" lvl="0" indent="0">
+              <a:lnSpc>
+                <a:spcPct val="107000"/>
+              </a:lnSpc>
+              <a:buNone/>
+            </a:pPr>
+            <a:r>
+              <a:rPr lang="en-GB" sz="1200" b="1" dirty="0">
+                <a:effectLst/>
+                <a:latin typeface="Calibri" panose="020F0502020204030204" pitchFamily="34" charset="0"/>
+                <a:ea typeface="Calibri" panose="020F0502020204030204" pitchFamily="34" charset="0"/>
+                <a:cs typeface="Arial" panose="020B0604020202020204" pitchFamily="34" charset="0"/>
+              </a:rPr>
+              <a:t>Working together on one live document</a:t>
+            </a:r>
+            <a:endParaRPr lang="en-GB" sz="1200" dirty="0">
+              <a:effectLst/>
+              <a:latin typeface="Calibri" panose="020F0502020204030204" pitchFamily="34" charset="0"/>
+              <a:ea typeface="Calibri" panose="020F0502020204030204" pitchFamily="34" charset="0"/>
+              <a:cs typeface="Arial" panose="020B0604020202020204" pitchFamily="34" charset="0"/>
+            </a:endParaRPr>
+          </a:p>
+          <a:p>
+            <a:pPr marL="28575" indent="0">
+              <a:lnSpc>
+                <a:spcPct val="107000"/>
+              </a:lnSpc>
+              <a:buNone/>
+            </a:pPr>
+            <a:r>
+              <a:rPr lang="en-GB" sz="1200" dirty="0">
+                <a:effectLst/>
+                <a:latin typeface="Calibri" panose="020F0502020204030204" pitchFamily="34" charset="0"/>
+                <a:ea typeface="Calibri" panose="020F0502020204030204" pitchFamily="34" charset="0"/>
+                <a:cs typeface="Arial" panose="020B0604020202020204" pitchFamily="34" charset="0"/>
+              </a:rPr>
+              <a:t>The team were all writing code on the same data set and with the same starting </a:t>
+            </a:r>
+            <a:r>
+              <a:rPr lang="en-GB" sz="1200" dirty="0" err="1">
+                <a:effectLst/>
+                <a:latin typeface="Calibri" panose="020F0502020204030204" pitchFamily="34" charset="0"/>
+                <a:ea typeface="Calibri" panose="020F0502020204030204" pitchFamily="34" charset="0"/>
+                <a:cs typeface="Arial" panose="020B0604020202020204" pitchFamily="34" charset="0"/>
+              </a:rPr>
+              <a:t>Jupyter</a:t>
+            </a:r>
+            <a:r>
+              <a:rPr lang="en-GB" sz="1200" dirty="0">
+                <a:effectLst/>
+                <a:latin typeface="Calibri" panose="020F0502020204030204" pitchFamily="34" charset="0"/>
+                <a:ea typeface="Calibri" panose="020F0502020204030204" pitchFamily="34" charset="0"/>
+                <a:cs typeface="Arial" panose="020B0604020202020204" pitchFamily="34" charset="0"/>
+              </a:rPr>
+              <a:t> Notebook file. The question was how best to collaborate on this document and pull the work together. We did consider trying to work on one python document at the same time, but abandoned this approach as we were unsure of the technology and through it might cost us time. In the end one team member took responsibility for the main document and other members sent their code snippets to include over slack. This worked, but there was an issue where we were getting different results from the data across the systems. </a:t>
+            </a:r>
+          </a:p>
+          <a:p>
+            <a:pPr marL="28575" indent="0">
+              <a:lnSpc>
+                <a:spcPct val="107000"/>
+              </a:lnSpc>
+              <a:buNone/>
+            </a:pPr>
+            <a:r>
+              <a:rPr lang="en-GB" sz="1200" b="1" dirty="0">
+                <a:effectLst/>
+                <a:latin typeface="Calibri" panose="020F0502020204030204" pitchFamily="34" charset="0"/>
+                <a:ea typeface="Calibri" panose="020F0502020204030204" pitchFamily="34" charset="0"/>
+                <a:cs typeface="Arial" panose="020B0604020202020204" pitchFamily="34" charset="0"/>
+              </a:rPr>
+              <a:t>Displaying the data effectively</a:t>
+            </a:r>
+            <a:endParaRPr lang="en-GB" sz="1200" dirty="0">
+              <a:effectLst/>
+              <a:latin typeface="Calibri" panose="020F0502020204030204" pitchFamily="34" charset="0"/>
+              <a:ea typeface="Calibri" panose="020F0502020204030204" pitchFamily="34" charset="0"/>
+              <a:cs typeface="Arial" panose="020B0604020202020204" pitchFamily="34" charset="0"/>
+            </a:endParaRPr>
+          </a:p>
+          <a:p>
+            <a:pPr marL="0" lvl="0" indent="0">
+              <a:lnSpc>
+                <a:spcPct val="107000"/>
+              </a:lnSpc>
+              <a:spcAft>
+                <a:spcPts val="800"/>
+              </a:spcAft>
+              <a:buNone/>
+            </a:pPr>
+            <a:r>
+              <a:rPr lang="en-GB" sz="1200" dirty="0">
+                <a:effectLst/>
+                <a:latin typeface="Calibri" panose="020F0502020204030204" pitchFamily="34" charset="0"/>
+                <a:ea typeface="Calibri" panose="020F0502020204030204" pitchFamily="34" charset="0"/>
+                <a:cs typeface="Arial" panose="020B0604020202020204" pitchFamily="34" charset="0"/>
+              </a:rPr>
+              <a:t>The nature of the data required charts based on of categories as well as integers. It was well suited to many types of chart that the team had little experience in working with. This was a harder challenge than we had anticipated and while we produced some basic displays, we did not get the correlations well displayed within the time-limits set. </a:t>
+            </a:r>
+            <a:endParaRPr lang="en-DE" dirty="0"/>
+          </a:p>
+          <a:p>
+            <a:endParaRPr lang="en-DE" dirty="0"/>
+          </a:p>
+        </p:txBody>
+      </p:sp>
+      <p:sp>
+        <p:nvSpPr>
+          <p:cNvPr id="4" name="Slide Number Placeholder 3"/>
+          <p:cNvSpPr>
+            <a:spLocks noGrp="1"/>
+          </p:cNvSpPr>
+          <p:nvPr>
+            <p:ph type="sldNum" sz="quarter" idx="5"/>
+          </p:nvPr>
+        </p:nvSpPr>
+        <p:spPr/>
+        <p:txBody>
+          <a:bodyPr/>
+          <a:lstStyle/>
+          <a:p>
+            <a:fld id="{44696DCD-7610-2C4B-80E4-F527A2A5FCBD}" type="slidenum">
+              <a:rPr lang="en-DE" smtClean="0"/>
+              <a:t>19</a:t>
+            </a:fld>
+            <a:endParaRPr lang="en-DE"/>
+          </a:p>
+        </p:txBody>
+      </p:sp>
+    </p:spTree>
+    <p:extLst>
+      <p:ext uri="{BB962C8B-B14F-4D97-AF65-F5344CB8AC3E}">
+        <p14:creationId xmlns:p14="http://schemas.microsoft.com/office/powerpoint/2010/main" val="486657278"/>
       </p:ext>
     </p:extLst>
   </p:cSld>
@@ -1046,8 +1545,8 @@
           <a:bodyPr/>
           <a:lstStyle/>
           <a:p>
-            <a:fld id="{1B7CD12D-F298-374E-B75F-CE539E99714B}" type="datetimeFigureOut">
-              <a:rPr lang="en-DE" smtClean="0"/>
+            <a:fld id="{97EF4118-260D-D845-BD89-1717203AC8E3}" type="datetime1">
+              <a:rPr lang="de-DE" smtClean="0"/>
               <a:t>30.03.21</a:t>
             </a:fld>
             <a:endParaRPr lang="en-DE"/>
@@ -1075,6 +1574,10 @@
           <a:bodyPr/>
           <a:lstStyle/>
           <a:p>
+            <a:r>
+              <a:rPr lang="en-GB"/>
+              <a:t>Team r2-d2</a:t>
+            </a:r>
             <a:endParaRPr lang="en-DE"/>
           </a:p>
         </p:txBody>
@@ -1246,8 +1749,8 @@
           <a:bodyPr/>
           <a:lstStyle/>
           <a:p>
-            <a:fld id="{1B7CD12D-F298-374E-B75F-CE539E99714B}" type="datetimeFigureOut">
-              <a:rPr lang="en-DE" smtClean="0"/>
+            <a:fld id="{004C117B-8112-9449-939A-D17140A3F4B2}" type="datetime1">
+              <a:rPr lang="de-DE" smtClean="0"/>
               <a:t>30.03.21</a:t>
             </a:fld>
             <a:endParaRPr lang="en-DE"/>
@@ -1275,6 +1778,10 @@
           <a:bodyPr/>
           <a:lstStyle/>
           <a:p>
+            <a:r>
+              <a:rPr lang="en-GB"/>
+              <a:t>Team r2-d2</a:t>
+            </a:r>
             <a:endParaRPr lang="en-DE"/>
           </a:p>
         </p:txBody>
@@ -1456,8 +1963,8 @@
           <a:bodyPr/>
           <a:lstStyle/>
           <a:p>
-            <a:fld id="{1B7CD12D-F298-374E-B75F-CE539E99714B}" type="datetimeFigureOut">
-              <a:rPr lang="en-DE" smtClean="0"/>
+            <a:fld id="{F937652C-7DAE-4945-91AC-CE1A7B400705}" type="datetime1">
+              <a:rPr lang="de-DE" smtClean="0"/>
               <a:t>30.03.21</a:t>
             </a:fld>
             <a:endParaRPr lang="en-DE"/>
@@ -1485,6 +1992,10 @@
           <a:bodyPr/>
           <a:lstStyle/>
           <a:p>
+            <a:r>
+              <a:rPr lang="en-GB"/>
+              <a:t>Team r2-d2</a:t>
+            </a:r>
             <a:endParaRPr lang="en-DE"/>
           </a:p>
         </p:txBody>
@@ -1656,8 +2167,8 @@
           <a:bodyPr/>
           <a:lstStyle/>
           <a:p>
-            <a:fld id="{1B7CD12D-F298-374E-B75F-CE539E99714B}" type="datetimeFigureOut">
-              <a:rPr lang="en-DE" smtClean="0"/>
+            <a:fld id="{734BE688-F2EA-7D49-9E60-436D4AE94C38}" type="datetime1">
+              <a:rPr lang="de-DE" smtClean="0"/>
               <a:t>30.03.21</a:t>
             </a:fld>
             <a:endParaRPr lang="en-DE"/>
@@ -1685,6 +2196,10 @@
           <a:bodyPr/>
           <a:lstStyle/>
           <a:p>
+            <a:r>
+              <a:rPr lang="en-GB"/>
+              <a:t>Team r2-d2</a:t>
+            </a:r>
             <a:endParaRPr lang="en-DE"/>
           </a:p>
         </p:txBody>
@@ -1932,8 +2447,8 @@
           <a:bodyPr/>
           <a:lstStyle/>
           <a:p>
-            <a:fld id="{1B7CD12D-F298-374E-B75F-CE539E99714B}" type="datetimeFigureOut">
-              <a:rPr lang="en-DE" smtClean="0"/>
+            <a:fld id="{F96EE734-2F7B-804C-AA2E-9AE35A918649}" type="datetime1">
+              <a:rPr lang="de-DE" smtClean="0"/>
               <a:t>30.03.21</a:t>
             </a:fld>
             <a:endParaRPr lang="en-DE"/>
@@ -1961,6 +2476,10 @@
           <a:bodyPr/>
           <a:lstStyle/>
           <a:p>
+            <a:r>
+              <a:rPr lang="en-GB"/>
+              <a:t>Team r2-d2</a:t>
+            </a:r>
             <a:endParaRPr lang="en-DE"/>
           </a:p>
         </p:txBody>
@@ -2200,8 +2719,8 @@
           <a:bodyPr/>
           <a:lstStyle/>
           <a:p>
-            <a:fld id="{1B7CD12D-F298-374E-B75F-CE539E99714B}" type="datetimeFigureOut">
-              <a:rPr lang="en-DE" smtClean="0"/>
+            <a:fld id="{78F50488-05CB-194F-9BAA-61DE9B446E53}" type="datetime1">
+              <a:rPr lang="de-DE" smtClean="0"/>
               <a:t>30.03.21</a:t>
             </a:fld>
             <a:endParaRPr lang="en-DE"/>
@@ -2229,6 +2748,10 @@
           <a:bodyPr/>
           <a:lstStyle/>
           <a:p>
+            <a:r>
+              <a:rPr lang="en-GB"/>
+              <a:t>Team r2-d2</a:t>
+            </a:r>
             <a:endParaRPr lang="en-DE"/>
           </a:p>
         </p:txBody>
@@ -2615,8 +3138,8 @@
           <a:bodyPr/>
           <a:lstStyle/>
           <a:p>
-            <a:fld id="{1B7CD12D-F298-374E-B75F-CE539E99714B}" type="datetimeFigureOut">
-              <a:rPr lang="en-DE" smtClean="0"/>
+            <a:fld id="{30DB521C-94A3-CD47-BAC7-077429D1372C}" type="datetime1">
+              <a:rPr lang="de-DE" smtClean="0"/>
               <a:t>30.03.21</a:t>
             </a:fld>
             <a:endParaRPr lang="en-DE"/>
@@ -2644,6 +3167,10 @@
           <a:bodyPr/>
           <a:lstStyle/>
           <a:p>
+            <a:r>
+              <a:rPr lang="en-GB"/>
+              <a:t>Team r2-d2</a:t>
+            </a:r>
             <a:endParaRPr lang="en-DE"/>
           </a:p>
         </p:txBody>
@@ -2757,8 +3284,8 @@
           <a:bodyPr/>
           <a:lstStyle/>
           <a:p>
-            <a:fld id="{1B7CD12D-F298-374E-B75F-CE539E99714B}" type="datetimeFigureOut">
-              <a:rPr lang="en-DE" smtClean="0"/>
+            <a:fld id="{2AEECFED-BED6-D347-B23C-2030BB15ED27}" type="datetime1">
+              <a:rPr lang="de-DE" smtClean="0"/>
               <a:t>30.03.21</a:t>
             </a:fld>
             <a:endParaRPr lang="en-DE"/>
@@ -2786,6 +3313,10 @@
           <a:bodyPr/>
           <a:lstStyle/>
           <a:p>
+            <a:r>
+              <a:rPr lang="en-GB"/>
+              <a:t>Team r2-d2</a:t>
+            </a:r>
             <a:endParaRPr lang="en-DE"/>
           </a:p>
         </p:txBody>
@@ -2870,8 +3401,8 @@
           <a:bodyPr/>
           <a:lstStyle/>
           <a:p>
-            <a:fld id="{1B7CD12D-F298-374E-B75F-CE539E99714B}" type="datetimeFigureOut">
-              <a:rPr lang="en-DE" smtClean="0"/>
+            <a:fld id="{0D669CE8-ED98-0B4B-896F-54FCC5177DDD}" type="datetime1">
+              <a:rPr lang="de-DE" smtClean="0"/>
               <a:t>30.03.21</a:t>
             </a:fld>
             <a:endParaRPr lang="en-DE"/>
@@ -2899,6 +3430,10 @@
           <a:bodyPr/>
           <a:lstStyle/>
           <a:p>
+            <a:r>
+              <a:rPr lang="en-GB"/>
+              <a:t>Team r2-d2</a:t>
+            </a:r>
             <a:endParaRPr lang="en-DE"/>
           </a:p>
         </p:txBody>
@@ -3183,8 +3718,8 @@
           <a:bodyPr/>
           <a:lstStyle/>
           <a:p>
-            <a:fld id="{1B7CD12D-F298-374E-B75F-CE539E99714B}" type="datetimeFigureOut">
-              <a:rPr lang="en-DE" smtClean="0"/>
+            <a:fld id="{9CC70E4F-93C8-3E4F-B42D-0470D33EDEA5}" type="datetime1">
+              <a:rPr lang="de-DE" smtClean="0"/>
               <a:t>30.03.21</a:t>
             </a:fld>
             <a:endParaRPr lang="en-DE"/>
@@ -3212,6 +3747,10 @@
           <a:bodyPr/>
           <a:lstStyle/>
           <a:p>
+            <a:r>
+              <a:rPr lang="en-GB"/>
+              <a:t>Team r2-d2</a:t>
+            </a:r>
             <a:endParaRPr lang="en-DE"/>
           </a:p>
         </p:txBody>
@@ -3472,8 +4011,8 @@
           <a:bodyPr/>
           <a:lstStyle/>
           <a:p>
-            <a:fld id="{1B7CD12D-F298-374E-B75F-CE539E99714B}" type="datetimeFigureOut">
-              <a:rPr lang="en-DE" smtClean="0"/>
+            <a:fld id="{F310B3CB-C618-FA4C-9302-4560A21629B2}" type="datetime1">
+              <a:rPr lang="de-DE" smtClean="0"/>
               <a:t>30.03.21</a:t>
             </a:fld>
             <a:endParaRPr lang="en-DE"/>
@@ -3501,6 +4040,10 @@
           <a:bodyPr/>
           <a:lstStyle/>
           <a:p>
+            <a:r>
+              <a:rPr lang="en-GB"/>
+              <a:t>Team r2-d2</a:t>
+            </a:r>
             <a:endParaRPr lang="en-DE"/>
           </a:p>
         </p:txBody>
@@ -3715,8 +4258,8 @@
             </a:lvl1pPr>
           </a:lstStyle>
           <a:p>
-            <a:fld id="{1B7CD12D-F298-374E-B75F-CE539E99714B}" type="datetimeFigureOut">
-              <a:rPr lang="en-DE" smtClean="0"/>
+            <a:fld id="{6F6B9FF8-17AF-C443-8D97-80DDF49EEE76}" type="datetime1">
+              <a:rPr lang="de-DE" smtClean="0"/>
               <a:t>30.03.21</a:t>
             </a:fld>
             <a:endParaRPr lang="en-DE"/>
@@ -3762,6 +4305,10 @@
             </a:lvl1pPr>
           </a:lstStyle>
           <a:p>
+            <a:r>
+              <a:rPr lang="en-GB"/>
+              <a:t>Team r2-d2</a:t>
+            </a:r>
             <a:endParaRPr lang="en-DE"/>
           </a:p>
         </p:txBody>
@@ -3834,6 +4381,7 @@
     <p:sldLayoutId id="2147483658" r:id="rId10"/>
     <p:sldLayoutId id="2147483659" r:id="rId11"/>
   </p:sldLayoutIdLst>
+  <p:hf hdr="0"/>
   <p:txStyles>
     <p:titleStyle>
       <a:lvl1pPr algn="l" defTabSz="914400" rtl="0" eaLnBrk="1" latinLnBrk="0" hangingPunct="1">
@@ -4134,6 +4682,36 @@
           <a:chExt cx="0" cy="0"/>
         </a:xfrm>
       </p:grpSpPr>
+      <p:pic>
+        <p:nvPicPr>
+          <p:cNvPr id="5" name="Picture 4">
+            <a:extLst>
+              <a:ext uri="{FF2B5EF4-FFF2-40B4-BE49-F238E27FC236}">
+                <a16:creationId xmlns:a16="http://schemas.microsoft.com/office/drawing/2014/main" id="{4218FCB8-74C2-EB43-AED4-16F432C6E5D3}"/>
+              </a:ext>
+            </a:extLst>
+          </p:cNvPr>
+          <p:cNvPicPr>
+            <a:picLocks noChangeAspect="1"/>
+          </p:cNvPicPr>
+          <p:nvPr/>
+        </p:nvPicPr>
+        <p:blipFill>
+          <a:blip r:embed="rId2"/>
+          <a:stretch>
+            <a:fillRect/>
+          </a:stretch>
+        </p:blipFill>
+        <p:spPr>
+          <a:xfrm>
+            <a:off x="0" y="0"/>
+            <a:ext cx="12192000" cy="6858000"/>
+          </a:xfrm>
+          <a:prstGeom prst="rect">
+            <a:avLst/>
+          </a:prstGeom>
+        </p:spPr>
+      </p:pic>
       <p:sp>
         <p:nvSpPr>
           <p:cNvPr id="2" name="Title 1">
@@ -4150,22 +4728,30 @@
             <p:ph type="ctrTitle"/>
           </p:nvPr>
         </p:nvSpPr>
-        <p:spPr/>
+        <p:spPr>
+          <a:xfrm>
+            <a:off x="-926121" y="2643309"/>
+            <a:ext cx="9859103" cy="879475"/>
+          </a:xfrm>
+        </p:spPr>
         <p:txBody>
           <a:bodyPr>
-            <a:normAutofit/>
+            <a:normAutofit fontScale="90000"/>
           </a:bodyPr>
           <a:lstStyle/>
           <a:p>
             <a:r>
-              <a:rPr lang="en-DE" dirty="0"/>
-              <a:t>Project 1 - </a:t>
-            </a:r>
-            <a:r>
-              <a:rPr lang="en-GB" dirty="0"/>
-              <a:t>Data Scientist Job Market (US)</a:t>
-            </a:r>
-            <a:endParaRPr lang="en-DE" dirty="0"/>
+              <a:rPr lang="en-GB" b="1" dirty="0"/>
+              <a:t>Data Scientist</a:t>
+            </a:r>
+            <a:br>
+              <a:rPr lang="en-GB" b="1" dirty="0"/>
+            </a:br>
+            <a:r>
+              <a:rPr lang="en-GB" b="1" dirty="0"/>
+              <a:t>Job Market (US)</a:t>
+            </a:r>
+            <a:endParaRPr lang="en-DE" b="1" dirty="0"/>
           </a:p>
         </p:txBody>
       </p:sp>
@@ -4185,7 +4771,12 @@
             <p:ph type="subTitle" idx="1"/>
           </p:nvPr>
         </p:nvSpPr>
-        <p:spPr/>
+        <p:spPr>
+          <a:xfrm>
+            <a:off x="949573" y="3792413"/>
+            <a:ext cx="6107717" cy="1699847"/>
+          </a:xfrm>
+        </p:spPr>
         <p:txBody>
           <a:bodyPr/>
           <a:lstStyle/>
@@ -4198,7 +4789,15 @@
           <a:p>
             <a:r>
               <a:rPr lang="en-DE" dirty="0"/>
-              <a:t>Simon, Davis, Olubmni, Phine</a:t>
+              <a:t>Simon, Davis, </a:t>
+            </a:r>
+            <a:r>
+              <a:rPr lang="en-GB" dirty="0" err="1"/>
+              <a:t>Olubunmi</a:t>
+            </a:r>
+            <a:r>
+              <a:rPr lang="en-DE" dirty="0"/>
+              <a:t>, Phine</a:t>
             </a:r>
           </a:p>
         </p:txBody>
@@ -4238,6 +4837,249 @@
           <p:cNvPr id="2" name="Title 1">
             <a:extLst>
               <a:ext uri="{FF2B5EF4-FFF2-40B4-BE49-F238E27FC236}">
+                <a16:creationId xmlns:a16="http://schemas.microsoft.com/office/drawing/2014/main" id="{2847ED7E-2B8D-6445-929D-9ECD1DC5CCC1}"/>
+              </a:ext>
+            </a:extLst>
+          </p:cNvPr>
+          <p:cNvSpPr>
+            <a:spLocks noGrp="1"/>
+          </p:cNvSpPr>
+          <p:nvPr>
+            <p:ph type="title"/>
+          </p:nvPr>
+        </p:nvSpPr>
+        <p:spPr/>
+        <p:txBody>
+          <a:bodyPr/>
+          <a:lstStyle/>
+          <a:p>
+            <a:r>
+              <a:rPr lang="en-GB" dirty="0"/>
+              <a:t>Insights from 'description’ - Languages</a:t>
+            </a:r>
+          </a:p>
+        </p:txBody>
+      </p:sp>
+      <p:sp>
+        <p:nvSpPr>
+          <p:cNvPr id="3" name="Content Placeholder 2">
+            <a:extLst>
+              <a:ext uri="{FF2B5EF4-FFF2-40B4-BE49-F238E27FC236}">
+                <a16:creationId xmlns:a16="http://schemas.microsoft.com/office/drawing/2014/main" id="{655C10C6-16C3-9F4D-97C1-AD4FD3878DA4}"/>
+              </a:ext>
+            </a:extLst>
+          </p:cNvPr>
+          <p:cNvSpPr>
+            <a:spLocks noGrp="1"/>
+          </p:cNvSpPr>
+          <p:nvPr>
+            <p:ph idx="1"/>
+          </p:nvPr>
+        </p:nvSpPr>
+        <p:spPr/>
+        <p:txBody>
+          <a:bodyPr>
+            <a:normAutofit/>
+          </a:bodyPr>
+          <a:lstStyle/>
+          <a:p>
+            <a:pPr marL="0" indent="0">
+              <a:buNone/>
+            </a:pPr>
+            <a:r>
+              <a:rPr lang="en-GB" dirty="0"/>
+              <a:t>We can see that python is the most requested of the 3 programming languages. </a:t>
+            </a:r>
+          </a:p>
+          <a:p>
+            <a:pPr marL="0" indent="0">
+              <a:buNone/>
+            </a:pPr>
+            <a:endParaRPr lang="en-GB" dirty="0"/>
+          </a:p>
+          <a:p>
+            <a:pPr marL="514350" indent="-514350">
+              <a:buAutoNum type="arabicPeriod"/>
+            </a:pPr>
+            <a:r>
+              <a:rPr lang="en-GB" dirty="0"/>
+              <a:t>Python</a:t>
+            </a:r>
+          </a:p>
+          <a:p>
+            <a:pPr marL="514350" indent="-514350">
+              <a:buAutoNum type="arabicPeriod"/>
+            </a:pPr>
+            <a:r>
+              <a:rPr lang="en-GB" dirty="0"/>
+              <a:t>SQL</a:t>
+            </a:r>
+          </a:p>
+          <a:p>
+            <a:pPr marL="514350" indent="-514350">
+              <a:buAutoNum type="arabicPeriod"/>
+            </a:pPr>
+            <a:r>
+              <a:rPr lang="en-GB" dirty="0"/>
+              <a:t>Java</a:t>
+            </a:r>
+          </a:p>
+          <a:p>
+            <a:endParaRPr lang="en-DE" dirty="0"/>
+          </a:p>
+        </p:txBody>
+      </p:sp>
+      <p:pic>
+        <p:nvPicPr>
+          <p:cNvPr id="4" name="Picture 3">
+            <a:extLst>
+              <a:ext uri="{FF2B5EF4-FFF2-40B4-BE49-F238E27FC236}">
+                <a16:creationId xmlns:a16="http://schemas.microsoft.com/office/drawing/2014/main" id="{756A1803-346B-FD40-9AA7-D3B7D947AA4F}"/>
+              </a:ext>
+            </a:extLst>
+          </p:cNvPr>
+          <p:cNvPicPr>
+            <a:picLocks noChangeAspect="1"/>
+          </p:cNvPicPr>
+          <p:nvPr/>
+        </p:nvPicPr>
+        <p:blipFill rotWithShape="1">
+          <a:blip r:embed="rId3"/>
+          <a:srcRect l="4231" t="9441" r="4296"/>
+          <a:stretch/>
+        </p:blipFill>
+        <p:spPr>
+          <a:xfrm>
+            <a:off x="4237612" y="2747151"/>
+            <a:ext cx="7416801" cy="3923280"/>
+          </a:xfrm>
+          <a:prstGeom prst="rect">
+            <a:avLst/>
+          </a:prstGeom>
+        </p:spPr>
+      </p:pic>
+      <p:sp>
+        <p:nvSpPr>
+          <p:cNvPr id="5" name="Date Placeholder 4">
+            <a:extLst>
+              <a:ext uri="{FF2B5EF4-FFF2-40B4-BE49-F238E27FC236}">
+                <a16:creationId xmlns:a16="http://schemas.microsoft.com/office/drawing/2014/main" id="{93B6C27E-E3F8-4740-B62F-B03B3B9447BE}"/>
+              </a:ext>
+            </a:extLst>
+          </p:cNvPr>
+          <p:cNvSpPr>
+            <a:spLocks noGrp="1"/>
+          </p:cNvSpPr>
+          <p:nvPr>
+            <p:ph type="dt" sz="half" idx="10"/>
+          </p:nvPr>
+        </p:nvSpPr>
+        <p:spPr/>
+        <p:txBody>
+          <a:bodyPr/>
+          <a:lstStyle/>
+          <a:p>
+            <a:fld id="{1ED8BE45-18D1-EB46-A71B-B656AC226EA0}" type="datetime1">
+              <a:rPr lang="de-DE" smtClean="0"/>
+              <a:t>30.03.21</a:t>
+            </a:fld>
+            <a:endParaRPr lang="en-DE"/>
+          </a:p>
+        </p:txBody>
+      </p:sp>
+      <p:sp>
+        <p:nvSpPr>
+          <p:cNvPr id="6" name="Footer Placeholder 5">
+            <a:extLst>
+              <a:ext uri="{FF2B5EF4-FFF2-40B4-BE49-F238E27FC236}">
+                <a16:creationId xmlns:a16="http://schemas.microsoft.com/office/drawing/2014/main" id="{EA5EBA3C-CEBC-424B-BDAE-68CA3FA4A96C}"/>
+              </a:ext>
+            </a:extLst>
+          </p:cNvPr>
+          <p:cNvSpPr>
+            <a:spLocks noGrp="1"/>
+          </p:cNvSpPr>
+          <p:nvPr>
+            <p:ph type="ftr" sz="quarter" idx="11"/>
+          </p:nvPr>
+        </p:nvSpPr>
+        <p:spPr/>
+        <p:txBody>
+          <a:bodyPr/>
+          <a:lstStyle/>
+          <a:p>
+            <a:r>
+              <a:rPr lang="en-GB"/>
+              <a:t>Team r2-d2</a:t>
+            </a:r>
+            <a:endParaRPr lang="en-DE"/>
+          </a:p>
+        </p:txBody>
+      </p:sp>
+      <p:sp>
+        <p:nvSpPr>
+          <p:cNvPr id="7" name="Slide Number Placeholder 6">
+            <a:extLst>
+              <a:ext uri="{FF2B5EF4-FFF2-40B4-BE49-F238E27FC236}">
+                <a16:creationId xmlns:a16="http://schemas.microsoft.com/office/drawing/2014/main" id="{0E5AF6EF-2EC4-7D49-A5B0-0CC4A8B2D5DA}"/>
+              </a:ext>
+            </a:extLst>
+          </p:cNvPr>
+          <p:cNvSpPr>
+            <a:spLocks noGrp="1"/>
+          </p:cNvSpPr>
+          <p:nvPr>
+            <p:ph type="sldNum" sz="quarter" idx="12"/>
+          </p:nvPr>
+        </p:nvSpPr>
+        <p:spPr/>
+        <p:txBody>
+          <a:bodyPr/>
+          <a:lstStyle/>
+          <a:p>
+            <a:fld id="{3E09C7DF-480D-9E40-BFD2-100BCD1F8EF2}" type="slidenum">
+              <a:rPr lang="en-DE" smtClean="0"/>
+              <a:t>10</a:t>
+            </a:fld>
+            <a:endParaRPr lang="en-DE"/>
+          </a:p>
+        </p:txBody>
+      </p:sp>
+    </p:spTree>
+    <p:extLst>
+      <p:ext uri="{BB962C8B-B14F-4D97-AF65-F5344CB8AC3E}">
+        <p14:creationId xmlns:p14="http://schemas.microsoft.com/office/powerpoint/2010/main" val="3208035039"/>
+      </p:ext>
+    </p:extLst>
+  </p:cSld>
+  <p:clrMapOvr>
+    <a:masterClrMapping/>
+  </p:clrMapOvr>
+</p:sld>
+</file>
+
+<file path=ppt/slides/slide11.xml><?xml version="1.0" encoding="utf-8"?>
+<p:sld xmlns:a="http://schemas.openxmlformats.org/drawingml/2006/main" xmlns:r="http://schemas.openxmlformats.org/officeDocument/2006/relationships" xmlns:p="http://schemas.openxmlformats.org/presentationml/2006/main">
+  <p:cSld>
+    <p:spTree>
+      <p:nvGrpSpPr>
+        <p:cNvPr id="1" name=""/>
+        <p:cNvGrpSpPr/>
+        <p:nvPr/>
+      </p:nvGrpSpPr>
+      <p:grpSpPr>
+        <a:xfrm>
+          <a:off x="0" y="0"/>
+          <a:ext cx="0" cy="0"/>
+          <a:chOff x="0" y="0"/>
+          <a:chExt cx="0" cy="0"/>
+        </a:xfrm>
+      </p:grpSpPr>
+      <p:sp>
+        <p:nvSpPr>
+          <p:cNvPr id="2" name="Title 1">
+            <a:extLst>
+              <a:ext uri="{FF2B5EF4-FFF2-40B4-BE49-F238E27FC236}">
                 <a16:creationId xmlns:a16="http://schemas.microsoft.com/office/drawing/2014/main" id="{F1C57254-23EB-B643-B20C-1EBEE57E2BB4}"/>
               </a:ext>
             </a:extLst>
@@ -4249,14 +5091,19 @@
             <p:ph type="title"/>
           </p:nvPr>
         </p:nvSpPr>
-        <p:spPr/>
+        <p:spPr>
+          <a:xfrm>
+            <a:off x="838200" y="142388"/>
+            <a:ext cx="10515600" cy="1325563"/>
+          </a:xfrm>
+        </p:spPr>
         <p:txBody>
           <a:bodyPr/>
           <a:lstStyle/>
           <a:p>
             <a:r>
               <a:rPr lang="en-GB" dirty="0"/>
-              <a:t>Relation Languages to Positions</a:t>
+              <a:t>Insights from 'description’ - Languages</a:t>
             </a:r>
             <a:endParaRPr lang="en-DE" dirty="0"/>
           </a:p>
@@ -4286,7 +5133,7 @@
         </p:blipFill>
         <p:spPr>
           <a:xfrm>
-            <a:off x="6091685" y="3496777"/>
+            <a:off x="6091685" y="3825021"/>
             <a:ext cx="4789271" cy="2709606"/>
           </a:xfrm>
         </p:spPr>
@@ -4313,7 +5160,7 @@
         </p:blipFill>
         <p:spPr>
           <a:xfrm>
-            <a:off x="7359582" y="816591"/>
+            <a:off x="6091685" y="1144835"/>
             <a:ext cx="4832418" cy="2709606"/>
           </a:xfrm>
           <a:prstGeom prst="rect">
@@ -4343,7 +5190,7 @@
         </p:blipFill>
         <p:spPr>
           <a:xfrm>
-            <a:off x="838199" y="3458728"/>
+            <a:off x="677095" y="3854441"/>
             <a:ext cx="4780642" cy="2718235"/>
           </a:xfrm>
           <a:prstGeom prst="rect">
@@ -4367,8 +5214,8 @@
         </p:nvSpPr>
         <p:spPr>
           <a:xfrm>
-            <a:off x="838200" y="1825625"/>
-            <a:ext cx="10515600" cy="4351338"/>
+            <a:off x="838200" y="1559169"/>
+            <a:ext cx="10515600" cy="4617794"/>
           </a:xfrm>
           <a:prstGeom prst="rect">
             <a:avLst/>
@@ -4549,7 +5396,7 @@
             </a:pPr>
             <a:r>
               <a:rPr lang="en-GB" dirty="0"/>
-              <a:t>We can see the position of a data engineer</a:t>
+              <a:t>We can see the position of a </a:t>
             </a:r>
           </a:p>
           <a:p>
@@ -4558,8 +5405,20 @@
               <a:buNone/>
             </a:pPr>
             <a:r>
+              <a:rPr lang="en-GB" b="1" dirty="0"/>
+              <a:t>data engineer</a:t>
+            </a:r>
+            <a:r>
               <a:rPr lang="en-GB" dirty="0"/>
-              <a:t>requires most of the programming languages.</a:t>
+              <a:t> </a:t>
+            </a:r>
+            <a:r>
+              <a:rPr lang="en-GB" b="1" dirty="0"/>
+              <a:t>requires most </a:t>
+            </a:r>
+            <a:r>
+              <a:rPr lang="en-GB" dirty="0"/>
+              <a:t>of</a:t>
             </a:r>
           </a:p>
           <a:p>
@@ -4569,8 +5428,105 @@
             </a:pPr>
             <a:r>
               <a:rPr lang="en-GB" dirty="0"/>
+              <a:t>the programming languages.</a:t>
+            </a:r>
+          </a:p>
+          <a:p>
+            <a:pPr marL="0" indent="0">
+              <a:buFont typeface="Arial" panose="020B0604020202020204" pitchFamily="34" charset="0"/>
+              <a:buNone/>
+            </a:pPr>
+            <a:r>
+              <a:rPr lang="en-GB" dirty="0"/>
               <a:t> </a:t>
             </a:r>
+          </a:p>
+        </p:txBody>
+      </p:sp>
+      <p:sp>
+        <p:nvSpPr>
+          <p:cNvPr id="3" name="Date Placeholder 2">
+            <a:extLst>
+              <a:ext uri="{FF2B5EF4-FFF2-40B4-BE49-F238E27FC236}">
+                <a16:creationId xmlns:a16="http://schemas.microsoft.com/office/drawing/2014/main" id="{0F375B23-7DCF-4B49-8A9C-266E41DE0833}"/>
+              </a:ext>
+            </a:extLst>
+          </p:cNvPr>
+          <p:cNvSpPr>
+            <a:spLocks noGrp="1"/>
+          </p:cNvSpPr>
+          <p:nvPr>
+            <p:ph type="dt" sz="half" idx="10"/>
+          </p:nvPr>
+        </p:nvSpPr>
+        <p:spPr/>
+        <p:txBody>
+          <a:bodyPr/>
+          <a:lstStyle/>
+          <a:p>
+            <a:fld id="{149DE99D-A495-4647-960E-80E5DEDA276A}" type="datetime1">
+              <a:rPr lang="de-DE" smtClean="0"/>
+              <a:t>30.03.21</a:t>
+            </a:fld>
+            <a:endParaRPr lang="en-DE"/>
+          </a:p>
+        </p:txBody>
+      </p:sp>
+      <p:sp>
+        <p:nvSpPr>
+          <p:cNvPr id="4" name="Footer Placeholder 3">
+            <a:extLst>
+              <a:ext uri="{FF2B5EF4-FFF2-40B4-BE49-F238E27FC236}">
+                <a16:creationId xmlns:a16="http://schemas.microsoft.com/office/drawing/2014/main" id="{BC44218F-45F4-3743-8544-22C2F3DD6FE7}"/>
+              </a:ext>
+            </a:extLst>
+          </p:cNvPr>
+          <p:cNvSpPr>
+            <a:spLocks noGrp="1"/>
+          </p:cNvSpPr>
+          <p:nvPr>
+            <p:ph type="ftr" sz="quarter" idx="11"/>
+          </p:nvPr>
+        </p:nvSpPr>
+        <p:spPr/>
+        <p:txBody>
+          <a:bodyPr/>
+          <a:lstStyle/>
+          <a:p>
+            <a:r>
+              <a:rPr lang="en-GB"/>
+              <a:t>Team r2-d2</a:t>
+            </a:r>
+            <a:endParaRPr lang="en-DE"/>
+          </a:p>
+        </p:txBody>
+      </p:sp>
+      <p:sp>
+        <p:nvSpPr>
+          <p:cNvPr id="6" name="Slide Number Placeholder 5">
+            <a:extLst>
+              <a:ext uri="{FF2B5EF4-FFF2-40B4-BE49-F238E27FC236}">
+                <a16:creationId xmlns:a16="http://schemas.microsoft.com/office/drawing/2014/main" id="{B0B67D92-F6BD-4D47-AE07-A4DD67C0257D}"/>
+              </a:ext>
+            </a:extLst>
+          </p:cNvPr>
+          <p:cNvSpPr>
+            <a:spLocks noGrp="1"/>
+          </p:cNvSpPr>
+          <p:nvPr>
+            <p:ph type="sldNum" sz="quarter" idx="12"/>
+          </p:nvPr>
+        </p:nvSpPr>
+        <p:spPr/>
+        <p:txBody>
+          <a:bodyPr/>
+          <a:lstStyle/>
+          <a:p>
+            <a:fld id="{3E09C7DF-480D-9E40-BFD2-100BCD1F8EF2}" type="slidenum">
+              <a:rPr lang="en-DE" smtClean="0"/>
+              <a:t>11</a:t>
+            </a:fld>
+            <a:endParaRPr lang="en-DE"/>
           </a:p>
         </p:txBody>
       </p:sp>
@@ -4578,166 +5534,6 @@
     <p:extLst>
       <p:ext uri="{BB962C8B-B14F-4D97-AF65-F5344CB8AC3E}">
         <p14:creationId xmlns:p14="http://schemas.microsoft.com/office/powerpoint/2010/main" val="566295243"/>
-      </p:ext>
-    </p:extLst>
-  </p:cSld>
-  <p:clrMapOvr>
-    <a:masterClrMapping/>
-  </p:clrMapOvr>
-</p:sld>
-</file>
-
-<file path=ppt/slides/slide11.xml><?xml version="1.0" encoding="utf-8"?>
-<p:sld xmlns:a="http://schemas.openxmlformats.org/drawingml/2006/main" xmlns:r="http://schemas.openxmlformats.org/officeDocument/2006/relationships" xmlns:p="http://schemas.openxmlformats.org/presentationml/2006/main">
-  <p:cSld>
-    <p:spTree>
-      <p:nvGrpSpPr>
-        <p:cNvPr id="1" name=""/>
-        <p:cNvGrpSpPr/>
-        <p:nvPr/>
-      </p:nvGrpSpPr>
-      <p:grpSpPr>
-        <a:xfrm>
-          <a:off x="0" y="0"/>
-          <a:ext cx="0" cy="0"/>
-          <a:chOff x="0" y="0"/>
-          <a:chExt cx="0" cy="0"/>
-        </a:xfrm>
-      </p:grpSpPr>
-      <p:sp>
-        <p:nvSpPr>
-          <p:cNvPr id="2" name="Title 1">
-            <a:extLst>
-              <a:ext uri="{FF2B5EF4-FFF2-40B4-BE49-F238E27FC236}">
-                <a16:creationId xmlns:a16="http://schemas.microsoft.com/office/drawing/2014/main" id="{AFC921C9-451E-B942-9D8C-8B39CED3A601}"/>
-              </a:ext>
-            </a:extLst>
-          </p:cNvPr>
-          <p:cNvSpPr>
-            <a:spLocks noGrp="1"/>
-          </p:cNvSpPr>
-          <p:nvPr>
-            <p:ph type="title"/>
-          </p:nvPr>
-        </p:nvSpPr>
-        <p:spPr/>
-        <p:txBody>
-          <a:bodyPr/>
-          <a:lstStyle/>
-          <a:p>
-            <a:r>
-              <a:rPr lang="en-DE" dirty="0"/>
-              <a:t>Python</a:t>
-            </a:r>
-          </a:p>
-        </p:txBody>
-      </p:sp>
-      <p:sp>
-        <p:nvSpPr>
-          <p:cNvPr id="3" name="Content Placeholder 2">
-            <a:extLst>
-              <a:ext uri="{FF2B5EF4-FFF2-40B4-BE49-F238E27FC236}">
-                <a16:creationId xmlns:a16="http://schemas.microsoft.com/office/drawing/2014/main" id="{B3E69974-902A-524B-9407-662D90C6C46B}"/>
-              </a:ext>
-            </a:extLst>
-          </p:cNvPr>
-          <p:cNvSpPr>
-            <a:spLocks noGrp="1"/>
-          </p:cNvSpPr>
-          <p:nvPr>
-            <p:ph idx="1"/>
-          </p:nvPr>
-        </p:nvSpPr>
-        <p:spPr/>
-        <p:txBody>
-          <a:bodyPr/>
-          <a:lstStyle/>
-          <a:p>
-            <a:r>
-              <a:rPr lang="en-DE" dirty="0"/>
-              <a:t>Python is mostly required by</a:t>
-            </a:r>
-          </a:p>
-          <a:p>
-            <a:pPr marL="457200" lvl="1" indent="0">
-              <a:buNone/>
-            </a:pPr>
-            <a:r>
-              <a:rPr lang="en-DE" dirty="0"/>
-              <a:t>1. Data engineers</a:t>
-            </a:r>
-          </a:p>
-          <a:p>
-            <a:pPr marL="457200" lvl="1" indent="0">
-              <a:buNone/>
-            </a:pPr>
-            <a:r>
-              <a:rPr lang="en-DE" dirty="0"/>
-              <a:t>2. Data scientist</a:t>
-            </a:r>
-          </a:p>
-          <a:p>
-            <a:pPr marL="457200" lvl="1" indent="0">
-              <a:buNone/>
-            </a:pPr>
-            <a:r>
-              <a:rPr lang="en-DE" dirty="0"/>
-              <a:t>3. </a:t>
-            </a:r>
-            <a:r>
-              <a:rPr lang="en-GB" dirty="0"/>
-              <a:t>E</a:t>
-            </a:r>
-            <a:r>
-              <a:rPr lang="en-DE" dirty="0"/>
-              <a:t>ngineer (disregard)</a:t>
-            </a:r>
-          </a:p>
-          <a:p>
-            <a:pPr marL="457200" lvl="1" indent="0">
-              <a:buNone/>
-            </a:pPr>
-            <a:r>
-              <a:rPr lang="en-DE" dirty="0"/>
-              <a:t>3. Data analyst</a:t>
-            </a:r>
-          </a:p>
-        </p:txBody>
-      </p:sp>
-      <p:pic>
-        <p:nvPicPr>
-          <p:cNvPr id="4" name="Picture 3">
-            <a:extLst>
-              <a:ext uri="{FF2B5EF4-FFF2-40B4-BE49-F238E27FC236}">
-                <a16:creationId xmlns:a16="http://schemas.microsoft.com/office/drawing/2014/main" id="{17666554-94C7-4241-A363-44BC29DAF22E}"/>
-              </a:ext>
-            </a:extLst>
-          </p:cNvPr>
-          <p:cNvPicPr>
-            <a:picLocks noChangeAspect="1"/>
-          </p:cNvPicPr>
-          <p:nvPr/>
-        </p:nvPicPr>
-        <p:blipFill>
-          <a:blip r:embed="rId2"/>
-          <a:stretch>
-            <a:fillRect/>
-          </a:stretch>
-        </p:blipFill>
-        <p:spPr>
-          <a:xfrm>
-            <a:off x="5477324" y="365125"/>
-            <a:ext cx="6924735" cy="3882798"/>
-          </a:xfrm>
-          <a:prstGeom prst="rect">
-            <a:avLst/>
-          </a:prstGeom>
-        </p:spPr>
-      </p:pic>
-    </p:spTree>
-    <p:extLst>
-      <p:ext uri="{BB962C8B-B14F-4D97-AF65-F5344CB8AC3E}">
-        <p14:creationId xmlns:p14="http://schemas.microsoft.com/office/powerpoint/2010/main" val="350468666"/>
       </p:ext>
     </p:extLst>
   </p:cSld>
@@ -4769,7 +5565,7 @@
           <p:cNvPr id="2" name="Title 1">
             <a:extLst>
               <a:ext uri="{FF2B5EF4-FFF2-40B4-BE49-F238E27FC236}">
-                <a16:creationId xmlns:a16="http://schemas.microsoft.com/office/drawing/2014/main" id="{DCC6DF4B-B652-5140-8051-17D1C84B9C3A}"/>
+                <a16:creationId xmlns:a16="http://schemas.microsoft.com/office/drawing/2014/main" id="{2D25FF2A-C73A-4345-BD99-FECE95ADBEFE}"/>
               </a:ext>
             </a:extLst>
           </p:cNvPr>
@@ -4780,82 +5576,36 @@
             <p:ph type="title"/>
           </p:nvPr>
         </p:nvSpPr>
-        <p:spPr/>
-        <p:txBody>
-          <a:bodyPr/>
-          <a:lstStyle/>
-          <a:p>
-            <a:r>
-              <a:rPr lang="en-DE" dirty="0"/>
-              <a:t>SQL</a:t>
-            </a:r>
-          </a:p>
-        </p:txBody>
-      </p:sp>
-      <p:sp>
-        <p:nvSpPr>
-          <p:cNvPr id="3" name="Content Placeholder 2">
-            <a:extLst>
-              <a:ext uri="{FF2B5EF4-FFF2-40B4-BE49-F238E27FC236}">
-                <a16:creationId xmlns:a16="http://schemas.microsoft.com/office/drawing/2014/main" id="{324A32AB-5DD4-A54E-AD6A-74B435571B9D}"/>
-              </a:ext>
-            </a:extLst>
-          </p:cNvPr>
-          <p:cNvSpPr>
-            <a:spLocks noGrp="1"/>
-          </p:cNvSpPr>
-          <p:nvPr>
-            <p:ph idx="1"/>
-          </p:nvPr>
-        </p:nvSpPr>
-        <p:spPr/>
-        <p:txBody>
-          <a:bodyPr/>
-          <a:lstStyle/>
-          <a:p>
-            <a:r>
-              <a:rPr lang="en-DE" dirty="0"/>
-              <a:t>SQL is mostly required by</a:t>
-            </a:r>
-          </a:p>
-          <a:p>
-            <a:pPr marL="457200" lvl="1" indent="0">
-              <a:buNone/>
-            </a:pPr>
-            <a:r>
-              <a:rPr lang="en-DE" dirty="0"/>
-              <a:t>1. Data engineers</a:t>
-            </a:r>
-          </a:p>
-          <a:p>
-            <a:pPr marL="457200" lvl="1" indent="0">
-              <a:buNone/>
-            </a:pPr>
-            <a:r>
-              <a:rPr lang="en-DE" dirty="0"/>
-              <a:t>2. Data analyst</a:t>
-            </a:r>
-          </a:p>
-          <a:p>
-            <a:pPr marL="457200" lvl="1" indent="0">
-              <a:buNone/>
-            </a:pPr>
-            <a:r>
-              <a:rPr lang="en-DE" dirty="0"/>
-              <a:t>3. Data scientist</a:t>
-            </a:r>
-          </a:p>
-          <a:p>
+        <p:spPr>
+          <a:xfrm>
+            <a:off x="838200" y="108453"/>
+            <a:ext cx="10515600" cy="1325563"/>
+          </a:xfrm>
+        </p:spPr>
+        <p:txBody>
+          <a:bodyPr/>
+          <a:lstStyle/>
+          <a:p>
+            <a:r>
+              <a:rPr lang="en-GB" dirty="0"/>
+              <a:t>Insights from 'description’  - </a:t>
+            </a:r>
+            <a:r>
+              <a:rPr lang="en-DE" dirty="0">
+                <a:cs typeface="Calibri Light"/>
+              </a:rPr>
+              <a:t>Education</a:t>
+            </a:r>
             <a:endParaRPr lang="en-DE" dirty="0"/>
           </a:p>
         </p:txBody>
       </p:sp>
       <p:pic>
         <p:nvPicPr>
-          <p:cNvPr id="4" name="Content Placeholder 4">
-            <a:extLst>
-              <a:ext uri="{FF2B5EF4-FFF2-40B4-BE49-F238E27FC236}">
-                <a16:creationId xmlns:a16="http://schemas.microsoft.com/office/drawing/2014/main" id="{53EED629-7FDE-0E4E-81A0-85554FF9BEB8}"/>
+          <p:cNvPr id="5" name="Picture 5" descr="Chart, bar chart&#10;&#10;Description automatically generated">
+            <a:extLst>
+              <a:ext uri="{FF2B5EF4-FFF2-40B4-BE49-F238E27FC236}">
+                <a16:creationId xmlns:a16="http://schemas.microsoft.com/office/drawing/2014/main" id="{4F5D88A2-1676-4731-94F2-A4CE45DE3255}"/>
               </a:ext>
             </a:extLst>
           </p:cNvPr>
@@ -4864,26 +5614,217 @@
           </p:cNvPicPr>
           <p:nvPr/>
         </p:nvPicPr>
+        <p:blipFill rotWithShape="1">
+          <a:blip r:embed="rId2"/>
+          <a:srcRect r="2554"/>
+          <a:stretch/>
+        </p:blipFill>
+        <p:spPr>
+          <a:xfrm>
+            <a:off x="4879223" y="1061565"/>
+            <a:ext cx="6782521" cy="5717103"/>
+          </a:xfrm>
+          <a:prstGeom prst="rect">
+            <a:avLst/>
+          </a:prstGeom>
+        </p:spPr>
+      </p:pic>
+      <p:pic>
+        <p:nvPicPr>
+          <p:cNvPr id="4" name="Picture 4" descr="Chart, bar chart&#10;&#10;Description automatically generated">
+            <a:extLst>
+              <a:ext uri="{FF2B5EF4-FFF2-40B4-BE49-F238E27FC236}">
+                <a16:creationId xmlns:a16="http://schemas.microsoft.com/office/drawing/2014/main" id="{D9DD5E31-33F4-4A70-8ED5-59AA62A657F7}"/>
+              </a:ext>
+            </a:extLst>
+          </p:cNvPr>
+          <p:cNvPicPr>
+            <a:picLocks noGrp="1" noChangeAspect="1"/>
+          </p:cNvPicPr>
+          <p:nvPr>
+            <p:ph idx="1"/>
+          </p:nvPr>
+        </p:nvPicPr>
         <p:blipFill>
-          <a:blip r:embed="rId2"/>
+          <a:blip r:embed="rId3"/>
           <a:stretch>
             <a:fillRect/>
           </a:stretch>
         </p:blipFill>
         <p:spPr>
           <a:xfrm>
-            <a:off x="5203671" y="365125"/>
-            <a:ext cx="6838428" cy="3868949"/>
+            <a:off x="595978" y="3276703"/>
+            <a:ext cx="5458185" cy="3501965"/>
+          </a:xfrm>
+        </p:spPr>
+      </p:pic>
+      <p:sp>
+        <p:nvSpPr>
+          <p:cNvPr id="6" name="TextBox 5">
+            <a:extLst>
+              <a:ext uri="{FF2B5EF4-FFF2-40B4-BE49-F238E27FC236}">
+                <a16:creationId xmlns:a16="http://schemas.microsoft.com/office/drawing/2014/main" id="{02EB9709-F151-4AF1-BBB3-C7FC242596BB}"/>
+              </a:ext>
+            </a:extLst>
+          </p:cNvPr>
+          <p:cNvSpPr txBox="1"/>
+          <p:nvPr/>
+        </p:nvSpPr>
+        <p:spPr>
+          <a:xfrm>
+            <a:off x="903922" y="1421140"/>
+            <a:ext cx="4842296" cy="2085005"/>
           </a:xfrm>
           <a:prstGeom prst="rect">
             <a:avLst/>
           </a:prstGeom>
+          <a:noFill/>
         </p:spPr>
-      </p:pic>
+        <p:txBody>
+          <a:bodyPr rot="0" spcFirstLastPara="0" vertOverflow="overflow" horzOverflow="overflow" vert="horz" wrap="square" lIns="91440" tIns="45720" rIns="91440" bIns="45720" numCol="1" spcCol="0" rtlCol="0" fromWordArt="0" anchor="t" anchorCtr="0" forceAA="0" compatLnSpc="1">
+            <a:prstTxWarp prst="textNoShape">
+              <a:avLst/>
+            </a:prstTxWarp>
+            <a:spAutoFit/>
+          </a:bodyPr>
+          <a:lstStyle/>
+          <a:p>
+            <a:r>
+              <a:rPr lang="en-GB" dirty="0">
+                <a:ea typeface="+mn-lt"/>
+                <a:cs typeface="+mn-lt"/>
+              </a:rPr>
+              <a:t>Nearly all job openings required a degree of some sort. The </a:t>
+            </a:r>
+            <a:r>
+              <a:rPr lang="en-GB" b="1" dirty="0">
+                <a:ea typeface="+mn-lt"/>
+                <a:cs typeface="+mn-lt"/>
+              </a:rPr>
+              <a:t>majority only required a degree</a:t>
+            </a:r>
+            <a:r>
+              <a:rPr lang="en-GB" dirty="0">
+                <a:ea typeface="+mn-lt"/>
+                <a:cs typeface="+mn-lt"/>
+              </a:rPr>
+              <a:t>, but nearly </a:t>
+            </a:r>
+            <a:r>
+              <a:rPr lang="en-GB" b="1" dirty="0">
+                <a:ea typeface="+mn-lt"/>
+                <a:cs typeface="+mn-lt"/>
+              </a:rPr>
+              <a:t>half specified a masters </a:t>
+            </a:r>
+            <a:r>
+              <a:rPr lang="en-GB" dirty="0">
+                <a:ea typeface="+mn-lt"/>
+                <a:cs typeface="+mn-lt"/>
+              </a:rPr>
+              <a:t>as a requirement. A much smaller but substantial minority requested PHD level education as required or desirable.</a:t>
+            </a:r>
+            <a:endParaRPr lang="en-US" dirty="0"/>
+          </a:p>
+          <a:p>
+            <a:pPr algn="l"/>
+            <a:endParaRPr lang="en-GB" dirty="0">
+              <a:cs typeface="Calibri"/>
+            </a:endParaRPr>
+          </a:p>
+        </p:txBody>
+      </p:sp>
+      <p:sp>
+        <p:nvSpPr>
+          <p:cNvPr id="3" name="Date Placeholder 2">
+            <a:extLst>
+              <a:ext uri="{FF2B5EF4-FFF2-40B4-BE49-F238E27FC236}">
+                <a16:creationId xmlns:a16="http://schemas.microsoft.com/office/drawing/2014/main" id="{A9A99CA9-C780-B444-ADDE-AAF3115BE189}"/>
+              </a:ext>
+            </a:extLst>
+          </p:cNvPr>
+          <p:cNvSpPr>
+            <a:spLocks noGrp="1"/>
+          </p:cNvSpPr>
+          <p:nvPr>
+            <p:ph type="dt" sz="half" idx="10"/>
+          </p:nvPr>
+        </p:nvSpPr>
+        <p:spPr/>
+        <p:txBody>
+          <a:bodyPr/>
+          <a:lstStyle/>
+          <a:p>
+            <a:fld id="{8286520F-0483-B947-8E0D-7DB1DDB86551}" type="datetime1">
+              <a:rPr lang="de-DE" smtClean="0"/>
+              <a:t>30.03.21</a:t>
+            </a:fld>
+            <a:endParaRPr lang="en-DE"/>
+          </a:p>
+        </p:txBody>
+      </p:sp>
+      <p:sp>
+        <p:nvSpPr>
+          <p:cNvPr id="7" name="Footer Placeholder 6">
+            <a:extLst>
+              <a:ext uri="{FF2B5EF4-FFF2-40B4-BE49-F238E27FC236}">
+                <a16:creationId xmlns:a16="http://schemas.microsoft.com/office/drawing/2014/main" id="{173D2B7D-2199-854A-A554-DFE588EE8F8F}"/>
+              </a:ext>
+            </a:extLst>
+          </p:cNvPr>
+          <p:cNvSpPr>
+            <a:spLocks noGrp="1"/>
+          </p:cNvSpPr>
+          <p:nvPr>
+            <p:ph type="ftr" sz="quarter" idx="11"/>
+          </p:nvPr>
+        </p:nvSpPr>
+        <p:spPr/>
+        <p:txBody>
+          <a:bodyPr/>
+          <a:lstStyle/>
+          <a:p>
+            <a:r>
+              <a:rPr lang="en-GB"/>
+              <a:t>Team r2-d2</a:t>
+            </a:r>
+            <a:endParaRPr lang="en-DE"/>
+          </a:p>
+        </p:txBody>
+      </p:sp>
+      <p:sp>
+        <p:nvSpPr>
+          <p:cNvPr id="8" name="Slide Number Placeholder 7">
+            <a:extLst>
+              <a:ext uri="{FF2B5EF4-FFF2-40B4-BE49-F238E27FC236}">
+                <a16:creationId xmlns:a16="http://schemas.microsoft.com/office/drawing/2014/main" id="{B9CA4EE2-F6B9-5A4C-A688-CAFB7671CECB}"/>
+              </a:ext>
+            </a:extLst>
+          </p:cNvPr>
+          <p:cNvSpPr>
+            <a:spLocks noGrp="1"/>
+          </p:cNvSpPr>
+          <p:nvPr>
+            <p:ph type="sldNum" sz="quarter" idx="12"/>
+          </p:nvPr>
+        </p:nvSpPr>
+        <p:spPr/>
+        <p:txBody>
+          <a:bodyPr/>
+          <a:lstStyle/>
+          <a:p>
+            <a:fld id="{3E09C7DF-480D-9E40-BFD2-100BCD1F8EF2}" type="slidenum">
+              <a:rPr lang="en-DE" smtClean="0"/>
+              <a:t>12</a:t>
+            </a:fld>
+            <a:endParaRPr lang="en-DE"/>
+          </a:p>
+        </p:txBody>
+      </p:sp>
     </p:spTree>
     <p:extLst>
       <p:ext uri="{BB962C8B-B14F-4D97-AF65-F5344CB8AC3E}">
-        <p14:creationId xmlns:p14="http://schemas.microsoft.com/office/powerpoint/2010/main" val="1546550518"/>
+        <p14:creationId xmlns:p14="http://schemas.microsoft.com/office/powerpoint/2010/main" val="4230556771"/>
       </p:ext>
     </p:extLst>
   </p:cSld>
@@ -4910,6 +5851,829 @@
           <a:chExt cx="0" cy="0"/>
         </a:xfrm>
       </p:grpSpPr>
+      <p:pic>
+        <p:nvPicPr>
+          <p:cNvPr id="4" name="Picture 4" descr="Chart&#10;&#10;Description automatically generated">
+            <a:extLst>
+              <a:ext uri="{FF2B5EF4-FFF2-40B4-BE49-F238E27FC236}">
+                <a16:creationId xmlns:a16="http://schemas.microsoft.com/office/drawing/2014/main" id="{3FBF0450-A554-41D8-8B12-98A16B86D1F5}"/>
+              </a:ext>
+            </a:extLst>
+          </p:cNvPr>
+          <p:cNvPicPr>
+            <a:picLocks noGrp="1" noChangeAspect="1"/>
+          </p:cNvPicPr>
+          <p:nvPr>
+            <p:ph idx="1"/>
+          </p:nvPr>
+        </p:nvPicPr>
+        <p:blipFill>
+          <a:blip r:embed="rId2"/>
+          <a:stretch>
+            <a:fillRect/>
+          </a:stretch>
+        </p:blipFill>
+        <p:spPr>
+          <a:xfrm>
+            <a:off x="565792" y="896993"/>
+            <a:ext cx="11304832" cy="5846583"/>
+          </a:xfrm>
+        </p:spPr>
+      </p:pic>
+      <p:sp>
+        <p:nvSpPr>
+          <p:cNvPr id="5" name="TextBox 4">
+            <a:extLst>
+              <a:ext uri="{FF2B5EF4-FFF2-40B4-BE49-F238E27FC236}">
+                <a16:creationId xmlns:a16="http://schemas.microsoft.com/office/drawing/2014/main" id="{A5E4BFAE-DF29-48D0-AC85-6276B78520A9}"/>
+              </a:ext>
+            </a:extLst>
+          </p:cNvPr>
+          <p:cNvSpPr txBox="1"/>
+          <p:nvPr/>
+        </p:nvSpPr>
+        <p:spPr>
+          <a:xfrm>
+            <a:off x="4724400" y="1820174"/>
+            <a:ext cx="6380671" cy="1200329"/>
+          </a:xfrm>
+          <a:prstGeom prst="rect">
+            <a:avLst/>
+          </a:prstGeom>
+          <a:noFill/>
+        </p:spPr>
+        <p:txBody>
+          <a:bodyPr rot="0" spcFirstLastPara="0" vertOverflow="overflow" horzOverflow="overflow" vert="horz" wrap="square" lIns="91440" tIns="45720" rIns="91440" bIns="45720" numCol="1" spcCol="0" rtlCol="0" fromWordArt="0" anchor="t" anchorCtr="0" forceAA="0" compatLnSpc="1">
+            <a:prstTxWarp prst="textNoShape">
+              <a:avLst/>
+            </a:prstTxWarp>
+            <a:spAutoFit/>
+          </a:bodyPr>
+          <a:lstStyle/>
+          <a:p>
+            <a:r>
+              <a:rPr lang="en-GB" b="1" dirty="0"/>
+              <a:t>Most</a:t>
+            </a:r>
+            <a:r>
+              <a:rPr lang="en-GB" dirty="0">
+                <a:ea typeface="+mn-lt"/>
+                <a:cs typeface="+mn-lt"/>
+              </a:rPr>
+              <a:t> of the positions advertised do </a:t>
+            </a:r>
+            <a:r>
+              <a:rPr lang="en-GB" b="1" dirty="0">
+                <a:ea typeface="+mn-lt"/>
+                <a:cs typeface="+mn-lt"/>
+              </a:rPr>
+              <a:t>not indicate specific seniority </a:t>
+            </a:r>
+            <a:r>
+              <a:rPr lang="en-GB" dirty="0">
+                <a:ea typeface="+mn-lt"/>
+                <a:cs typeface="+mn-lt"/>
+              </a:rPr>
+              <a:t>level. It can be assumed, therefore, that these are mid-level positions. The </a:t>
+            </a:r>
+            <a:r>
+              <a:rPr lang="en-GB" b="1" dirty="0">
+                <a:ea typeface="+mn-lt"/>
+                <a:cs typeface="+mn-lt"/>
+              </a:rPr>
+              <a:t>2nd most required seniority level is senior</a:t>
+            </a:r>
+            <a:r>
+              <a:rPr lang="en-GB" dirty="0">
+                <a:ea typeface="+mn-lt"/>
+                <a:cs typeface="+mn-lt"/>
+              </a:rPr>
+              <a:t>. There is very little need for junior level positions.</a:t>
+            </a:r>
+            <a:endParaRPr lang="en-US" dirty="0"/>
+          </a:p>
+        </p:txBody>
+      </p:sp>
+      <p:sp>
+        <p:nvSpPr>
+          <p:cNvPr id="6" name="Title 1">
+            <a:extLst>
+              <a:ext uri="{FF2B5EF4-FFF2-40B4-BE49-F238E27FC236}">
+                <a16:creationId xmlns:a16="http://schemas.microsoft.com/office/drawing/2014/main" id="{C87F733C-7C16-A846-B34A-9741CBC7C1CA}"/>
+              </a:ext>
+            </a:extLst>
+          </p:cNvPr>
+          <p:cNvSpPr>
+            <a:spLocks noGrp="1"/>
+          </p:cNvSpPr>
+          <p:nvPr>
+            <p:ph type="title"/>
+          </p:nvPr>
+        </p:nvSpPr>
+        <p:spPr>
+          <a:xfrm>
+            <a:off x="838200" y="84385"/>
+            <a:ext cx="10515600" cy="1325563"/>
+          </a:xfrm>
+        </p:spPr>
+        <p:txBody>
+          <a:bodyPr/>
+          <a:lstStyle/>
+          <a:p>
+            <a:r>
+              <a:rPr lang="en-GB" dirty="0"/>
+              <a:t>Insights from 'description’  - </a:t>
+            </a:r>
+            <a:r>
+              <a:rPr lang="en-DE">
+                <a:cs typeface="Calibri Light"/>
+              </a:rPr>
+              <a:t>Seniority</a:t>
+            </a:r>
+            <a:endParaRPr lang="en-DE" dirty="0"/>
+          </a:p>
+        </p:txBody>
+      </p:sp>
+      <p:sp>
+        <p:nvSpPr>
+          <p:cNvPr id="2" name="Date Placeholder 1">
+            <a:extLst>
+              <a:ext uri="{FF2B5EF4-FFF2-40B4-BE49-F238E27FC236}">
+                <a16:creationId xmlns:a16="http://schemas.microsoft.com/office/drawing/2014/main" id="{61F3974D-AE7E-9540-8993-86B456663733}"/>
+              </a:ext>
+            </a:extLst>
+          </p:cNvPr>
+          <p:cNvSpPr>
+            <a:spLocks noGrp="1"/>
+          </p:cNvSpPr>
+          <p:nvPr>
+            <p:ph type="dt" sz="half" idx="10"/>
+          </p:nvPr>
+        </p:nvSpPr>
+        <p:spPr>
+          <a:xfrm>
+            <a:off x="838200" y="6596984"/>
+            <a:ext cx="2743200" cy="365125"/>
+          </a:xfrm>
+        </p:spPr>
+        <p:txBody>
+          <a:bodyPr/>
+          <a:lstStyle/>
+          <a:p>
+            <a:fld id="{49391EED-8AF8-C247-8FB4-D2BA5CFF21A0}" type="datetime1">
+              <a:rPr lang="de-DE" smtClean="0"/>
+              <a:t>30.03.21</a:t>
+            </a:fld>
+            <a:endParaRPr lang="en-DE" dirty="0"/>
+          </a:p>
+        </p:txBody>
+      </p:sp>
+      <p:sp>
+        <p:nvSpPr>
+          <p:cNvPr id="3" name="Footer Placeholder 2">
+            <a:extLst>
+              <a:ext uri="{FF2B5EF4-FFF2-40B4-BE49-F238E27FC236}">
+                <a16:creationId xmlns:a16="http://schemas.microsoft.com/office/drawing/2014/main" id="{41C45F8A-7D17-7242-8D14-33C8D378525B}"/>
+              </a:ext>
+            </a:extLst>
+          </p:cNvPr>
+          <p:cNvSpPr>
+            <a:spLocks noGrp="1"/>
+          </p:cNvSpPr>
+          <p:nvPr>
+            <p:ph type="ftr" sz="quarter" idx="11"/>
+          </p:nvPr>
+        </p:nvSpPr>
+        <p:spPr>
+          <a:xfrm>
+            <a:off x="4038600" y="6596984"/>
+            <a:ext cx="4114800" cy="365125"/>
+          </a:xfrm>
+        </p:spPr>
+        <p:txBody>
+          <a:bodyPr/>
+          <a:lstStyle/>
+          <a:p>
+            <a:r>
+              <a:rPr lang="en-GB"/>
+              <a:t>Team r2-d2</a:t>
+            </a:r>
+            <a:endParaRPr lang="en-DE"/>
+          </a:p>
+        </p:txBody>
+      </p:sp>
+      <p:sp>
+        <p:nvSpPr>
+          <p:cNvPr id="7" name="Slide Number Placeholder 6">
+            <a:extLst>
+              <a:ext uri="{FF2B5EF4-FFF2-40B4-BE49-F238E27FC236}">
+                <a16:creationId xmlns:a16="http://schemas.microsoft.com/office/drawing/2014/main" id="{020E92CB-99F7-7A4B-A10C-8FB0E33738E1}"/>
+              </a:ext>
+            </a:extLst>
+          </p:cNvPr>
+          <p:cNvSpPr>
+            <a:spLocks noGrp="1"/>
+          </p:cNvSpPr>
+          <p:nvPr>
+            <p:ph type="sldNum" sz="quarter" idx="12"/>
+          </p:nvPr>
+        </p:nvSpPr>
+        <p:spPr>
+          <a:xfrm>
+            <a:off x="8610600" y="6596984"/>
+            <a:ext cx="2743200" cy="365125"/>
+          </a:xfrm>
+        </p:spPr>
+        <p:txBody>
+          <a:bodyPr/>
+          <a:lstStyle/>
+          <a:p>
+            <a:fld id="{3E09C7DF-480D-9E40-BFD2-100BCD1F8EF2}" type="slidenum">
+              <a:rPr lang="en-DE" smtClean="0"/>
+              <a:t>13</a:t>
+            </a:fld>
+            <a:endParaRPr lang="en-DE"/>
+          </a:p>
+        </p:txBody>
+      </p:sp>
+      <p:sp>
+        <p:nvSpPr>
+          <p:cNvPr id="8" name="TextBox 7">
+            <a:extLst>
+              <a:ext uri="{FF2B5EF4-FFF2-40B4-BE49-F238E27FC236}">
+                <a16:creationId xmlns:a16="http://schemas.microsoft.com/office/drawing/2014/main" id="{3B7AC640-EB65-6943-83BD-2A835B39F395}"/>
+              </a:ext>
+            </a:extLst>
+          </p:cNvPr>
+          <p:cNvSpPr txBox="1"/>
+          <p:nvPr/>
+        </p:nvSpPr>
+        <p:spPr>
+          <a:xfrm>
+            <a:off x="5570621" y="933252"/>
+            <a:ext cx="1780674" cy="173654"/>
+          </a:xfrm>
+          <a:prstGeom prst="rect">
+            <a:avLst/>
+          </a:prstGeom>
+          <a:solidFill>
+            <a:schemeClr val="bg1"/>
+          </a:solidFill>
+        </p:spPr>
+        <p:txBody>
+          <a:bodyPr wrap="square" rtlCol="0">
+            <a:spAutoFit/>
+          </a:bodyPr>
+          <a:lstStyle/>
+          <a:p>
+            <a:endParaRPr lang="en-DE" sz="600" dirty="0"/>
+          </a:p>
+        </p:txBody>
+      </p:sp>
+      <p:sp>
+        <p:nvSpPr>
+          <p:cNvPr id="9" name="TextBox 8">
+            <a:extLst>
+              <a:ext uri="{FF2B5EF4-FFF2-40B4-BE49-F238E27FC236}">
+                <a16:creationId xmlns:a16="http://schemas.microsoft.com/office/drawing/2014/main" id="{5D026186-9728-BD45-9713-F2BE9A5071B7}"/>
+              </a:ext>
+            </a:extLst>
+          </p:cNvPr>
+          <p:cNvSpPr txBox="1"/>
+          <p:nvPr/>
+        </p:nvSpPr>
+        <p:spPr>
+          <a:xfrm>
+            <a:off x="200526" y="3485147"/>
+            <a:ext cx="637674" cy="593557"/>
+          </a:xfrm>
+          <a:prstGeom prst="rect">
+            <a:avLst/>
+          </a:prstGeom>
+          <a:solidFill>
+            <a:schemeClr val="bg1"/>
+          </a:solidFill>
+        </p:spPr>
+        <p:txBody>
+          <a:bodyPr wrap="square" rtlCol="0">
+            <a:spAutoFit/>
+          </a:bodyPr>
+          <a:lstStyle/>
+          <a:p>
+            <a:endParaRPr lang="en-DE" sz="600" dirty="0"/>
+          </a:p>
+        </p:txBody>
+      </p:sp>
+    </p:spTree>
+    <p:extLst>
+      <p:ext uri="{BB962C8B-B14F-4D97-AF65-F5344CB8AC3E}">
+        <p14:creationId xmlns:p14="http://schemas.microsoft.com/office/powerpoint/2010/main" val="2044841990"/>
+      </p:ext>
+    </p:extLst>
+  </p:cSld>
+  <p:clrMapOvr>
+    <a:masterClrMapping/>
+  </p:clrMapOvr>
+</p:sld>
+</file>
+
+<file path=ppt/slides/slide14.xml><?xml version="1.0" encoding="utf-8"?>
+<p:sld xmlns:a="http://schemas.openxmlformats.org/drawingml/2006/main" xmlns:r="http://schemas.openxmlformats.org/officeDocument/2006/relationships" xmlns:p="http://schemas.openxmlformats.org/presentationml/2006/main" show="0">
+  <p:cSld>
+    <p:spTree>
+      <p:nvGrpSpPr>
+        <p:cNvPr id="1" name=""/>
+        <p:cNvGrpSpPr/>
+        <p:nvPr/>
+      </p:nvGrpSpPr>
+      <p:grpSpPr>
+        <a:xfrm>
+          <a:off x="0" y="0"/>
+          <a:ext cx="0" cy="0"/>
+          <a:chOff x="0" y="0"/>
+          <a:chExt cx="0" cy="0"/>
+        </a:xfrm>
+      </p:grpSpPr>
+      <p:sp>
+        <p:nvSpPr>
+          <p:cNvPr id="2" name="Title 1">
+            <a:extLst>
+              <a:ext uri="{FF2B5EF4-FFF2-40B4-BE49-F238E27FC236}">
+                <a16:creationId xmlns:a16="http://schemas.microsoft.com/office/drawing/2014/main" id="{AFC921C9-451E-B942-9D8C-8B39CED3A601}"/>
+              </a:ext>
+            </a:extLst>
+          </p:cNvPr>
+          <p:cNvSpPr>
+            <a:spLocks noGrp="1"/>
+          </p:cNvSpPr>
+          <p:nvPr>
+            <p:ph type="title"/>
+          </p:nvPr>
+        </p:nvSpPr>
+        <p:spPr/>
+        <p:txBody>
+          <a:bodyPr/>
+          <a:lstStyle/>
+          <a:p>
+            <a:r>
+              <a:rPr lang="en-DE" dirty="0"/>
+              <a:t>Python</a:t>
+            </a:r>
+          </a:p>
+        </p:txBody>
+      </p:sp>
+      <p:sp>
+        <p:nvSpPr>
+          <p:cNvPr id="3" name="Content Placeholder 2">
+            <a:extLst>
+              <a:ext uri="{FF2B5EF4-FFF2-40B4-BE49-F238E27FC236}">
+                <a16:creationId xmlns:a16="http://schemas.microsoft.com/office/drawing/2014/main" id="{B3E69974-902A-524B-9407-662D90C6C46B}"/>
+              </a:ext>
+            </a:extLst>
+          </p:cNvPr>
+          <p:cNvSpPr>
+            <a:spLocks noGrp="1"/>
+          </p:cNvSpPr>
+          <p:nvPr>
+            <p:ph idx="1"/>
+          </p:nvPr>
+        </p:nvSpPr>
+        <p:spPr/>
+        <p:txBody>
+          <a:bodyPr/>
+          <a:lstStyle/>
+          <a:p>
+            <a:r>
+              <a:rPr lang="en-DE" dirty="0"/>
+              <a:t>Python is mostly required by</a:t>
+            </a:r>
+          </a:p>
+          <a:p>
+            <a:pPr marL="457200" lvl="1" indent="0">
+              <a:buNone/>
+            </a:pPr>
+            <a:r>
+              <a:rPr lang="en-DE" dirty="0"/>
+              <a:t>1. Data engineers</a:t>
+            </a:r>
+          </a:p>
+          <a:p>
+            <a:pPr marL="457200" lvl="1" indent="0">
+              <a:buNone/>
+            </a:pPr>
+            <a:r>
+              <a:rPr lang="en-DE" dirty="0"/>
+              <a:t>2. Data scientist</a:t>
+            </a:r>
+          </a:p>
+          <a:p>
+            <a:pPr marL="457200" lvl="1" indent="0">
+              <a:buNone/>
+            </a:pPr>
+            <a:r>
+              <a:rPr lang="en-DE" dirty="0"/>
+              <a:t>3. </a:t>
+            </a:r>
+            <a:r>
+              <a:rPr lang="en-GB" dirty="0"/>
+              <a:t>E</a:t>
+            </a:r>
+            <a:r>
+              <a:rPr lang="en-DE" dirty="0"/>
+              <a:t>ngineer (disregard)</a:t>
+            </a:r>
+          </a:p>
+          <a:p>
+            <a:pPr marL="457200" lvl="1" indent="0">
+              <a:buNone/>
+            </a:pPr>
+            <a:r>
+              <a:rPr lang="en-DE" dirty="0"/>
+              <a:t>3. Data analyst</a:t>
+            </a:r>
+          </a:p>
+        </p:txBody>
+      </p:sp>
+      <p:pic>
+        <p:nvPicPr>
+          <p:cNvPr id="4" name="Picture 3">
+            <a:extLst>
+              <a:ext uri="{FF2B5EF4-FFF2-40B4-BE49-F238E27FC236}">
+                <a16:creationId xmlns:a16="http://schemas.microsoft.com/office/drawing/2014/main" id="{17666554-94C7-4241-A363-44BC29DAF22E}"/>
+              </a:ext>
+            </a:extLst>
+          </p:cNvPr>
+          <p:cNvPicPr>
+            <a:picLocks noChangeAspect="1"/>
+          </p:cNvPicPr>
+          <p:nvPr/>
+        </p:nvPicPr>
+        <p:blipFill>
+          <a:blip r:embed="rId2"/>
+          <a:stretch>
+            <a:fillRect/>
+          </a:stretch>
+        </p:blipFill>
+        <p:spPr>
+          <a:xfrm>
+            <a:off x="5477324" y="365125"/>
+            <a:ext cx="6924735" cy="3882798"/>
+          </a:xfrm>
+          <a:prstGeom prst="rect">
+            <a:avLst/>
+          </a:prstGeom>
+        </p:spPr>
+      </p:pic>
+      <p:sp>
+        <p:nvSpPr>
+          <p:cNvPr id="5" name="Date Placeholder 4">
+            <a:extLst>
+              <a:ext uri="{FF2B5EF4-FFF2-40B4-BE49-F238E27FC236}">
+                <a16:creationId xmlns:a16="http://schemas.microsoft.com/office/drawing/2014/main" id="{9E5FD84A-D0D8-414A-838D-C7612A440BF2}"/>
+              </a:ext>
+            </a:extLst>
+          </p:cNvPr>
+          <p:cNvSpPr>
+            <a:spLocks noGrp="1"/>
+          </p:cNvSpPr>
+          <p:nvPr>
+            <p:ph type="dt" sz="half" idx="10"/>
+          </p:nvPr>
+        </p:nvSpPr>
+        <p:spPr/>
+        <p:txBody>
+          <a:bodyPr/>
+          <a:lstStyle/>
+          <a:p>
+            <a:fld id="{EE011648-0346-7B48-8BA2-8BF9042E2660}" type="datetime1">
+              <a:rPr lang="de-DE" smtClean="0"/>
+              <a:t>30.03.21</a:t>
+            </a:fld>
+            <a:endParaRPr lang="en-DE"/>
+          </a:p>
+        </p:txBody>
+      </p:sp>
+      <p:sp>
+        <p:nvSpPr>
+          <p:cNvPr id="6" name="Footer Placeholder 5">
+            <a:extLst>
+              <a:ext uri="{FF2B5EF4-FFF2-40B4-BE49-F238E27FC236}">
+                <a16:creationId xmlns:a16="http://schemas.microsoft.com/office/drawing/2014/main" id="{C8837DB7-24D1-9043-9462-E29C058F6C80}"/>
+              </a:ext>
+            </a:extLst>
+          </p:cNvPr>
+          <p:cNvSpPr>
+            <a:spLocks noGrp="1"/>
+          </p:cNvSpPr>
+          <p:nvPr>
+            <p:ph type="ftr" sz="quarter" idx="11"/>
+          </p:nvPr>
+        </p:nvSpPr>
+        <p:spPr/>
+        <p:txBody>
+          <a:bodyPr/>
+          <a:lstStyle/>
+          <a:p>
+            <a:r>
+              <a:rPr lang="en-GB"/>
+              <a:t>Team r2-d2</a:t>
+            </a:r>
+            <a:endParaRPr lang="en-DE"/>
+          </a:p>
+        </p:txBody>
+      </p:sp>
+      <p:sp>
+        <p:nvSpPr>
+          <p:cNvPr id="7" name="Slide Number Placeholder 6">
+            <a:extLst>
+              <a:ext uri="{FF2B5EF4-FFF2-40B4-BE49-F238E27FC236}">
+                <a16:creationId xmlns:a16="http://schemas.microsoft.com/office/drawing/2014/main" id="{63D3C2AE-750B-CE40-8FCF-2EFE9DA311B5}"/>
+              </a:ext>
+            </a:extLst>
+          </p:cNvPr>
+          <p:cNvSpPr>
+            <a:spLocks noGrp="1"/>
+          </p:cNvSpPr>
+          <p:nvPr>
+            <p:ph type="sldNum" sz="quarter" idx="12"/>
+          </p:nvPr>
+        </p:nvSpPr>
+        <p:spPr/>
+        <p:txBody>
+          <a:bodyPr/>
+          <a:lstStyle/>
+          <a:p>
+            <a:fld id="{3E09C7DF-480D-9E40-BFD2-100BCD1F8EF2}" type="slidenum">
+              <a:rPr lang="en-DE" smtClean="0"/>
+              <a:t>14</a:t>
+            </a:fld>
+            <a:endParaRPr lang="en-DE"/>
+          </a:p>
+        </p:txBody>
+      </p:sp>
+    </p:spTree>
+    <p:extLst>
+      <p:ext uri="{BB962C8B-B14F-4D97-AF65-F5344CB8AC3E}">
+        <p14:creationId xmlns:p14="http://schemas.microsoft.com/office/powerpoint/2010/main" val="350468666"/>
+      </p:ext>
+    </p:extLst>
+  </p:cSld>
+  <p:clrMapOvr>
+    <a:masterClrMapping/>
+  </p:clrMapOvr>
+</p:sld>
+</file>
+
+<file path=ppt/slides/slide15.xml><?xml version="1.0" encoding="utf-8"?>
+<p:sld xmlns:a="http://schemas.openxmlformats.org/drawingml/2006/main" xmlns:r="http://schemas.openxmlformats.org/officeDocument/2006/relationships" xmlns:p="http://schemas.openxmlformats.org/presentationml/2006/main" show="0">
+  <p:cSld>
+    <p:spTree>
+      <p:nvGrpSpPr>
+        <p:cNvPr id="1" name=""/>
+        <p:cNvGrpSpPr/>
+        <p:nvPr/>
+      </p:nvGrpSpPr>
+      <p:grpSpPr>
+        <a:xfrm>
+          <a:off x="0" y="0"/>
+          <a:ext cx="0" cy="0"/>
+          <a:chOff x="0" y="0"/>
+          <a:chExt cx="0" cy="0"/>
+        </a:xfrm>
+      </p:grpSpPr>
+      <p:sp>
+        <p:nvSpPr>
+          <p:cNvPr id="2" name="Title 1">
+            <a:extLst>
+              <a:ext uri="{FF2B5EF4-FFF2-40B4-BE49-F238E27FC236}">
+                <a16:creationId xmlns:a16="http://schemas.microsoft.com/office/drawing/2014/main" id="{DCC6DF4B-B652-5140-8051-17D1C84B9C3A}"/>
+              </a:ext>
+            </a:extLst>
+          </p:cNvPr>
+          <p:cNvSpPr>
+            <a:spLocks noGrp="1"/>
+          </p:cNvSpPr>
+          <p:nvPr>
+            <p:ph type="title"/>
+          </p:nvPr>
+        </p:nvSpPr>
+        <p:spPr/>
+        <p:txBody>
+          <a:bodyPr/>
+          <a:lstStyle/>
+          <a:p>
+            <a:r>
+              <a:rPr lang="en-DE" dirty="0"/>
+              <a:t>SQL</a:t>
+            </a:r>
+          </a:p>
+        </p:txBody>
+      </p:sp>
+      <p:sp>
+        <p:nvSpPr>
+          <p:cNvPr id="3" name="Content Placeholder 2">
+            <a:extLst>
+              <a:ext uri="{FF2B5EF4-FFF2-40B4-BE49-F238E27FC236}">
+                <a16:creationId xmlns:a16="http://schemas.microsoft.com/office/drawing/2014/main" id="{324A32AB-5DD4-A54E-AD6A-74B435571B9D}"/>
+              </a:ext>
+            </a:extLst>
+          </p:cNvPr>
+          <p:cNvSpPr>
+            <a:spLocks noGrp="1"/>
+          </p:cNvSpPr>
+          <p:nvPr>
+            <p:ph idx="1"/>
+          </p:nvPr>
+        </p:nvSpPr>
+        <p:spPr/>
+        <p:txBody>
+          <a:bodyPr/>
+          <a:lstStyle/>
+          <a:p>
+            <a:r>
+              <a:rPr lang="en-DE" dirty="0"/>
+              <a:t>SQL is mostly required by</a:t>
+            </a:r>
+          </a:p>
+          <a:p>
+            <a:pPr marL="457200" lvl="1" indent="0">
+              <a:buNone/>
+            </a:pPr>
+            <a:r>
+              <a:rPr lang="en-DE" dirty="0"/>
+              <a:t>1. Data engineers</a:t>
+            </a:r>
+          </a:p>
+          <a:p>
+            <a:pPr marL="457200" lvl="1" indent="0">
+              <a:buNone/>
+            </a:pPr>
+            <a:r>
+              <a:rPr lang="en-DE" dirty="0"/>
+              <a:t>2. Data analyst</a:t>
+            </a:r>
+          </a:p>
+          <a:p>
+            <a:pPr marL="457200" lvl="1" indent="0">
+              <a:buNone/>
+            </a:pPr>
+            <a:r>
+              <a:rPr lang="en-DE" dirty="0"/>
+              <a:t>3. Data scientist</a:t>
+            </a:r>
+          </a:p>
+          <a:p>
+            <a:endParaRPr lang="en-DE" dirty="0"/>
+          </a:p>
+        </p:txBody>
+      </p:sp>
+      <p:pic>
+        <p:nvPicPr>
+          <p:cNvPr id="4" name="Content Placeholder 4">
+            <a:extLst>
+              <a:ext uri="{FF2B5EF4-FFF2-40B4-BE49-F238E27FC236}">
+                <a16:creationId xmlns:a16="http://schemas.microsoft.com/office/drawing/2014/main" id="{53EED629-7FDE-0E4E-81A0-85554FF9BEB8}"/>
+              </a:ext>
+            </a:extLst>
+          </p:cNvPr>
+          <p:cNvPicPr>
+            <a:picLocks noChangeAspect="1"/>
+          </p:cNvPicPr>
+          <p:nvPr/>
+        </p:nvPicPr>
+        <p:blipFill>
+          <a:blip r:embed="rId2"/>
+          <a:stretch>
+            <a:fillRect/>
+          </a:stretch>
+        </p:blipFill>
+        <p:spPr>
+          <a:xfrm>
+            <a:off x="5203671" y="365125"/>
+            <a:ext cx="6838428" cy="3868949"/>
+          </a:xfrm>
+          <a:prstGeom prst="rect">
+            <a:avLst/>
+          </a:prstGeom>
+        </p:spPr>
+      </p:pic>
+      <p:sp>
+        <p:nvSpPr>
+          <p:cNvPr id="5" name="Date Placeholder 4">
+            <a:extLst>
+              <a:ext uri="{FF2B5EF4-FFF2-40B4-BE49-F238E27FC236}">
+                <a16:creationId xmlns:a16="http://schemas.microsoft.com/office/drawing/2014/main" id="{3937F137-CAEE-EA48-B6B9-4E8B7084E672}"/>
+              </a:ext>
+            </a:extLst>
+          </p:cNvPr>
+          <p:cNvSpPr>
+            <a:spLocks noGrp="1"/>
+          </p:cNvSpPr>
+          <p:nvPr>
+            <p:ph type="dt" sz="half" idx="10"/>
+          </p:nvPr>
+        </p:nvSpPr>
+        <p:spPr/>
+        <p:txBody>
+          <a:bodyPr/>
+          <a:lstStyle/>
+          <a:p>
+            <a:fld id="{A393EF6D-C25D-984D-AC95-04FBCA8C1769}" type="datetime1">
+              <a:rPr lang="de-DE" smtClean="0"/>
+              <a:t>30.03.21</a:t>
+            </a:fld>
+            <a:endParaRPr lang="en-DE"/>
+          </a:p>
+        </p:txBody>
+      </p:sp>
+      <p:sp>
+        <p:nvSpPr>
+          <p:cNvPr id="6" name="Footer Placeholder 5">
+            <a:extLst>
+              <a:ext uri="{FF2B5EF4-FFF2-40B4-BE49-F238E27FC236}">
+                <a16:creationId xmlns:a16="http://schemas.microsoft.com/office/drawing/2014/main" id="{5B845BA1-C5E7-364D-B52F-BFAF47A7235D}"/>
+              </a:ext>
+            </a:extLst>
+          </p:cNvPr>
+          <p:cNvSpPr>
+            <a:spLocks noGrp="1"/>
+          </p:cNvSpPr>
+          <p:nvPr>
+            <p:ph type="ftr" sz="quarter" idx="11"/>
+          </p:nvPr>
+        </p:nvSpPr>
+        <p:spPr/>
+        <p:txBody>
+          <a:bodyPr/>
+          <a:lstStyle/>
+          <a:p>
+            <a:r>
+              <a:rPr lang="en-GB"/>
+              <a:t>Team r2-d2</a:t>
+            </a:r>
+            <a:endParaRPr lang="en-DE"/>
+          </a:p>
+        </p:txBody>
+      </p:sp>
+      <p:sp>
+        <p:nvSpPr>
+          <p:cNvPr id="7" name="Slide Number Placeholder 6">
+            <a:extLst>
+              <a:ext uri="{FF2B5EF4-FFF2-40B4-BE49-F238E27FC236}">
+                <a16:creationId xmlns:a16="http://schemas.microsoft.com/office/drawing/2014/main" id="{174BF78E-A4BE-BB41-B8C0-A8655A581737}"/>
+              </a:ext>
+            </a:extLst>
+          </p:cNvPr>
+          <p:cNvSpPr>
+            <a:spLocks noGrp="1"/>
+          </p:cNvSpPr>
+          <p:nvPr>
+            <p:ph type="sldNum" sz="quarter" idx="12"/>
+          </p:nvPr>
+        </p:nvSpPr>
+        <p:spPr/>
+        <p:txBody>
+          <a:bodyPr/>
+          <a:lstStyle/>
+          <a:p>
+            <a:fld id="{3E09C7DF-480D-9E40-BFD2-100BCD1F8EF2}" type="slidenum">
+              <a:rPr lang="en-DE" smtClean="0"/>
+              <a:t>15</a:t>
+            </a:fld>
+            <a:endParaRPr lang="en-DE"/>
+          </a:p>
+        </p:txBody>
+      </p:sp>
+    </p:spTree>
+    <p:extLst>
+      <p:ext uri="{BB962C8B-B14F-4D97-AF65-F5344CB8AC3E}">
+        <p14:creationId xmlns:p14="http://schemas.microsoft.com/office/powerpoint/2010/main" val="1546550518"/>
+      </p:ext>
+    </p:extLst>
+  </p:cSld>
+  <p:clrMapOvr>
+    <a:masterClrMapping/>
+  </p:clrMapOvr>
+</p:sld>
+</file>
+
+<file path=ppt/slides/slide16.xml><?xml version="1.0" encoding="utf-8"?>
+<p:sld xmlns:a="http://schemas.openxmlformats.org/drawingml/2006/main" xmlns:r="http://schemas.openxmlformats.org/officeDocument/2006/relationships" xmlns:p="http://schemas.openxmlformats.org/presentationml/2006/main" show="0">
+  <p:cSld>
+    <p:spTree>
+      <p:nvGrpSpPr>
+        <p:cNvPr id="1" name=""/>
+        <p:cNvGrpSpPr/>
+        <p:nvPr/>
+      </p:nvGrpSpPr>
+      <p:grpSpPr>
+        <a:xfrm>
+          <a:off x="0" y="0"/>
+          <a:ext cx="0" cy="0"/>
+          <a:chOff x="0" y="0"/>
+          <a:chExt cx="0" cy="0"/>
+        </a:xfrm>
+      </p:grpSpPr>
       <p:sp>
         <p:nvSpPr>
           <p:cNvPr id="2" name="Title 1">
@@ -5043,6 +6807,93 @@
           </a:prstGeom>
         </p:spPr>
       </p:pic>
+      <p:sp>
+        <p:nvSpPr>
+          <p:cNvPr id="5" name="Date Placeholder 4">
+            <a:extLst>
+              <a:ext uri="{FF2B5EF4-FFF2-40B4-BE49-F238E27FC236}">
+                <a16:creationId xmlns:a16="http://schemas.microsoft.com/office/drawing/2014/main" id="{B0F40482-C137-5842-83A2-44255FEA23FE}"/>
+              </a:ext>
+            </a:extLst>
+          </p:cNvPr>
+          <p:cNvSpPr>
+            <a:spLocks noGrp="1"/>
+          </p:cNvSpPr>
+          <p:nvPr>
+            <p:ph type="dt" sz="half" idx="10"/>
+          </p:nvPr>
+        </p:nvSpPr>
+        <p:spPr/>
+        <p:txBody>
+          <a:bodyPr/>
+          <a:lstStyle/>
+          <a:p>
+            <a:fld id="{44F11798-8691-5B49-80D3-10B50CB9695C}" type="datetime1">
+              <a:rPr lang="de-DE" smtClean="0"/>
+              <a:t>30.03.21</a:t>
+            </a:fld>
+            <a:endParaRPr lang="en-DE"/>
+          </a:p>
+        </p:txBody>
+      </p:sp>
+      <p:sp>
+        <p:nvSpPr>
+          <p:cNvPr id="6" name="Footer Placeholder 5">
+            <a:extLst>
+              <a:ext uri="{FF2B5EF4-FFF2-40B4-BE49-F238E27FC236}">
+                <a16:creationId xmlns:a16="http://schemas.microsoft.com/office/drawing/2014/main" id="{70BA2B8B-CD54-F34A-AB9D-7EE67C91A527}"/>
+              </a:ext>
+            </a:extLst>
+          </p:cNvPr>
+          <p:cNvSpPr>
+            <a:spLocks noGrp="1"/>
+          </p:cNvSpPr>
+          <p:nvPr>
+            <p:ph type="ftr" sz="quarter" idx="11"/>
+          </p:nvPr>
+        </p:nvSpPr>
+        <p:spPr/>
+        <p:txBody>
+          <a:bodyPr/>
+          <a:lstStyle/>
+          <a:p>
+            <a:r>
+              <a:rPr lang="en-GB"/>
+              <a:t>Team r2-d2</a:t>
+            </a:r>
+            <a:endParaRPr lang="en-DE"/>
+          </a:p>
+        </p:txBody>
+      </p:sp>
+      <p:sp>
+        <p:nvSpPr>
+          <p:cNvPr id="7" name="Slide Number Placeholder 6">
+            <a:extLst>
+              <a:ext uri="{FF2B5EF4-FFF2-40B4-BE49-F238E27FC236}">
+                <a16:creationId xmlns:a16="http://schemas.microsoft.com/office/drawing/2014/main" id="{7FB18D98-8A8D-9840-90F2-4DB8940A8C10}"/>
+              </a:ext>
+            </a:extLst>
+          </p:cNvPr>
+          <p:cNvSpPr>
+            <a:spLocks noGrp="1"/>
+          </p:cNvSpPr>
+          <p:nvPr>
+            <p:ph type="sldNum" sz="quarter" idx="12"/>
+          </p:nvPr>
+        </p:nvSpPr>
+        <p:spPr/>
+        <p:txBody>
+          <a:bodyPr/>
+          <a:lstStyle/>
+          <a:p>
+            <a:fld id="{3E09C7DF-480D-9E40-BFD2-100BCD1F8EF2}" type="slidenum">
+              <a:rPr lang="en-DE" smtClean="0"/>
+              <a:t>16</a:t>
+            </a:fld>
+            <a:endParaRPr lang="en-DE"/>
+          </a:p>
+        </p:txBody>
+      </p:sp>
     </p:spTree>
     <p:extLst>
       <p:ext uri="{BB962C8B-B14F-4D97-AF65-F5344CB8AC3E}">
@@ -5056,7 +6907,256 @@
 </p:sld>
 </file>
 
-<file path=ppt/slides/slide14.xml><?xml version="1.0" encoding="utf-8"?>
+<file path=ppt/slides/slide17.xml><?xml version="1.0" encoding="utf-8"?>
+<p:sld xmlns:a="http://schemas.openxmlformats.org/drawingml/2006/main" xmlns:r="http://schemas.openxmlformats.org/officeDocument/2006/relationships" xmlns:p="http://schemas.openxmlformats.org/presentationml/2006/main" show="0">
+  <p:cSld>
+    <p:spTree>
+      <p:nvGrpSpPr>
+        <p:cNvPr id="1" name=""/>
+        <p:cNvGrpSpPr/>
+        <p:nvPr/>
+      </p:nvGrpSpPr>
+      <p:grpSpPr>
+        <a:xfrm>
+          <a:off x="0" y="0"/>
+          <a:ext cx="0" cy="0"/>
+          <a:chOff x="0" y="0"/>
+          <a:chExt cx="0" cy="0"/>
+        </a:xfrm>
+      </p:grpSpPr>
+      <p:sp>
+        <p:nvSpPr>
+          <p:cNvPr id="2" name="Title 1">
+            <a:extLst>
+              <a:ext uri="{FF2B5EF4-FFF2-40B4-BE49-F238E27FC236}">
+                <a16:creationId xmlns:a16="http://schemas.microsoft.com/office/drawing/2014/main" id="{C6DE48CA-3F1C-DC4A-81CA-018FFDD0391F}"/>
+              </a:ext>
+            </a:extLst>
+          </p:cNvPr>
+          <p:cNvSpPr>
+            <a:spLocks noGrp="1"/>
+          </p:cNvSpPr>
+          <p:nvPr>
+            <p:ph type="title"/>
+          </p:nvPr>
+        </p:nvSpPr>
+        <p:spPr/>
+        <p:txBody>
+          <a:bodyPr/>
+          <a:lstStyle/>
+          <a:p>
+            <a:r>
+              <a:rPr lang="en-DE" dirty="0"/>
+              <a:t>Who gets hired?</a:t>
+            </a:r>
+          </a:p>
+        </p:txBody>
+      </p:sp>
+      <p:sp>
+        <p:nvSpPr>
+          <p:cNvPr id="3" name="Content Placeholder 2">
+            <a:extLst>
+              <a:ext uri="{FF2B5EF4-FFF2-40B4-BE49-F238E27FC236}">
+                <a16:creationId xmlns:a16="http://schemas.microsoft.com/office/drawing/2014/main" id="{7C1EAD3E-C86E-1348-819E-2D9B221A7143}"/>
+              </a:ext>
+            </a:extLst>
+          </p:cNvPr>
+          <p:cNvSpPr>
+            <a:spLocks noGrp="1"/>
+          </p:cNvSpPr>
+          <p:nvPr>
+            <p:ph idx="1"/>
+          </p:nvPr>
+        </p:nvSpPr>
+        <p:spPr/>
+        <p:txBody>
+          <a:bodyPr>
+            <a:normAutofit/>
+          </a:bodyPr>
+          <a:lstStyle/>
+          <a:p>
+            <a:r>
+              <a:rPr lang="en-DE" b="1" dirty="0"/>
+              <a:t>Positions: </a:t>
+            </a:r>
+            <a:r>
+              <a:rPr lang="en-DE" sz="2000" dirty="0"/>
+              <a:t>Most requested postions are Data Scientist, Rese</a:t>
+            </a:r>
+            <a:r>
+              <a:rPr lang="en-GB" sz="2000" dirty="0" err="1"/>
+              <a:t>ar</a:t>
+            </a:r>
+            <a:r>
+              <a:rPr lang="en-DE" sz="2000" dirty="0"/>
+              <a:t>ch Analyst, Research Scientist</a:t>
+            </a:r>
+          </a:p>
+          <a:p>
+            <a:r>
+              <a:rPr lang="en-DE" b="1" dirty="0"/>
+              <a:t>States: </a:t>
+            </a:r>
+            <a:r>
+              <a:rPr lang="en-GB" sz="2000" dirty="0"/>
+              <a:t>T</a:t>
+            </a:r>
+            <a:r>
+              <a:rPr lang="en-DE" sz="2000" dirty="0"/>
+              <a:t>he most positions are to find in CA, NY, MA.</a:t>
+            </a:r>
+          </a:p>
+          <a:p>
+            <a:r>
+              <a:rPr lang="en-DE" b="1" dirty="0"/>
+              <a:t>Languages: </a:t>
+            </a:r>
+            <a:r>
+              <a:rPr lang="en-DE" sz="2000" dirty="0"/>
+              <a:t>You most likely need to know Python. SQL and Java are a nice to have as well.</a:t>
+            </a:r>
+          </a:p>
+          <a:p>
+            <a:r>
+              <a:rPr lang="en-DE" b="1" dirty="0"/>
+              <a:t>Education: </a:t>
+            </a:r>
+            <a:r>
+              <a:rPr lang="en-GB" sz="2000" dirty="0">
+                <a:ea typeface="+mn-lt"/>
+                <a:cs typeface="+mn-lt"/>
+              </a:rPr>
+              <a:t>majority only required a degree, but nearly half specified a masters as a requirement. A much smaller but substantial minority requested PHD level education as required or desirable.</a:t>
+            </a:r>
+            <a:endParaRPr lang="en-DE" sz="2000" dirty="0"/>
+          </a:p>
+          <a:p>
+            <a:r>
+              <a:rPr lang="en-DE" b="1" dirty="0"/>
+              <a:t>Seniority: </a:t>
+            </a:r>
+            <a:r>
+              <a:rPr lang="en-GB" sz="2000" dirty="0"/>
+              <a:t>Most</a:t>
+            </a:r>
+            <a:r>
+              <a:rPr lang="en-GB" sz="2000" dirty="0">
+                <a:ea typeface="+mn-lt"/>
+                <a:cs typeface="+mn-lt"/>
+              </a:rPr>
+              <a:t> of the positions advertised do not indicate specific seniority level. It can be assumed, therefore, that these are mid-level positions. The 2nd most required seniority level is senior. There is very little need for junior level positions.</a:t>
+            </a:r>
+            <a:endParaRPr lang="en-US" sz="2000" dirty="0"/>
+          </a:p>
+          <a:p>
+            <a:pPr marL="0" indent="0">
+              <a:buNone/>
+            </a:pPr>
+            <a:endParaRPr lang="en-DE" dirty="0"/>
+          </a:p>
+        </p:txBody>
+      </p:sp>
+      <p:sp>
+        <p:nvSpPr>
+          <p:cNvPr id="4" name="Date Placeholder 3">
+            <a:extLst>
+              <a:ext uri="{FF2B5EF4-FFF2-40B4-BE49-F238E27FC236}">
+                <a16:creationId xmlns:a16="http://schemas.microsoft.com/office/drawing/2014/main" id="{5292DECA-36B9-9847-B612-8653189AB477}"/>
+              </a:ext>
+            </a:extLst>
+          </p:cNvPr>
+          <p:cNvSpPr>
+            <a:spLocks noGrp="1"/>
+          </p:cNvSpPr>
+          <p:nvPr>
+            <p:ph type="dt" sz="half" idx="10"/>
+          </p:nvPr>
+        </p:nvSpPr>
+        <p:spPr/>
+        <p:txBody>
+          <a:bodyPr/>
+          <a:lstStyle/>
+          <a:p>
+            <a:fld id="{0A1E4C45-E5FF-8944-B565-90D6B46F58DC}" type="datetime1">
+              <a:rPr lang="de-DE" smtClean="0"/>
+              <a:t>30.03.21</a:t>
+            </a:fld>
+            <a:endParaRPr lang="en-DE"/>
+          </a:p>
+        </p:txBody>
+      </p:sp>
+      <p:sp>
+        <p:nvSpPr>
+          <p:cNvPr id="5" name="Footer Placeholder 4">
+            <a:extLst>
+              <a:ext uri="{FF2B5EF4-FFF2-40B4-BE49-F238E27FC236}">
+                <a16:creationId xmlns:a16="http://schemas.microsoft.com/office/drawing/2014/main" id="{5CF12C9A-A51E-2745-B4FF-CD6E82BAA48F}"/>
+              </a:ext>
+            </a:extLst>
+          </p:cNvPr>
+          <p:cNvSpPr>
+            <a:spLocks noGrp="1"/>
+          </p:cNvSpPr>
+          <p:nvPr>
+            <p:ph type="ftr" sz="quarter" idx="11"/>
+          </p:nvPr>
+        </p:nvSpPr>
+        <p:spPr/>
+        <p:txBody>
+          <a:bodyPr/>
+          <a:lstStyle/>
+          <a:p>
+            <a:r>
+              <a:rPr lang="en-GB"/>
+              <a:t>Team r2-d2</a:t>
+            </a:r>
+            <a:endParaRPr lang="en-DE"/>
+          </a:p>
+        </p:txBody>
+      </p:sp>
+      <p:sp>
+        <p:nvSpPr>
+          <p:cNvPr id="6" name="Slide Number Placeholder 5">
+            <a:extLst>
+              <a:ext uri="{FF2B5EF4-FFF2-40B4-BE49-F238E27FC236}">
+                <a16:creationId xmlns:a16="http://schemas.microsoft.com/office/drawing/2014/main" id="{655720F6-5556-3343-8EA7-B6C3CFD7464C}"/>
+              </a:ext>
+            </a:extLst>
+          </p:cNvPr>
+          <p:cNvSpPr>
+            <a:spLocks noGrp="1"/>
+          </p:cNvSpPr>
+          <p:nvPr>
+            <p:ph type="sldNum" sz="quarter" idx="12"/>
+          </p:nvPr>
+        </p:nvSpPr>
+        <p:spPr/>
+        <p:txBody>
+          <a:bodyPr/>
+          <a:lstStyle/>
+          <a:p>
+            <a:fld id="{3E09C7DF-480D-9E40-BFD2-100BCD1F8EF2}" type="slidenum">
+              <a:rPr lang="en-DE" smtClean="0"/>
+              <a:t>17</a:t>
+            </a:fld>
+            <a:endParaRPr lang="en-DE"/>
+          </a:p>
+        </p:txBody>
+      </p:sp>
+    </p:spTree>
+    <p:extLst>
+      <p:ext uri="{BB962C8B-B14F-4D97-AF65-F5344CB8AC3E}">
+        <p14:creationId xmlns:p14="http://schemas.microsoft.com/office/powerpoint/2010/main" val="1722793776"/>
+      </p:ext>
+    </p:extLst>
+  </p:cSld>
+  <p:clrMapOvr>
+    <a:masterClrMapping/>
+  </p:clrMapOvr>
+</p:sld>
+</file>
+
+<file path=ppt/slides/slide18.xml><?xml version="1.0" encoding="utf-8"?>
 <p:sld xmlns:a="http://schemas.openxmlformats.org/drawingml/2006/main" xmlns:r="http://schemas.openxmlformats.org/officeDocument/2006/relationships" xmlns:p="http://schemas.openxmlformats.org/presentationml/2006/main">
   <p:cSld>
     <p:spTree>
@@ -5078,7 +7178,7 @@
           <p:cNvPr id="2" name="Title 1">
             <a:extLst>
               <a:ext uri="{FF2B5EF4-FFF2-40B4-BE49-F238E27FC236}">
-                <a16:creationId xmlns:a16="http://schemas.microsoft.com/office/drawing/2014/main" id="{B1B5AEEA-58DE-2441-8DFD-6260B9BA0D9D}"/>
+                <a16:creationId xmlns:a16="http://schemas.microsoft.com/office/drawing/2014/main" id="{C6DE48CA-3F1C-DC4A-81CA-018FFDD0391F}"/>
               </a:ext>
             </a:extLst>
           </p:cNvPr>
@@ -5088,252 +7188,416 @@
           <p:nvPr>
             <p:ph type="title"/>
           </p:nvPr>
+        </p:nvSpPr>
+        <p:spPr/>
+        <p:txBody>
+          <a:bodyPr/>
+          <a:lstStyle/>
+          <a:p>
+            <a:r>
+              <a:rPr lang="en-DE" dirty="0"/>
+              <a:t>Who gets hired?</a:t>
+            </a:r>
+          </a:p>
+        </p:txBody>
+      </p:sp>
+      <p:sp>
+        <p:nvSpPr>
+          <p:cNvPr id="4" name="Date Placeholder 3">
+            <a:extLst>
+              <a:ext uri="{FF2B5EF4-FFF2-40B4-BE49-F238E27FC236}">
+                <a16:creationId xmlns:a16="http://schemas.microsoft.com/office/drawing/2014/main" id="{5292DECA-36B9-9847-B612-8653189AB477}"/>
+              </a:ext>
+            </a:extLst>
+          </p:cNvPr>
+          <p:cNvSpPr>
+            <a:spLocks noGrp="1"/>
+          </p:cNvSpPr>
+          <p:nvPr>
+            <p:ph type="dt" sz="half" idx="10"/>
+          </p:nvPr>
+        </p:nvSpPr>
+        <p:spPr/>
+        <p:txBody>
+          <a:bodyPr/>
+          <a:lstStyle/>
+          <a:p>
+            <a:fld id="{0A1E4C45-E5FF-8944-B565-90D6B46F58DC}" type="datetime1">
+              <a:rPr lang="de-DE" smtClean="0"/>
+              <a:t>30.03.21</a:t>
+            </a:fld>
+            <a:endParaRPr lang="en-DE"/>
+          </a:p>
+        </p:txBody>
+      </p:sp>
+      <p:sp>
+        <p:nvSpPr>
+          <p:cNvPr id="5" name="Footer Placeholder 4">
+            <a:extLst>
+              <a:ext uri="{FF2B5EF4-FFF2-40B4-BE49-F238E27FC236}">
+                <a16:creationId xmlns:a16="http://schemas.microsoft.com/office/drawing/2014/main" id="{5CF12C9A-A51E-2745-B4FF-CD6E82BAA48F}"/>
+              </a:ext>
+            </a:extLst>
+          </p:cNvPr>
+          <p:cNvSpPr>
+            <a:spLocks noGrp="1"/>
+          </p:cNvSpPr>
+          <p:nvPr>
+            <p:ph type="ftr" sz="quarter" idx="11"/>
+          </p:nvPr>
+        </p:nvSpPr>
+        <p:spPr/>
+        <p:txBody>
+          <a:bodyPr/>
+          <a:lstStyle/>
+          <a:p>
+            <a:r>
+              <a:rPr lang="en-GB"/>
+              <a:t>Team r2-d2</a:t>
+            </a:r>
+            <a:endParaRPr lang="en-DE"/>
+          </a:p>
+        </p:txBody>
+      </p:sp>
+      <p:sp>
+        <p:nvSpPr>
+          <p:cNvPr id="6" name="Slide Number Placeholder 5">
+            <a:extLst>
+              <a:ext uri="{FF2B5EF4-FFF2-40B4-BE49-F238E27FC236}">
+                <a16:creationId xmlns:a16="http://schemas.microsoft.com/office/drawing/2014/main" id="{655720F6-5556-3343-8EA7-B6C3CFD7464C}"/>
+              </a:ext>
+            </a:extLst>
+          </p:cNvPr>
+          <p:cNvSpPr>
+            <a:spLocks noGrp="1"/>
+          </p:cNvSpPr>
+          <p:nvPr>
+            <p:ph type="sldNum" sz="quarter" idx="12"/>
+          </p:nvPr>
+        </p:nvSpPr>
+        <p:spPr/>
+        <p:txBody>
+          <a:bodyPr/>
+          <a:lstStyle/>
+          <a:p>
+            <a:fld id="{3E09C7DF-480D-9E40-BFD2-100BCD1F8EF2}" type="slidenum">
+              <a:rPr lang="en-DE" smtClean="0"/>
+              <a:t>18</a:t>
+            </a:fld>
+            <a:endParaRPr lang="en-DE"/>
+          </a:p>
+        </p:txBody>
+      </p:sp>
+      <p:sp>
+        <p:nvSpPr>
+          <p:cNvPr id="7" name="Rounded Rectangle 6">
+            <a:extLst>
+              <a:ext uri="{FF2B5EF4-FFF2-40B4-BE49-F238E27FC236}">
+                <a16:creationId xmlns:a16="http://schemas.microsoft.com/office/drawing/2014/main" id="{26EEE308-81C1-7547-9EB2-6B3081A7CBF0}"/>
+              </a:ext>
+            </a:extLst>
+          </p:cNvPr>
+          <p:cNvSpPr/>
+          <p:nvPr/>
         </p:nvSpPr>
         <p:spPr>
           <a:xfrm>
-            <a:off x="838200" y="365125"/>
-            <a:ext cx="10515600" cy="874739"/>
+            <a:off x="493295" y="1847850"/>
+            <a:ext cx="2081463" cy="4083718"/>
           </a:xfrm>
+          <a:prstGeom prst="roundRect">
+            <a:avLst/>
+          </a:prstGeom>
         </p:spPr>
-        <p:txBody>
-          <a:bodyPr/>
-          <a:lstStyle/>
-          <a:p>
-            <a:pPr>
-              <a:lnSpc>
-                <a:spcPct val="107000"/>
-              </a:lnSpc>
-              <a:spcAft>
-                <a:spcPts val="800"/>
-              </a:spcAft>
-            </a:pPr>
-            <a:r>
-              <a:rPr lang="en-GB" sz="4400" b="1" dirty="0">
-                <a:effectLst/>
-                <a:latin typeface="Calibri" panose="020F0502020204030204" pitchFamily="34" charset="0"/>
-                <a:ea typeface="Calibri" panose="020F0502020204030204" pitchFamily="34" charset="0"/>
-                <a:cs typeface="Arial" panose="020B0604020202020204" pitchFamily="34" charset="0"/>
-              </a:rPr>
-              <a:t>Challenges and how we tackled them</a:t>
-            </a:r>
-            <a:endParaRPr lang="en-GB" sz="4400" dirty="0">
-              <a:effectLst/>
-              <a:latin typeface="Calibri" panose="020F0502020204030204" pitchFamily="34" charset="0"/>
-              <a:ea typeface="Calibri" panose="020F0502020204030204" pitchFamily="34" charset="0"/>
-              <a:cs typeface="Arial" panose="020B0604020202020204" pitchFamily="34" charset="0"/>
-            </a:endParaRPr>
-          </a:p>
-        </p:txBody>
-      </p:sp>
-      <p:sp>
-        <p:nvSpPr>
-          <p:cNvPr id="3" name="Content Placeholder 2">
-            <a:extLst>
-              <a:ext uri="{FF2B5EF4-FFF2-40B4-BE49-F238E27FC236}">
-                <a16:creationId xmlns:a16="http://schemas.microsoft.com/office/drawing/2014/main" id="{7E42C20C-D22D-0F45-A251-9D0F1112E770}"/>
-              </a:ext>
-            </a:extLst>
-          </p:cNvPr>
-          <p:cNvSpPr>
-            <a:spLocks noGrp="1"/>
-          </p:cNvSpPr>
-          <p:nvPr>
-            <p:ph idx="1"/>
-          </p:nvPr>
+        <p:style>
+          <a:lnRef idx="3">
+            <a:schemeClr val="lt1"/>
+          </a:lnRef>
+          <a:fillRef idx="1">
+            <a:schemeClr val="accent4"/>
+          </a:fillRef>
+          <a:effectRef idx="1">
+            <a:schemeClr val="accent4"/>
+          </a:effectRef>
+          <a:fontRef idx="minor">
+            <a:schemeClr val="lt1"/>
+          </a:fontRef>
+        </p:style>
+        <p:txBody>
+          <a:bodyPr rtlCol="0" anchor="ctr"/>
+          <a:lstStyle/>
+          <a:p>
+            <a:pPr algn="ctr"/>
+            <a:r>
+              <a:rPr lang="en-DE" b="1" dirty="0"/>
+              <a:t>Positions</a:t>
+            </a:r>
+          </a:p>
+          <a:p>
+            <a:pPr algn="ctr"/>
+            <a:endParaRPr lang="en-DE" b="1" dirty="0"/>
+          </a:p>
+          <a:p>
+            <a:pPr algn="ctr"/>
+            <a:r>
+              <a:rPr lang="en-DE" dirty="0"/>
+              <a:t>Most requested postions are Data Scientist, Rese</a:t>
+            </a:r>
+            <a:r>
+              <a:rPr lang="en-GB" dirty="0" err="1"/>
+              <a:t>ar</a:t>
+            </a:r>
+            <a:r>
+              <a:rPr lang="en-DE" dirty="0"/>
+              <a:t>ch Analyst, Research Scientist</a:t>
+            </a:r>
+          </a:p>
+        </p:txBody>
+      </p:sp>
+      <p:sp>
+        <p:nvSpPr>
+          <p:cNvPr id="8" name="Rounded Rectangle 7">
+            <a:extLst>
+              <a:ext uri="{FF2B5EF4-FFF2-40B4-BE49-F238E27FC236}">
+                <a16:creationId xmlns:a16="http://schemas.microsoft.com/office/drawing/2014/main" id="{C150B39A-CB7F-CC48-90BF-34CF679CA4E3}"/>
+              </a:ext>
+            </a:extLst>
+          </p:cNvPr>
+          <p:cNvSpPr/>
+          <p:nvPr/>
         </p:nvSpPr>
         <p:spPr>
           <a:xfrm>
-            <a:off x="838200" y="1239863"/>
-            <a:ext cx="10515600" cy="5470903"/>
+            <a:off x="2799348" y="1847850"/>
+            <a:ext cx="2081463" cy="4083718"/>
           </a:xfrm>
+          <a:prstGeom prst="roundRect">
+            <a:avLst/>
+          </a:prstGeom>
         </p:spPr>
-        <p:txBody>
-          <a:bodyPr>
-            <a:normAutofit fontScale="92500"/>
-          </a:bodyPr>
-          <a:lstStyle/>
-          <a:p>
-            <a:pPr marL="0" lvl="0" indent="0">
-              <a:lnSpc>
-                <a:spcPct val="107000"/>
-              </a:lnSpc>
-              <a:buNone/>
-            </a:pPr>
-            <a:r>
-              <a:rPr lang="en-GB" sz="1600" b="1" dirty="0">
-                <a:effectLst/>
-                <a:latin typeface="Calibri" panose="020F0502020204030204" pitchFamily="34" charset="0"/>
-                <a:ea typeface="Calibri" panose="020F0502020204030204" pitchFamily="34" charset="0"/>
-                <a:cs typeface="Arial" panose="020B0604020202020204" pitchFamily="34" charset="0"/>
-              </a:rPr>
-              <a:t>The non-standardised nature of the raw data </a:t>
-            </a:r>
-          </a:p>
-          <a:p>
-            <a:pPr marL="0" lvl="0" indent="0">
-              <a:lnSpc>
-                <a:spcPct val="107000"/>
-              </a:lnSpc>
-              <a:buNone/>
-            </a:pPr>
-            <a:r>
-              <a:rPr lang="en-GB" sz="1600" dirty="0">
-                <a:effectLst/>
-                <a:latin typeface="Calibri" panose="020F0502020204030204" pitchFamily="34" charset="0"/>
-                <a:ea typeface="Calibri" panose="020F0502020204030204" pitchFamily="34" charset="0"/>
-                <a:cs typeface="Arial" panose="020B0604020202020204" pitchFamily="34" charset="0"/>
-              </a:rPr>
-              <a:t>The data has a large amount of non-structured information. It is not possible to see at a glance how best to categorise this. A thorough investigation of the full potential of the data would require a lengthy and sophisticated analysis. We decided that given the time restraints it was best to concentrate on just a handful of easily identifiable categories and work with them. </a:t>
-            </a:r>
-          </a:p>
-          <a:p>
-            <a:pPr marL="0" lvl="0" indent="0">
-              <a:lnSpc>
-                <a:spcPct val="107000"/>
-              </a:lnSpc>
-              <a:buNone/>
-            </a:pPr>
-            <a:r>
-              <a:rPr lang="en-GB" sz="1600" b="1" dirty="0">
-                <a:effectLst/>
-                <a:latin typeface="Calibri" panose="020F0502020204030204" pitchFamily="34" charset="0"/>
-                <a:ea typeface="Calibri" panose="020F0502020204030204" pitchFamily="34" charset="0"/>
-                <a:cs typeface="Arial" panose="020B0604020202020204" pitchFamily="34" charset="0"/>
-              </a:rPr>
-              <a:t>Teamwork in a time pressured environment with new colleagues</a:t>
-            </a:r>
-            <a:endParaRPr lang="en-GB" sz="1600" dirty="0">
-              <a:effectLst/>
-              <a:latin typeface="Calibri" panose="020F0502020204030204" pitchFamily="34" charset="0"/>
-              <a:ea typeface="Calibri" panose="020F0502020204030204" pitchFamily="34" charset="0"/>
-              <a:cs typeface="Arial" panose="020B0604020202020204" pitchFamily="34" charset="0"/>
-            </a:endParaRPr>
-          </a:p>
-          <a:p>
-            <a:pPr marL="28575" indent="0">
-              <a:lnSpc>
-                <a:spcPct val="107000"/>
-              </a:lnSpc>
-              <a:buNone/>
-            </a:pPr>
-            <a:r>
-              <a:rPr lang="en-GB" sz="1600" dirty="0">
-                <a:effectLst/>
-                <a:latin typeface="Calibri" panose="020F0502020204030204" pitchFamily="34" charset="0"/>
-                <a:ea typeface="Calibri" panose="020F0502020204030204" pitchFamily="34" charset="0"/>
-                <a:cs typeface="Arial" panose="020B0604020202020204" pitchFamily="34" charset="0"/>
-              </a:rPr>
-              <a:t>The team had not worked together before and we were under pressure to deliver a fist analysis in half a day. Despite this the team worked well together, setting clear time slots for private work and then coming back together to review, as well as successfully working together to solve problems. </a:t>
-            </a:r>
-          </a:p>
-          <a:p>
-            <a:pPr marL="0" lvl="0" indent="0">
-              <a:lnSpc>
-                <a:spcPct val="107000"/>
-              </a:lnSpc>
-              <a:buNone/>
-            </a:pPr>
-            <a:r>
-              <a:rPr lang="en-GB" sz="1600" b="1" dirty="0">
-                <a:effectLst/>
-                <a:latin typeface="Calibri" panose="020F0502020204030204" pitchFamily="34" charset="0"/>
-                <a:ea typeface="Calibri" panose="020F0502020204030204" pitchFamily="34" charset="0"/>
-                <a:cs typeface="Arial" panose="020B0604020202020204" pitchFamily="34" charset="0"/>
-              </a:rPr>
-              <a:t>Working together on one live document</a:t>
-            </a:r>
-            <a:endParaRPr lang="en-GB" sz="1600" dirty="0">
-              <a:effectLst/>
-              <a:latin typeface="Calibri" panose="020F0502020204030204" pitchFamily="34" charset="0"/>
-              <a:ea typeface="Calibri" panose="020F0502020204030204" pitchFamily="34" charset="0"/>
-              <a:cs typeface="Arial" panose="020B0604020202020204" pitchFamily="34" charset="0"/>
-            </a:endParaRPr>
-          </a:p>
-          <a:p>
-            <a:pPr marL="28575" indent="0">
-              <a:lnSpc>
-                <a:spcPct val="107000"/>
-              </a:lnSpc>
-              <a:buNone/>
-            </a:pPr>
-            <a:r>
-              <a:rPr lang="en-GB" sz="1600" dirty="0">
-                <a:effectLst/>
-                <a:latin typeface="Calibri" panose="020F0502020204030204" pitchFamily="34" charset="0"/>
-                <a:ea typeface="Calibri" panose="020F0502020204030204" pitchFamily="34" charset="0"/>
-                <a:cs typeface="Arial" panose="020B0604020202020204" pitchFamily="34" charset="0"/>
-              </a:rPr>
-              <a:t>The team were all writing code on the same data set and with the same starting </a:t>
-            </a:r>
-            <a:r>
-              <a:rPr lang="en-GB" sz="1600" dirty="0" err="1">
-                <a:effectLst/>
-                <a:latin typeface="Calibri" panose="020F0502020204030204" pitchFamily="34" charset="0"/>
-                <a:ea typeface="Calibri" panose="020F0502020204030204" pitchFamily="34" charset="0"/>
-                <a:cs typeface="Arial" panose="020B0604020202020204" pitchFamily="34" charset="0"/>
-              </a:rPr>
-              <a:t>Jupyter</a:t>
-            </a:r>
-            <a:r>
-              <a:rPr lang="en-GB" sz="1600" dirty="0">
-                <a:effectLst/>
-                <a:latin typeface="Calibri" panose="020F0502020204030204" pitchFamily="34" charset="0"/>
-                <a:ea typeface="Calibri" panose="020F0502020204030204" pitchFamily="34" charset="0"/>
-                <a:cs typeface="Arial" panose="020B0604020202020204" pitchFamily="34" charset="0"/>
-              </a:rPr>
-              <a:t> Notebook file. The question was how best to collaborate on this document and pull the work together. We did consider trying to work on one python document at the same time, but abandoned this approach as we were unsure of the technology and through it might cost us time. In the end one team member took responsibility for the main document and other members sent their code snippets to include over slack. This worked, but there was an issue where we were getting different results from the data across the systems. </a:t>
-            </a:r>
-          </a:p>
-          <a:p>
-            <a:pPr marL="28575" indent="0">
-              <a:lnSpc>
-                <a:spcPct val="107000"/>
-              </a:lnSpc>
-              <a:buNone/>
-            </a:pPr>
-            <a:r>
-              <a:rPr lang="en-GB" sz="1600" b="1" dirty="0">
-                <a:effectLst/>
-                <a:latin typeface="Calibri" panose="020F0502020204030204" pitchFamily="34" charset="0"/>
-                <a:ea typeface="Calibri" panose="020F0502020204030204" pitchFamily="34" charset="0"/>
-                <a:cs typeface="Arial" panose="020B0604020202020204" pitchFamily="34" charset="0"/>
-              </a:rPr>
-              <a:t>Displaying the data effectively</a:t>
-            </a:r>
-            <a:endParaRPr lang="en-GB" sz="1600" dirty="0">
-              <a:effectLst/>
-              <a:latin typeface="Calibri" panose="020F0502020204030204" pitchFamily="34" charset="0"/>
-              <a:ea typeface="Calibri" panose="020F0502020204030204" pitchFamily="34" charset="0"/>
-              <a:cs typeface="Arial" panose="020B0604020202020204" pitchFamily="34" charset="0"/>
-            </a:endParaRPr>
-          </a:p>
-          <a:p>
-            <a:pPr marL="0" lvl="0" indent="0">
-              <a:lnSpc>
-                <a:spcPct val="107000"/>
-              </a:lnSpc>
-              <a:spcAft>
-                <a:spcPts val="800"/>
-              </a:spcAft>
-              <a:buNone/>
-            </a:pPr>
-            <a:r>
-              <a:rPr lang="en-GB" sz="1600" dirty="0">
-                <a:effectLst/>
-                <a:latin typeface="Calibri" panose="020F0502020204030204" pitchFamily="34" charset="0"/>
-                <a:ea typeface="Calibri" panose="020F0502020204030204" pitchFamily="34" charset="0"/>
-                <a:cs typeface="Arial" panose="020B0604020202020204" pitchFamily="34" charset="0"/>
-              </a:rPr>
-              <a:t>The nature of the data required charts based on of categories as well as integers. It was well suited to many types of chart that the team had little experience in working with. This was a harder challenge than we had anticipated and while we produced some basic displays, we did not get the correlations well displayed within the time-limits set. </a:t>
+        <p:style>
+          <a:lnRef idx="3">
+            <a:schemeClr val="lt1"/>
+          </a:lnRef>
+          <a:fillRef idx="1">
+            <a:schemeClr val="accent5"/>
+          </a:fillRef>
+          <a:effectRef idx="1">
+            <a:schemeClr val="accent5"/>
+          </a:effectRef>
+          <a:fontRef idx="minor">
+            <a:schemeClr val="lt1"/>
+          </a:fontRef>
+        </p:style>
+        <p:txBody>
+          <a:bodyPr rtlCol="0" anchor="ctr"/>
+          <a:lstStyle/>
+          <a:p>
+            <a:pPr algn="ctr"/>
+            <a:r>
+              <a:rPr lang="en-DE" b="1" dirty="0"/>
+              <a:t>States</a:t>
+            </a:r>
+          </a:p>
+          <a:p>
+            <a:pPr algn="ctr"/>
+            <a:endParaRPr lang="en-DE" b="1" dirty="0"/>
+          </a:p>
+          <a:p>
+            <a:pPr algn="ctr"/>
+            <a:r>
+              <a:rPr lang="en-GB" dirty="0"/>
+              <a:t>T</a:t>
+            </a:r>
+            <a:r>
+              <a:rPr lang="en-DE" dirty="0"/>
+              <a:t>he most positions are to find in CA, NY, MA.</a:t>
+            </a:r>
+          </a:p>
+        </p:txBody>
+      </p:sp>
+      <p:sp>
+        <p:nvSpPr>
+          <p:cNvPr id="9" name="Rounded Rectangle 8">
+            <a:extLst>
+              <a:ext uri="{FF2B5EF4-FFF2-40B4-BE49-F238E27FC236}">
+                <a16:creationId xmlns:a16="http://schemas.microsoft.com/office/drawing/2014/main" id="{07288830-F365-484B-9FBA-68073486D5F1}"/>
+              </a:ext>
+            </a:extLst>
+          </p:cNvPr>
+          <p:cNvSpPr/>
+          <p:nvPr/>
+        </p:nvSpPr>
+        <p:spPr>
+          <a:xfrm>
+            <a:off x="5105401" y="1847850"/>
+            <a:ext cx="2081463" cy="4083718"/>
+          </a:xfrm>
+          <a:prstGeom prst="roundRect">
+            <a:avLst/>
+          </a:prstGeom>
+        </p:spPr>
+        <p:style>
+          <a:lnRef idx="2">
+            <a:schemeClr val="accent6">
+              <a:shade val="50000"/>
+            </a:schemeClr>
+          </a:lnRef>
+          <a:fillRef idx="1">
+            <a:schemeClr val="accent6"/>
+          </a:fillRef>
+          <a:effectRef idx="0">
+            <a:schemeClr val="accent6"/>
+          </a:effectRef>
+          <a:fontRef idx="minor">
+            <a:schemeClr val="lt1"/>
+          </a:fontRef>
+        </p:style>
+        <p:txBody>
+          <a:bodyPr rtlCol="0" anchor="ctr"/>
+          <a:lstStyle/>
+          <a:p>
+            <a:pPr algn="ctr"/>
+            <a:r>
+              <a:rPr lang="en-DE" b="1" dirty="0"/>
+              <a:t>Languages</a:t>
+            </a:r>
+          </a:p>
+          <a:p>
+            <a:pPr algn="ctr"/>
+            <a:endParaRPr lang="en-DE" b="1" dirty="0"/>
+          </a:p>
+          <a:p>
+            <a:pPr algn="ctr"/>
+            <a:r>
+              <a:rPr lang="en-DE" dirty="0"/>
+              <a:t>You most likely need to know Python. SQL and Java are a nice to have as well.</a:t>
+            </a:r>
+          </a:p>
+        </p:txBody>
+      </p:sp>
+      <p:sp>
+        <p:nvSpPr>
+          <p:cNvPr id="10" name="Rounded Rectangle 9">
+            <a:extLst>
+              <a:ext uri="{FF2B5EF4-FFF2-40B4-BE49-F238E27FC236}">
+                <a16:creationId xmlns:a16="http://schemas.microsoft.com/office/drawing/2014/main" id="{93ED934F-FE11-A54E-AA9B-5C3845F62E9F}"/>
+              </a:ext>
+            </a:extLst>
+          </p:cNvPr>
+          <p:cNvSpPr/>
+          <p:nvPr/>
+        </p:nvSpPr>
+        <p:spPr>
+          <a:xfrm>
+            <a:off x="7411453" y="1847850"/>
+            <a:ext cx="2081463" cy="4083718"/>
+          </a:xfrm>
+          <a:prstGeom prst="roundRect">
+            <a:avLst/>
+          </a:prstGeom>
+        </p:spPr>
+        <p:style>
+          <a:lnRef idx="3">
+            <a:schemeClr val="lt1"/>
+          </a:lnRef>
+          <a:fillRef idx="1">
+            <a:schemeClr val="accent2"/>
+          </a:fillRef>
+          <a:effectRef idx="1">
+            <a:schemeClr val="accent2"/>
+          </a:effectRef>
+          <a:fontRef idx="minor">
+            <a:schemeClr val="lt1"/>
+          </a:fontRef>
+        </p:style>
+        <p:txBody>
+          <a:bodyPr rtlCol="0" anchor="ctr"/>
+          <a:lstStyle/>
+          <a:p>
+            <a:pPr algn="ctr"/>
+            <a:r>
+              <a:rPr lang="en-DE" b="1" dirty="0"/>
+              <a:t>Education</a:t>
+            </a:r>
+          </a:p>
+          <a:p>
+            <a:pPr algn="ctr"/>
+            <a:endParaRPr lang="en-DE" b="1" dirty="0"/>
+          </a:p>
+          <a:p>
+            <a:pPr algn="ctr"/>
+            <a:r>
+              <a:rPr lang="en-GB" dirty="0"/>
+              <a:t>Majority only required a bachelor degree</a:t>
             </a:r>
             <a:endParaRPr lang="en-DE" dirty="0"/>
+          </a:p>
+        </p:txBody>
+      </p:sp>
+      <p:sp>
+        <p:nvSpPr>
+          <p:cNvPr id="11" name="Rounded Rectangle 10">
+            <a:extLst>
+              <a:ext uri="{FF2B5EF4-FFF2-40B4-BE49-F238E27FC236}">
+                <a16:creationId xmlns:a16="http://schemas.microsoft.com/office/drawing/2014/main" id="{E415DDAE-9066-E045-9627-BFD2396EEDE9}"/>
+              </a:ext>
+            </a:extLst>
+          </p:cNvPr>
+          <p:cNvSpPr/>
+          <p:nvPr/>
+        </p:nvSpPr>
+        <p:spPr>
+          <a:xfrm>
+            <a:off x="9717505" y="1847850"/>
+            <a:ext cx="2081463" cy="4083718"/>
+          </a:xfrm>
+          <a:prstGeom prst="roundRect">
+            <a:avLst/>
+          </a:prstGeom>
+        </p:spPr>
+        <p:style>
+          <a:lnRef idx="3">
+            <a:schemeClr val="lt1"/>
+          </a:lnRef>
+          <a:fillRef idx="1">
+            <a:schemeClr val="accent3"/>
+          </a:fillRef>
+          <a:effectRef idx="1">
+            <a:schemeClr val="accent3"/>
+          </a:effectRef>
+          <a:fontRef idx="minor">
+            <a:schemeClr val="lt1"/>
+          </a:fontRef>
+        </p:style>
+        <p:txBody>
+          <a:bodyPr rtlCol="0" anchor="ctr"/>
+          <a:lstStyle/>
+          <a:p>
+            <a:pPr algn="ctr"/>
+            <a:r>
+              <a:rPr lang="en-DE" b="1" dirty="0"/>
+              <a:t>Seniority</a:t>
+            </a:r>
+          </a:p>
+          <a:p>
+            <a:pPr algn="ctr"/>
+            <a:endParaRPr lang="en-DE" b="1" dirty="0"/>
+          </a:p>
+          <a:p>
+            <a:pPr algn="ctr"/>
+            <a:r>
+              <a:rPr lang="en-GB" dirty="0"/>
+              <a:t>mid-level positions</a:t>
+            </a:r>
+            <a:endParaRPr lang="en-US" dirty="0"/>
           </a:p>
         </p:txBody>
       </p:sp>
     </p:spTree>
     <p:extLst>
       <p:ext uri="{BB962C8B-B14F-4D97-AF65-F5344CB8AC3E}">
-        <p14:creationId xmlns:p14="http://schemas.microsoft.com/office/powerpoint/2010/main" val="1060918591"/>
+        <p14:creationId xmlns:p14="http://schemas.microsoft.com/office/powerpoint/2010/main" val="1118915011"/>
       </p:ext>
     </p:extLst>
   </p:cSld>
@@ -5343,7 +7607,7 @@
 </p:sld>
 </file>
 
-<file path=ppt/slides/slide15.xml><?xml version="1.0" encoding="utf-8"?>
+<file path=ppt/slides/slide19.xml><?xml version="1.0" encoding="utf-8"?>
 <p:sld xmlns:a="http://schemas.openxmlformats.org/drawingml/2006/main" xmlns:r="http://schemas.openxmlformats.org/officeDocument/2006/relationships" xmlns:p="http://schemas.openxmlformats.org/presentationml/2006/main">
   <p:cSld>
     <p:spTree>
@@ -5365,7 +7629,7 @@
           <p:cNvPr id="2" name="Title 1">
             <a:extLst>
               <a:ext uri="{FF2B5EF4-FFF2-40B4-BE49-F238E27FC236}">
-                <a16:creationId xmlns:a16="http://schemas.microsoft.com/office/drawing/2014/main" id="{C6DE48CA-3F1C-DC4A-81CA-018FFDD0391F}"/>
+                <a16:creationId xmlns:a16="http://schemas.microsoft.com/office/drawing/2014/main" id="{B1B5AEEA-58DE-2441-8DFD-6260B9BA0D9D}"/>
               </a:ext>
             </a:extLst>
           </p:cNvPr>
@@ -5376,12 +7640,22 @@
             <p:ph type="title"/>
           </p:nvPr>
         </p:nvSpPr>
-        <p:spPr/>
-        <p:txBody>
-          <a:bodyPr/>
-          <a:lstStyle/>
-          <a:p>
-            <a:endParaRPr lang="en-DE"/>
+        <p:spPr>
+          <a:xfrm>
+            <a:off x="838200" y="365125"/>
+            <a:ext cx="10515600" cy="874739"/>
+          </a:xfrm>
+        </p:spPr>
+        <p:txBody>
+          <a:bodyPr vert="horz" lIns="91440" tIns="45720" rIns="91440" bIns="45720" rtlCol="0" anchor="ctr">
+            <a:normAutofit/>
+          </a:bodyPr>
+          <a:lstStyle/>
+          <a:p>
+            <a:r>
+              <a:rPr lang="en-GB" dirty="0"/>
+              <a:t>Challenges and how we tackled them</a:t>
+            </a:r>
           </a:p>
         </p:txBody>
       </p:sp>
@@ -5390,7 +7664,7 @@
           <p:cNvPr id="3" name="Content Placeholder 2">
             <a:extLst>
               <a:ext uri="{FF2B5EF4-FFF2-40B4-BE49-F238E27FC236}">
-                <a16:creationId xmlns:a16="http://schemas.microsoft.com/office/drawing/2014/main" id="{7C1EAD3E-C86E-1348-819E-2D9B221A7143}"/>
+                <a16:creationId xmlns:a16="http://schemas.microsoft.com/office/drawing/2014/main" id="{7E42C20C-D22D-0F45-A251-9D0F1112E770}"/>
               </a:ext>
             </a:extLst>
           </p:cNvPr>
@@ -5401,11 +7675,166 @@
             <p:ph idx="1"/>
           </p:nvPr>
         </p:nvSpPr>
-        <p:spPr/>
-        <p:txBody>
-          <a:bodyPr/>
-          <a:lstStyle/>
-          <a:p>
+        <p:spPr>
+          <a:xfrm>
+            <a:off x="838200" y="1888958"/>
+            <a:ext cx="10515600" cy="3441032"/>
+          </a:xfrm>
+        </p:spPr>
+        <p:txBody>
+          <a:bodyPr>
+            <a:normAutofit/>
+          </a:bodyPr>
+          <a:lstStyle/>
+          <a:p>
+            <a:pPr>
+              <a:lnSpc>
+                <a:spcPct val="200000"/>
+              </a:lnSpc>
+            </a:pPr>
+            <a:r>
+              <a:rPr lang="en-GB" sz="2000" dirty="0">
+                <a:effectLst/>
+                <a:latin typeface="Calibri" panose="020F0502020204030204" pitchFamily="34" charset="0"/>
+                <a:ea typeface="Calibri" panose="020F0502020204030204" pitchFamily="34" charset="0"/>
+                <a:cs typeface="Arial" panose="020B0604020202020204" pitchFamily="34" charset="0"/>
+              </a:rPr>
+              <a:t>The non-standardised nature of the raw data </a:t>
+            </a:r>
+          </a:p>
+          <a:p>
+            <a:pPr>
+              <a:lnSpc>
+                <a:spcPct val="200000"/>
+              </a:lnSpc>
+            </a:pPr>
+            <a:r>
+              <a:rPr lang="en-GB" sz="2000" dirty="0">
+                <a:effectLst/>
+                <a:latin typeface="Calibri" panose="020F0502020204030204" pitchFamily="34" charset="0"/>
+                <a:ea typeface="Calibri" panose="020F0502020204030204" pitchFamily="34" charset="0"/>
+                <a:cs typeface="Arial" panose="020B0604020202020204" pitchFamily="34" charset="0"/>
+              </a:rPr>
+              <a:t>Teamwork in a time pressured environment with new colleagues</a:t>
+            </a:r>
+          </a:p>
+          <a:p>
+            <a:pPr>
+              <a:lnSpc>
+                <a:spcPct val="200000"/>
+              </a:lnSpc>
+            </a:pPr>
+            <a:r>
+              <a:rPr lang="en-GB" sz="2000" dirty="0">
+                <a:effectLst/>
+                <a:latin typeface="Calibri" panose="020F0502020204030204" pitchFamily="34" charset="0"/>
+                <a:ea typeface="Calibri" panose="020F0502020204030204" pitchFamily="34" charset="0"/>
+                <a:cs typeface="Arial" panose="020B0604020202020204" pitchFamily="34" charset="0"/>
+              </a:rPr>
+              <a:t>Working together on one live document</a:t>
+            </a:r>
+          </a:p>
+          <a:p>
+            <a:pPr>
+              <a:lnSpc>
+                <a:spcPct val="200000"/>
+              </a:lnSpc>
+            </a:pPr>
+            <a:r>
+              <a:rPr lang="en-GB" sz="2000" dirty="0">
+                <a:effectLst/>
+                <a:latin typeface="Calibri" panose="020F0502020204030204" pitchFamily="34" charset="0"/>
+                <a:ea typeface="Calibri" panose="020F0502020204030204" pitchFamily="34" charset="0"/>
+                <a:cs typeface="Arial" panose="020B0604020202020204" pitchFamily="34" charset="0"/>
+              </a:rPr>
+              <a:t>Displaying the data effectively</a:t>
+            </a:r>
+          </a:p>
+        </p:txBody>
+      </p:sp>
+      <p:sp>
+        <p:nvSpPr>
+          <p:cNvPr id="4" name="Date Placeholder 3">
+            <a:extLst>
+              <a:ext uri="{FF2B5EF4-FFF2-40B4-BE49-F238E27FC236}">
+                <a16:creationId xmlns:a16="http://schemas.microsoft.com/office/drawing/2014/main" id="{DD2B05D5-BB97-CD4C-894F-2B3278ECC37E}"/>
+              </a:ext>
+            </a:extLst>
+          </p:cNvPr>
+          <p:cNvSpPr>
+            <a:spLocks noGrp="1"/>
+          </p:cNvSpPr>
+          <p:nvPr>
+            <p:ph type="dt" sz="half" idx="10"/>
+          </p:nvPr>
+        </p:nvSpPr>
+        <p:spPr/>
+        <p:txBody>
+          <a:bodyPr/>
+          <a:lstStyle/>
+          <a:p>
+            <a:fld id="{B32DEEEC-657E-004A-8C3C-8A338B979DC8}" type="datetime1">
+              <a:rPr lang="de-DE" smtClean="0"/>
+              <a:t>30.03.21</a:t>
+            </a:fld>
+            <a:endParaRPr lang="en-DE"/>
+          </a:p>
+        </p:txBody>
+      </p:sp>
+      <p:sp>
+        <p:nvSpPr>
+          <p:cNvPr id="5" name="Footer Placeholder 4">
+            <a:extLst>
+              <a:ext uri="{FF2B5EF4-FFF2-40B4-BE49-F238E27FC236}">
+                <a16:creationId xmlns:a16="http://schemas.microsoft.com/office/drawing/2014/main" id="{43D0E9E3-E0A1-D142-9C6A-6B2533EA89B0}"/>
+              </a:ext>
+            </a:extLst>
+          </p:cNvPr>
+          <p:cNvSpPr>
+            <a:spLocks noGrp="1"/>
+          </p:cNvSpPr>
+          <p:nvPr>
+            <p:ph type="ftr" sz="quarter" idx="11"/>
+          </p:nvPr>
+        </p:nvSpPr>
+        <p:spPr/>
+        <p:txBody>
+          <a:bodyPr/>
+          <a:lstStyle/>
+          <a:p>
+            <a:r>
+              <a:rPr lang="en-GB" dirty="0"/>
+              <a:t>Team r2-d2</a:t>
+            </a:r>
+            <a:endParaRPr lang="en-DE" dirty="0"/>
+          </a:p>
+        </p:txBody>
+      </p:sp>
+      <p:sp>
+        <p:nvSpPr>
+          <p:cNvPr id="6" name="Slide Number Placeholder 5">
+            <a:extLst>
+              <a:ext uri="{FF2B5EF4-FFF2-40B4-BE49-F238E27FC236}">
+                <a16:creationId xmlns:a16="http://schemas.microsoft.com/office/drawing/2014/main" id="{B04F4733-8FEE-1A4A-A0B3-91205475270D}"/>
+              </a:ext>
+            </a:extLst>
+          </p:cNvPr>
+          <p:cNvSpPr>
+            <a:spLocks noGrp="1"/>
+          </p:cNvSpPr>
+          <p:nvPr>
+            <p:ph type="sldNum" sz="quarter" idx="12"/>
+          </p:nvPr>
+        </p:nvSpPr>
+        <p:spPr/>
+        <p:txBody>
+          <a:bodyPr/>
+          <a:lstStyle/>
+          <a:p>
+            <a:fld id="{3E09C7DF-480D-9E40-BFD2-100BCD1F8EF2}" type="slidenum">
+              <a:rPr lang="en-DE" smtClean="0"/>
+              <a:t>19</a:t>
+            </a:fld>
             <a:endParaRPr lang="en-DE"/>
           </a:p>
         </p:txBody>
@@ -5413,7 +7842,7 @@
     </p:spTree>
     <p:extLst>
       <p:ext uri="{BB962C8B-B14F-4D97-AF65-F5344CB8AC3E}">
-        <p14:creationId xmlns:p14="http://schemas.microsoft.com/office/powerpoint/2010/main" val="1722793776"/>
+        <p14:creationId xmlns:p14="http://schemas.microsoft.com/office/powerpoint/2010/main" val="1060918591"/>
       </p:ext>
     </p:extLst>
   </p:cSld>
@@ -5464,14 +7893,10 @@
           <a:lstStyle/>
           <a:p>
             <a:r>
-              <a:rPr lang="en-GB" b="1" dirty="0" err="1"/>
-              <a:t>Organziational</a:t>
-            </a:r>
-            <a:r>
-              <a:rPr lang="en-GB" b="1" dirty="0"/>
-              <a:t> to dos:</a:t>
-            </a:r>
-            <a:endParaRPr lang="en-DE" b="1" dirty="0"/>
+              <a:rPr lang="en-GB" dirty="0"/>
+              <a:t>Organizational to dos</a:t>
+            </a:r>
+            <a:endParaRPr lang="en-DE" dirty="0"/>
           </a:p>
         </p:txBody>
       </p:sp>
@@ -5494,124 +7919,161 @@
         <p:spPr/>
         <p:txBody>
           <a:bodyPr>
-            <a:normAutofit fontScale="85000" lnSpcReduction="20000"/>
+            <a:normAutofit/>
           </a:bodyPr>
           <a:lstStyle/>
           <a:p>
-            <a:r>
-              <a:rPr lang="en-GB" dirty="0"/>
-              <a:t>Initial meeting to check how to proceed</a:t>
-            </a:r>
-          </a:p>
-          <a:p>
-            <a:r>
-              <a:rPr lang="en-GB" dirty="0"/>
-              <a:t>Create a repo on GitHub</a:t>
-            </a:r>
-          </a:p>
-          <a:p>
-            <a:r>
-              <a:rPr lang="en-GB" dirty="0"/>
-              <a:t>Create a </a:t>
-            </a:r>
-            <a:r>
-              <a:rPr lang="en-GB" dirty="0" err="1"/>
-              <a:t>jupyter</a:t>
-            </a:r>
-            <a:r>
-              <a:rPr lang="en-GB" dirty="0"/>
-              <a:t> notebook</a:t>
-            </a:r>
-          </a:p>
-          <a:p>
-            <a:r>
-              <a:rPr lang="en-GB" dirty="0"/>
-              <a:t>What wrangling steps we want to do on each column - done</a:t>
-            </a:r>
-            <a:br>
-              <a:rPr lang="en-GB" dirty="0"/>
-            </a:br>
-            <a:r>
-              <a:rPr lang="en-GB" dirty="0"/>
-              <a:t>3.1 Define the key words we want to extract from description - done </a:t>
-            </a:r>
-            <a:br>
-              <a:rPr lang="en-GB" dirty="0"/>
-            </a:br>
-            <a:r>
-              <a:rPr lang="en-GB" dirty="0"/>
-              <a:t>3.2 Find </a:t>
-            </a:r>
-            <a:r>
-              <a:rPr lang="en-GB" dirty="0" err="1"/>
-              <a:t>Regexs</a:t>
-            </a:r>
-            <a:r>
-              <a:rPr lang="en-GB" dirty="0"/>
-              <a:t> for it </a:t>
-            </a:r>
-          </a:p>
-          <a:p>
-            <a:r>
-              <a:rPr lang="en-GB" dirty="0"/>
-              <a:t>What insights we want to gather (e.g. company vs locations) - done</a:t>
-            </a:r>
-            <a:br>
-              <a:rPr lang="en-GB" dirty="0"/>
-            </a:br>
-            <a:r>
-              <a:rPr lang="en-GB" dirty="0"/>
-              <a:t>4.1 How we want to present it (which plots to use) - done</a:t>
-            </a:r>
-          </a:p>
-          <a:p>
-            <a:r>
-              <a:rPr lang="en-GB" dirty="0"/>
-              <a:t>Regroup on Monday: present individual ideas + decide on game plan</a:t>
-            </a:r>
-          </a:p>
-          <a:p>
-            <a:pPr lvl="1"/>
-            <a:r>
-              <a:rPr lang="en-GB" dirty="0"/>
-              <a:t>Work on first challenge together</a:t>
-            </a:r>
-          </a:p>
-          <a:p>
-            <a:pPr lvl="1"/>
-            <a:r>
-              <a:rPr lang="en-GB" dirty="0"/>
-              <a:t>Split next tasks up to work on individual with set time limit</a:t>
-            </a:r>
-          </a:p>
-          <a:p>
-            <a:pPr lvl="1"/>
-            <a:r>
-              <a:rPr lang="en-GB" dirty="0"/>
-              <a:t>Get back together present individual work and combine</a:t>
-            </a:r>
-          </a:p>
-          <a:p>
-            <a:pPr lvl="1"/>
-            <a:r>
-              <a:rPr lang="en-GB" dirty="0"/>
-              <a:t>Discuss issues </a:t>
-            </a:r>
-            <a:r>
-              <a:rPr lang="en-GB" dirty="0" err="1"/>
-              <a:t>adhoc</a:t>
-            </a:r>
+            <a:pPr>
+              <a:lnSpc>
+                <a:spcPct val="200000"/>
+              </a:lnSpc>
+            </a:pPr>
+            <a:r>
+              <a:rPr lang="en-GB" sz="2400" b="1" dirty="0"/>
+              <a:t>What data </a:t>
+            </a:r>
+            <a:r>
+              <a:rPr lang="en-GB" sz="2400" dirty="0"/>
+              <a:t>to use </a:t>
+            </a:r>
+          </a:p>
+          <a:p>
+            <a:pPr>
+              <a:lnSpc>
+                <a:spcPct val="200000"/>
+              </a:lnSpc>
+            </a:pPr>
+            <a:r>
+              <a:rPr lang="en-GB" sz="2400" b="1" dirty="0"/>
+              <a:t>What cleaning and wrangling </a:t>
+            </a:r>
+            <a:r>
+              <a:rPr lang="en-GB" sz="2400" dirty="0"/>
+              <a:t>steps we want to do on each column</a:t>
+            </a:r>
+          </a:p>
+          <a:p>
+            <a:pPr>
+              <a:lnSpc>
+                <a:spcPct val="200000"/>
+              </a:lnSpc>
+            </a:pPr>
+            <a:r>
+              <a:rPr lang="en-GB" sz="2400" b="1" dirty="0"/>
+              <a:t>What insights </a:t>
+            </a:r>
+            <a:r>
+              <a:rPr lang="en-GB" sz="2400" dirty="0"/>
+              <a:t>we want to gather </a:t>
+            </a:r>
+          </a:p>
+          <a:p>
+            <a:pPr>
+              <a:lnSpc>
+                <a:spcPct val="200000"/>
+              </a:lnSpc>
+            </a:pPr>
+            <a:r>
+              <a:rPr lang="en-GB" sz="2400" b="1" dirty="0"/>
+              <a:t>Regroup on Monday: </a:t>
+            </a:r>
+            <a:r>
+              <a:rPr lang="en-GB" sz="2400" dirty="0"/>
+              <a:t>present individual ideas + decide on game plan</a:t>
+            </a:r>
+          </a:p>
+          <a:p>
+            <a:pPr marL="0" indent="0">
+              <a:buNone/>
+            </a:pPr>
+            <a:endParaRPr lang="en-DE" sz="1800" dirty="0"/>
+          </a:p>
+        </p:txBody>
+      </p:sp>
+      <p:sp>
+        <p:nvSpPr>
+          <p:cNvPr id="4" name="Date Placeholder 3">
+            <a:extLst>
+              <a:ext uri="{FF2B5EF4-FFF2-40B4-BE49-F238E27FC236}">
+                <a16:creationId xmlns:a16="http://schemas.microsoft.com/office/drawing/2014/main" id="{EF939DF3-F5C9-F141-8301-7EECF29A18AC}"/>
+              </a:ext>
+            </a:extLst>
+          </p:cNvPr>
+          <p:cNvSpPr>
+            <a:spLocks noGrp="1"/>
+          </p:cNvSpPr>
+          <p:nvPr>
+            <p:ph type="dt" sz="half" idx="10"/>
+          </p:nvPr>
+        </p:nvSpPr>
+        <p:spPr/>
+        <p:txBody>
+          <a:bodyPr/>
+          <a:lstStyle/>
+          <a:p>
+            <a:fld id="{F83951BF-2F12-C94A-AAB7-24AE599E4A93}" type="datetime1">
+              <a:rPr lang="de-DE" smtClean="0"/>
+              <a:t>30.03.21</a:t>
+            </a:fld>
+            <a:endParaRPr lang="en-DE"/>
+          </a:p>
+        </p:txBody>
+      </p:sp>
+      <p:sp>
+        <p:nvSpPr>
+          <p:cNvPr id="5" name="Footer Placeholder 4">
+            <a:extLst>
+              <a:ext uri="{FF2B5EF4-FFF2-40B4-BE49-F238E27FC236}">
+                <a16:creationId xmlns:a16="http://schemas.microsoft.com/office/drawing/2014/main" id="{C442502F-A6E8-ED40-8FAC-1DE4987C92D6}"/>
+              </a:ext>
+            </a:extLst>
+          </p:cNvPr>
+          <p:cNvSpPr>
+            <a:spLocks noGrp="1"/>
+          </p:cNvSpPr>
+          <p:nvPr>
+            <p:ph type="ftr" sz="quarter" idx="11"/>
+          </p:nvPr>
+        </p:nvSpPr>
+        <p:spPr/>
+        <p:txBody>
+          <a:bodyPr/>
+          <a:lstStyle/>
+          <a:p>
             <a:r>
               <a:rPr lang="en-GB"/>
-              <a:t> together</a:t>
-            </a:r>
-            <a:endParaRPr lang="en-GB" dirty="0"/>
-          </a:p>
-          <a:p>
-            <a:endParaRPr lang="en-GB" dirty="0"/>
-          </a:p>
-          <a:p>
-            <a:endParaRPr lang="en-DE" dirty="0"/>
+              <a:t>Team r2-d2</a:t>
+            </a:r>
+            <a:endParaRPr lang="en-DE"/>
+          </a:p>
+        </p:txBody>
+      </p:sp>
+      <p:sp>
+        <p:nvSpPr>
+          <p:cNvPr id="6" name="Slide Number Placeholder 5">
+            <a:extLst>
+              <a:ext uri="{FF2B5EF4-FFF2-40B4-BE49-F238E27FC236}">
+                <a16:creationId xmlns:a16="http://schemas.microsoft.com/office/drawing/2014/main" id="{090C2246-E3F3-F74C-8707-B3C5191ABF74}"/>
+              </a:ext>
+            </a:extLst>
+          </p:cNvPr>
+          <p:cNvSpPr>
+            <a:spLocks noGrp="1"/>
+          </p:cNvSpPr>
+          <p:nvPr>
+            <p:ph type="sldNum" sz="quarter" idx="12"/>
+          </p:nvPr>
+        </p:nvSpPr>
+        <p:spPr/>
+        <p:txBody>
+          <a:bodyPr/>
+          <a:lstStyle/>
+          <a:p>
+            <a:fld id="{3E09C7DF-480D-9E40-BFD2-100BCD1F8EF2}" type="slidenum">
+              <a:rPr lang="en-DE" smtClean="0"/>
+              <a:t>2</a:t>
+            </a:fld>
+            <a:endParaRPr lang="en-DE"/>
           </a:p>
         </p:txBody>
       </p:sp>
@@ -5619,6 +8081,176 @@
     <p:extLst>
       <p:ext uri="{BB962C8B-B14F-4D97-AF65-F5344CB8AC3E}">
         <p14:creationId xmlns:p14="http://schemas.microsoft.com/office/powerpoint/2010/main" val="4056997156"/>
+      </p:ext>
+    </p:extLst>
+  </p:cSld>
+  <p:clrMapOvr>
+    <a:masterClrMapping/>
+  </p:clrMapOvr>
+</p:sld>
+</file>
+
+<file path=ppt/slides/slide20.xml><?xml version="1.0" encoding="utf-8"?>
+<p:sld xmlns:a="http://schemas.openxmlformats.org/drawingml/2006/main" xmlns:r="http://schemas.openxmlformats.org/officeDocument/2006/relationships" xmlns:p="http://schemas.openxmlformats.org/presentationml/2006/main">
+  <p:cSld>
+    <p:spTree>
+      <p:nvGrpSpPr>
+        <p:cNvPr id="1" name=""/>
+        <p:cNvGrpSpPr/>
+        <p:nvPr/>
+      </p:nvGrpSpPr>
+      <p:grpSpPr>
+        <a:xfrm>
+          <a:off x="0" y="0"/>
+          <a:ext cx="0" cy="0"/>
+          <a:chOff x="0" y="0"/>
+          <a:chExt cx="0" cy="0"/>
+        </a:xfrm>
+      </p:grpSpPr>
+      <p:sp>
+        <p:nvSpPr>
+          <p:cNvPr id="2" name="Title 1">
+            <a:extLst>
+              <a:ext uri="{FF2B5EF4-FFF2-40B4-BE49-F238E27FC236}">
+                <a16:creationId xmlns:a16="http://schemas.microsoft.com/office/drawing/2014/main" id="{92E9D565-69F4-4046-A4A1-3CC9EA894A89}"/>
+              </a:ext>
+            </a:extLst>
+          </p:cNvPr>
+          <p:cNvSpPr>
+            <a:spLocks noGrp="1"/>
+          </p:cNvSpPr>
+          <p:nvPr>
+            <p:ph type="title"/>
+          </p:nvPr>
+        </p:nvSpPr>
+        <p:spPr/>
+        <p:txBody>
+          <a:bodyPr/>
+          <a:lstStyle/>
+          <a:p>
+            <a:r>
+              <a:rPr lang="en-DE" dirty="0"/>
+              <a:t>Feedback/ Questions?</a:t>
+            </a:r>
+          </a:p>
+        </p:txBody>
+      </p:sp>
+      <p:sp>
+        <p:nvSpPr>
+          <p:cNvPr id="3" name="Text Placeholder 2">
+            <a:extLst>
+              <a:ext uri="{FF2B5EF4-FFF2-40B4-BE49-F238E27FC236}">
+                <a16:creationId xmlns:a16="http://schemas.microsoft.com/office/drawing/2014/main" id="{5961C38D-3D9D-EA4A-9FDE-29B8E9AE635A}"/>
+              </a:ext>
+            </a:extLst>
+          </p:cNvPr>
+          <p:cNvSpPr>
+            <a:spLocks noGrp="1"/>
+          </p:cNvSpPr>
+          <p:nvPr>
+            <p:ph type="body" idx="1"/>
+          </p:nvPr>
+        </p:nvSpPr>
+        <p:spPr/>
+        <p:txBody>
+          <a:bodyPr/>
+          <a:lstStyle/>
+          <a:p>
+            <a:endParaRPr lang="en-DE"/>
+          </a:p>
+        </p:txBody>
+      </p:sp>
+      <p:sp>
+        <p:nvSpPr>
+          <p:cNvPr id="4" name="Date Placeholder 3">
+            <a:extLst>
+              <a:ext uri="{FF2B5EF4-FFF2-40B4-BE49-F238E27FC236}">
+                <a16:creationId xmlns:a16="http://schemas.microsoft.com/office/drawing/2014/main" id="{DFEE97E3-2770-9047-8AC3-83BBCE57A4D7}"/>
+              </a:ext>
+            </a:extLst>
+          </p:cNvPr>
+          <p:cNvSpPr>
+            <a:spLocks noGrp="1"/>
+          </p:cNvSpPr>
+          <p:nvPr>
+            <p:ph type="dt" sz="half" idx="10"/>
+          </p:nvPr>
+        </p:nvSpPr>
+        <p:spPr/>
+        <p:txBody>
+          <a:bodyPr/>
+          <a:lstStyle/>
+          <a:p>
+            <a:fld id="{F96EE734-2F7B-804C-AA2E-9AE35A918649}" type="datetime1">
+              <a:rPr lang="de-DE" smtClean="0"/>
+              <a:t>30.03.21</a:t>
+            </a:fld>
+            <a:endParaRPr lang="en-DE"/>
+          </a:p>
+        </p:txBody>
+      </p:sp>
+      <p:sp>
+        <p:nvSpPr>
+          <p:cNvPr id="5" name="Footer Placeholder 4">
+            <a:extLst>
+              <a:ext uri="{FF2B5EF4-FFF2-40B4-BE49-F238E27FC236}">
+                <a16:creationId xmlns:a16="http://schemas.microsoft.com/office/drawing/2014/main" id="{C53655E9-8E6B-1C4F-B637-0917E88A383A}"/>
+              </a:ext>
+            </a:extLst>
+          </p:cNvPr>
+          <p:cNvSpPr>
+            <a:spLocks noGrp="1"/>
+          </p:cNvSpPr>
+          <p:nvPr>
+            <p:ph type="ftr" sz="quarter" idx="11"/>
+          </p:nvPr>
+        </p:nvSpPr>
+        <p:spPr/>
+        <p:txBody>
+          <a:bodyPr/>
+          <a:lstStyle/>
+          <a:p>
+            <a:r>
+              <a:rPr lang="en-GB"/>
+              <a:t>Team r2-d2</a:t>
+            </a:r>
+            <a:endParaRPr lang="en-DE"/>
+          </a:p>
+        </p:txBody>
+      </p:sp>
+      <p:sp>
+        <p:nvSpPr>
+          <p:cNvPr id="6" name="Slide Number Placeholder 5">
+            <a:extLst>
+              <a:ext uri="{FF2B5EF4-FFF2-40B4-BE49-F238E27FC236}">
+                <a16:creationId xmlns:a16="http://schemas.microsoft.com/office/drawing/2014/main" id="{330ECF30-6388-FA44-8375-9F9C2D515F6E}"/>
+              </a:ext>
+            </a:extLst>
+          </p:cNvPr>
+          <p:cNvSpPr>
+            <a:spLocks noGrp="1"/>
+          </p:cNvSpPr>
+          <p:nvPr>
+            <p:ph type="sldNum" sz="quarter" idx="12"/>
+          </p:nvPr>
+        </p:nvSpPr>
+        <p:spPr/>
+        <p:txBody>
+          <a:bodyPr/>
+          <a:lstStyle/>
+          <a:p>
+            <a:fld id="{3E09C7DF-480D-9E40-BFD2-100BCD1F8EF2}" type="slidenum">
+              <a:rPr lang="en-DE" smtClean="0"/>
+              <a:t>20</a:t>
+            </a:fld>
+            <a:endParaRPr lang="en-DE"/>
+          </a:p>
+        </p:txBody>
+      </p:sp>
+    </p:spTree>
+    <p:extLst>
+      <p:ext uri="{BB962C8B-B14F-4D97-AF65-F5344CB8AC3E}">
+        <p14:creationId xmlns:p14="http://schemas.microsoft.com/office/powerpoint/2010/main" val="1658310073"/>
       </p:ext>
     </p:extLst>
   </p:cSld>
@@ -5667,8 +8299,8 @@
           <a:lstStyle/>
           <a:p>
             <a:r>
-              <a:rPr lang="en-DE" b="1" dirty="0"/>
-              <a:t>EDA to dos:</a:t>
+              <a:rPr lang="en-DE" dirty="0"/>
+              <a:t>EDA to dos</a:t>
             </a:r>
           </a:p>
         </p:txBody>
@@ -5692,136 +8324,223 @@
         <p:spPr/>
         <p:txBody>
           <a:bodyPr>
-            <a:normAutofit fontScale="70000" lnSpcReduction="20000"/>
+            <a:normAutofit fontScale="92500" lnSpcReduction="20000"/>
           </a:bodyPr>
           <a:lstStyle/>
           <a:p>
             <a:pPr marL="0" indent="0">
+              <a:lnSpc>
+                <a:spcPct val="120000"/>
+              </a:lnSpc>
               <a:buNone/>
             </a:pPr>
             <a:r>
+              <a:rPr lang="en-GB" dirty="0"/>
+              <a:t>1. </a:t>
+            </a:r>
+            <a:r>
               <a:rPr lang="en-GB" b="1" dirty="0"/>
-              <a:t>Steps</a:t>
-            </a:r>
-          </a:p>
-          <a:p>
+              <a:t>Cleaning Data</a:t>
+            </a:r>
+          </a:p>
+          <a:p>
+            <a:pPr lvl="1">
+              <a:lnSpc>
+                <a:spcPct val="120000"/>
+              </a:lnSpc>
+            </a:pPr>
             <a:r>
               <a:rPr lang="en-GB" dirty="0"/>
               <a:t>standardize column headers</a:t>
             </a:r>
           </a:p>
           <a:p>
+            <a:pPr lvl="1">
+              <a:lnSpc>
+                <a:spcPct val="120000"/>
+              </a:lnSpc>
+            </a:pPr>
             <a:r>
               <a:rPr lang="en-GB" dirty="0"/>
               <a:t>check null values (how many are there, etc)</a:t>
             </a:r>
           </a:p>
           <a:p>
-            <a:pPr lvl="1"/>
+            <a:pPr marL="0" indent="0">
+              <a:lnSpc>
+                <a:spcPct val="120000"/>
+              </a:lnSpc>
+              <a:buNone/>
+            </a:pPr>
             <a:r>
               <a:rPr lang="en-GB" dirty="0"/>
-              <a:t>can we replace them</a:t>
-            </a:r>
-          </a:p>
-          <a:p>
-            <a:pPr lvl="1"/>
+              <a:t>2. </a:t>
+            </a:r>
+            <a:r>
+              <a:rPr lang="en-GB" b="1" dirty="0"/>
+              <a:t>Wrangling Data</a:t>
+            </a:r>
+          </a:p>
+          <a:p>
+            <a:pPr lvl="1">
+              <a:lnSpc>
+                <a:spcPct val="120000"/>
+              </a:lnSpc>
+            </a:pPr>
             <a:r>
               <a:rPr lang="en-GB" dirty="0"/>
-              <a:t>can we drop them</a:t>
-            </a:r>
-          </a:p>
-          <a:p>
-            <a:r>
-              <a:rPr lang="en-GB" dirty="0"/>
-              <a:t>standardize column 'positions'</a:t>
-            </a:r>
-          </a:p>
-          <a:p>
-            <a:pPr lvl="1"/>
-            <a:r>
-              <a:rPr lang="en-GB" dirty="0"/>
-              <a:t>find unique values</a:t>
-            </a:r>
-          </a:p>
-          <a:p>
-            <a:pPr lvl="1"/>
-            <a:r>
-              <a:rPr lang="en-GB" dirty="0"/>
-              <a:t>harmonize them</a:t>
-            </a:r>
-          </a:p>
-          <a:p>
+              <a:t>standardize column 'positions’</a:t>
+            </a:r>
+          </a:p>
+          <a:p>
+            <a:pPr lvl="1">
+              <a:lnSpc>
+                <a:spcPct val="120000"/>
+              </a:lnSpc>
+            </a:pPr>
             <a:r>
               <a:rPr lang="en-GB" dirty="0"/>
               <a:t>standardize column 'company'</a:t>
             </a:r>
           </a:p>
           <a:p>
-            <a:pPr lvl="1"/>
+            <a:pPr lvl="1">
+              <a:lnSpc>
+                <a:spcPct val="120000"/>
+              </a:lnSpc>
+            </a:pPr>
             <a:r>
               <a:rPr lang="en-GB" dirty="0"/>
-              <a:t>check for same description just </a:t>
-            </a:r>
-            <a:r>
-              <a:rPr lang="en-GB" dirty="0" err="1"/>
-              <a:t>wirtten</a:t>
-            </a:r>
+              <a:t>standardize column 'location’</a:t>
+            </a:r>
+          </a:p>
+          <a:p>
+            <a:pPr lvl="1">
+              <a:lnSpc>
+                <a:spcPct val="120000"/>
+              </a:lnSpc>
+            </a:pPr>
             <a:r>
               <a:rPr lang="en-GB" dirty="0"/>
-              <a:t> differently/ typos</a:t>
-            </a:r>
-          </a:p>
-          <a:p>
-            <a:pPr lvl="1"/>
+              <a:t>extract words from column ‘description’</a:t>
+            </a:r>
+          </a:p>
+          <a:p>
+            <a:pPr lvl="2">
+              <a:lnSpc>
+                <a:spcPct val="120000"/>
+              </a:lnSpc>
+            </a:pPr>
             <a:r>
               <a:rPr lang="en-GB" dirty="0"/>
-              <a:t>correct them</a:t>
-            </a:r>
-          </a:p>
-          <a:p>
+              <a:t>Languages, seniority level, education</a:t>
+            </a:r>
+          </a:p>
+          <a:p>
+            <a:pPr marL="0" indent="0">
+              <a:lnSpc>
+                <a:spcPct val="120000"/>
+              </a:lnSpc>
+              <a:buNone/>
+            </a:pPr>
             <a:r>
               <a:rPr lang="en-GB" dirty="0"/>
-              <a:t>standardize column 'location'</a:t>
-            </a:r>
-          </a:p>
-          <a:p>
-            <a:pPr lvl="1"/>
-            <a:r>
-              <a:rPr lang="en-GB" dirty="0"/>
-              <a:t>split up into new columns (State, etc.)</a:t>
-            </a:r>
-          </a:p>
-          <a:p>
-            <a:r>
-              <a:rPr lang="en-GB" dirty="0"/>
-              <a:t>extract words from column '</a:t>
-            </a:r>
-            <a:r>
-              <a:rPr lang="en-GB" dirty="0" err="1"/>
-              <a:t>desrciption</a:t>
-            </a:r>
-            <a:r>
-              <a:rPr lang="en-GB" dirty="0"/>
-              <a:t>'</a:t>
-            </a:r>
-          </a:p>
-          <a:p>
-            <a:pPr lvl="1"/>
-            <a:r>
-              <a:rPr lang="en-GB" dirty="0"/>
-              <a:t>use </a:t>
-            </a:r>
-            <a:r>
-              <a:rPr lang="en-GB" dirty="0" err="1"/>
-              <a:t>boolean</a:t>
-            </a:r>
-            <a:r>
-              <a:rPr lang="en-GB" dirty="0"/>
-              <a:t> columns with True or False</a:t>
+              <a:t>3. </a:t>
+            </a:r>
+            <a:r>
+              <a:rPr lang="en-GB" b="1" dirty="0"/>
+              <a:t>Visualization of Insights</a:t>
             </a:r>
           </a:p>
           <a:p>
             <a:endParaRPr lang="en-DE" dirty="0"/>
+          </a:p>
+        </p:txBody>
+      </p:sp>
+      <p:sp>
+        <p:nvSpPr>
+          <p:cNvPr id="4" name="Date Placeholder 3">
+            <a:extLst>
+              <a:ext uri="{FF2B5EF4-FFF2-40B4-BE49-F238E27FC236}">
+                <a16:creationId xmlns:a16="http://schemas.microsoft.com/office/drawing/2014/main" id="{C2379B5F-55A9-FA43-BB7C-B7B6DD05918A}"/>
+              </a:ext>
+            </a:extLst>
+          </p:cNvPr>
+          <p:cNvSpPr>
+            <a:spLocks noGrp="1"/>
+          </p:cNvSpPr>
+          <p:nvPr>
+            <p:ph type="dt" sz="half" idx="10"/>
+          </p:nvPr>
+        </p:nvSpPr>
+        <p:spPr/>
+        <p:txBody>
+          <a:bodyPr/>
+          <a:lstStyle/>
+          <a:p>
+            <a:fld id="{EE1C74D9-5D42-9549-9488-609D36C9A203}" type="datetime1">
+              <a:rPr lang="de-DE" smtClean="0"/>
+              <a:t>30.03.21</a:t>
+            </a:fld>
+            <a:endParaRPr lang="en-DE"/>
+          </a:p>
+        </p:txBody>
+      </p:sp>
+      <p:sp>
+        <p:nvSpPr>
+          <p:cNvPr id="5" name="Footer Placeholder 4">
+            <a:extLst>
+              <a:ext uri="{FF2B5EF4-FFF2-40B4-BE49-F238E27FC236}">
+                <a16:creationId xmlns:a16="http://schemas.microsoft.com/office/drawing/2014/main" id="{7D553706-6D78-0545-81CB-44039621AC77}"/>
+              </a:ext>
+            </a:extLst>
+          </p:cNvPr>
+          <p:cNvSpPr>
+            <a:spLocks noGrp="1"/>
+          </p:cNvSpPr>
+          <p:nvPr>
+            <p:ph type="ftr" sz="quarter" idx="11"/>
+          </p:nvPr>
+        </p:nvSpPr>
+        <p:spPr/>
+        <p:txBody>
+          <a:bodyPr/>
+          <a:lstStyle/>
+          <a:p>
+            <a:r>
+              <a:rPr lang="en-GB"/>
+              <a:t>Team r2-d2</a:t>
+            </a:r>
+            <a:endParaRPr lang="en-DE"/>
+          </a:p>
+        </p:txBody>
+      </p:sp>
+      <p:sp>
+        <p:nvSpPr>
+          <p:cNvPr id="6" name="Slide Number Placeholder 5">
+            <a:extLst>
+              <a:ext uri="{FF2B5EF4-FFF2-40B4-BE49-F238E27FC236}">
+                <a16:creationId xmlns:a16="http://schemas.microsoft.com/office/drawing/2014/main" id="{32E0AF26-D517-8B4A-B853-AC4B87D9596D}"/>
+              </a:ext>
+            </a:extLst>
+          </p:cNvPr>
+          <p:cNvSpPr>
+            <a:spLocks noGrp="1"/>
+          </p:cNvSpPr>
+          <p:nvPr>
+            <p:ph type="sldNum" sz="quarter" idx="12"/>
+          </p:nvPr>
+        </p:nvSpPr>
+        <p:spPr/>
+        <p:txBody>
+          <a:bodyPr/>
+          <a:lstStyle/>
+          <a:p>
+            <a:fld id="{3E09C7DF-480D-9E40-BFD2-100BCD1F8EF2}" type="slidenum">
+              <a:rPr lang="en-DE" smtClean="0"/>
+              <a:t>3</a:t>
+            </a:fld>
+            <a:endParaRPr lang="en-DE"/>
           </a:p>
         </p:txBody>
       </p:sp>
@@ -5839,7 +8558,7 @@
 </file>
 
 <file path=ppt/slides/slide4.xml><?xml version="1.0" encoding="utf-8"?>
-<p:sld xmlns:a="http://schemas.openxmlformats.org/drawingml/2006/main" xmlns:r="http://schemas.openxmlformats.org/officeDocument/2006/relationships" xmlns:p="http://schemas.openxmlformats.org/presentationml/2006/main">
+<p:sld xmlns:a="http://schemas.openxmlformats.org/drawingml/2006/main" xmlns:r="http://schemas.openxmlformats.org/officeDocument/2006/relationships" xmlns:p="http://schemas.openxmlformats.org/presentationml/2006/main" show="0">
   <p:cSld>
     <p:spTree>
       <p:nvGrpSpPr>
@@ -5997,12 +8716,8 @@
           </a:p>
           <a:p>
             <a:r>
-              <a:rPr lang="en-GB" sz="1800" b="1" dirty="0" err="1"/>
-              <a:t>Seniotiry</a:t>
-            </a:r>
-            <a:r>
               <a:rPr lang="en-GB" sz="1800" b="1" dirty="0"/>
-              <a:t> Level:</a:t>
+              <a:t>Seniority Level:</a:t>
             </a:r>
             <a:endParaRPr lang="en-GB" sz="1800" dirty="0"/>
           </a:p>
@@ -6081,7 +8796,7 @@
             </a:r>
             <a:r>
               <a:rPr lang="en-GB" dirty="0" err="1"/>
-              <a:t>PoerBI</a:t>
+              <a:t>PowerBI</a:t>
             </a:r>
             <a:r>
               <a:rPr lang="en-GB" dirty="0"/>
@@ -6142,15 +8857,7 @@
             </a:pPr>
             <a:r>
               <a:rPr lang="en-GB" dirty="0"/>
-              <a:t>structured /un </a:t>
-            </a:r>
-            <a:r>
-              <a:rPr lang="en-GB" dirty="0" err="1"/>
-              <a:t>strcutured</a:t>
-            </a:r>
-            <a:r>
-              <a:rPr lang="en-GB" dirty="0"/>
-              <a:t> data</a:t>
+              <a:t>structured /un structured data</a:t>
             </a:r>
           </a:p>
           <a:p>
@@ -6182,13 +8889,8 @@
             </a:pPr>
             <a:r>
               <a:rPr lang="en-GB" dirty="0"/>
-              <a:t>model / </a:t>
-            </a:r>
-            <a:r>
-              <a:rPr lang="en-GB" dirty="0" err="1"/>
-              <a:t>modeling</a:t>
-            </a:r>
-            <a:endParaRPr lang="en-GB" dirty="0"/>
+              <a:t>model / modelling</a:t>
+            </a:r>
           </a:p>
           <a:p>
             <a:pPr marL="685800" lvl="1" indent="-228600">
@@ -6203,13 +8905,8 @@
             </a:pPr>
             <a:r>
               <a:rPr lang="en-GB" dirty="0"/>
-              <a:t>advanced </a:t>
-            </a:r>
-            <a:r>
-              <a:rPr lang="en-GB" dirty="0" err="1"/>
-              <a:t>analystics</a:t>
-            </a:r>
-            <a:endParaRPr lang="en-GB" dirty="0"/>
+              <a:t>advanced analytics</a:t>
+            </a:r>
           </a:p>
           <a:p>
             <a:pPr marL="685800" lvl="1" indent="-228600">
@@ -6240,13 +8937,8 @@
             </a:pPr>
             <a:r>
               <a:rPr lang="en-GB" dirty="0"/>
-              <a:t>Statistical </a:t>
-            </a:r>
-            <a:r>
-              <a:rPr lang="en-GB" dirty="0" err="1"/>
-              <a:t>Modeling</a:t>
-            </a:r>
-            <a:endParaRPr lang="en-GB" dirty="0"/>
+              <a:t>Statistical Modelling</a:t>
+            </a:r>
           </a:p>
           <a:p>
             <a:pPr marL="685800" lvl="1" indent="-228600">
@@ -6274,12 +8966,8 @@
               <a:buChar char="•"/>
             </a:pPr>
             <a:r>
-              <a:rPr lang="en-GB" b="1" dirty="0" err="1"/>
-              <a:t>Programms</a:t>
-            </a:r>
-            <a:r>
               <a:rPr lang="en-GB" b="1" dirty="0"/>
-              <a:t>:</a:t>
+              <a:t>Programs:</a:t>
             </a:r>
             <a:r>
               <a:rPr lang="en-GB" dirty="0"/>
@@ -6366,6 +9054,93 @@
                 <a:srgbClr val="FF0000"/>
               </a:solidFill>
             </a:endParaRPr>
+          </a:p>
+        </p:txBody>
+      </p:sp>
+      <p:sp>
+        <p:nvSpPr>
+          <p:cNvPr id="6" name="Date Placeholder 5">
+            <a:extLst>
+              <a:ext uri="{FF2B5EF4-FFF2-40B4-BE49-F238E27FC236}">
+                <a16:creationId xmlns:a16="http://schemas.microsoft.com/office/drawing/2014/main" id="{899CC3E0-78D9-8445-B7DC-E14FE94FCABD}"/>
+              </a:ext>
+            </a:extLst>
+          </p:cNvPr>
+          <p:cNvSpPr>
+            <a:spLocks noGrp="1"/>
+          </p:cNvSpPr>
+          <p:nvPr>
+            <p:ph type="dt" sz="half" idx="10"/>
+          </p:nvPr>
+        </p:nvSpPr>
+        <p:spPr/>
+        <p:txBody>
+          <a:bodyPr/>
+          <a:lstStyle/>
+          <a:p>
+            <a:fld id="{25619368-1EEA-FD4B-823E-902C458075BE}" type="datetime1">
+              <a:rPr lang="de-DE" smtClean="0"/>
+              <a:t>30.03.21</a:t>
+            </a:fld>
+            <a:endParaRPr lang="en-DE"/>
+          </a:p>
+        </p:txBody>
+      </p:sp>
+      <p:sp>
+        <p:nvSpPr>
+          <p:cNvPr id="7" name="Footer Placeholder 6">
+            <a:extLst>
+              <a:ext uri="{FF2B5EF4-FFF2-40B4-BE49-F238E27FC236}">
+                <a16:creationId xmlns:a16="http://schemas.microsoft.com/office/drawing/2014/main" id="{6E50A1C0-95E3-094C-BFE8-025642FAD008}"/>
+              </a:ext>
+            </a:extLst>
+          </p:cNvPr>
+          <p:cNvSpPr>
+            <a:spLocks noGrp="1"/>
+          </p:cNvSpPr>
+          <p:nvPr>
+            <p:ph type="ftr" sz="quarter" idx="11"/>
+          </p:nvPr>
+        </p:nvSpPr>
+        <p:spPr/>
+        <p:txBody>
+          <a:bodyPr/>
+          <a:lstStyle/>
+          <a:p>
+            <a:r>
+              <a:rPr lang="en-GB"/>
+              <a:t>Team r2-d2</a:t>
+            </a:r>
+            <a:endParaRPr lang="en-DE"/>
+          </a:p>
+        </p:txBody>
+      </p:sp>
+      <p:sp>
+        <p:nvSpPr>
+          <p:cNvPr id="8" name="Slide Number Placeholder 7">
+            <a:extLst>
+              <a:ext uri="{FF2B5EF4-FFF2-40B4-BE49-F238E27FC236}">
+                <a16:creationId xmlns:a16="http://schemas.microsoft.com/office/drawing/2014/main" id="{99350CD1-375A-D64E-865A-848BB5007E2E}"/>
+              </a:ext>
+            </a:extLst>
+          </p:cNvPr>
+          <p:cNvSpPr>
+            <a:spLocks noGrp="1"/>
+          </p:cNvSpPr>
+          <p:nvPr>
+            <p:ph type="sldNum" sz="quarter" idx="12"/>
+          </p:nvPr>
+        </p:nvSpPr>
+        <p:spPr/>
+        <p:txBody>
+          <a:bodyPr/>
+          <a:lstStyle/>
+          <a:p>
+            <a:fld id="{3E09C7DF-480D-9E40-BFD2-100BCD1F8EF2}" type="slidenum">
+              <a:rPr lang="en-DE" smtClean="0"/>
+              <a:t>4</a:t>
+            </a:fld>
+            <a:endParaRPr lang="en-DE"/>
           </a:p>
         </p:txBody>
       </p:sp>
@@ -6383,7 +9158,7 @@
 </file>
 
 <file path=ppt/slides/slide5.xml><?xml version="1.0" encoding="utf-8"?>
-<p:sld xmlns:a="http://schemas.openxmlformats.org/drawingml/2006/main" xmlns:r="http://schemas.openxmlformats.org/officeDocument/2006/relationships" xmlns:p="http://schemas.openxmlformats.org/presentationml/2006/main">
+<p:sld xmlns:a="http://schemas.openxmlformats.org/drawingml/2006/main" xmlns:r="http://schemas.openxmlformats.org/officeDocument/2006/relationships" xmlns:p="http://schemas.openxmlformats.org/presentationml/2006/main" show="0">
   <p:cSld>
     <p:spTree>
       <p:nvGrpSpPr>
@@ -6557,6 +9332,93 @@
           </a:p>
         </p:txBody>
       </p:sp>
+      <p:sp>
+        <p:nvSpPr>
+          <p:cNvPr id="4" name="Date Placeholder 3">
+            <a:extLst>
+              <a:ext uri="{FF2B5EF4-FFF2-40B4-BE49-F238E27FC236}">
+                <a16:creationId xmlns:a16="http://schemas.microsoft.com/office/drawing/2014/main" id="{51F741CD-FC75-B743-AF03-BDBCB77FA747}"/>
+              </a:ext>
+            </a:extLst>
+          </p:cNvPr>
+          <p:cNvSpPr>
+            <a:spLocks noGrp="1"/>
+          </p:cNvSpPr>
+          <p:nvPr>
+            <p:ph type="dt" sz="half" idx="10"/>
+          </p:nvPr>
+        </p:nvSpPr>
+        <p:spPr/>
+        <p:txBody>
+          <a:bodyPr/>
+          <a:lstStyle/>
+          <a:p>
+            <a:fld id="{CCD0D45A-B333-DE4D-A56D-811E715D8BBB}" type="datetime1">
+              <a:rPr lang="de-DE" smtClean="0"/>
+              <a:t>30.03.21</a:t>
+            </a:fld>
+            <a:endParaRPr lang="en-DE"/>
+          </a:p>
+        </p:txBody>
+      </p:sp>
+      <p:sp>
+        <p:nvSpPr>
+          <p:cNvPr id="5" name="Footer Placeholder 4">
+            <a:extLst>
+              <a:ext uri="{FF2B5EF4-FFF2-40B4-BE49-F238E27FC236}">
+                <a16:creationId xmlns:a16="http://schemas.microsoft.com/office/drawing/2014/main" id="{2A9C4812-239A-704B-82BA-A5C0633A49DD}"/>
+              </a:ext>
+            </a:extLst>
+          </p:cNvPr>
+          <p:cNvSpPr>
+            <a:spLocks noGrp="1"/>
+          </p:cNvSpPr>
+          <p:nvPr>
+            <p:ph type="ftr" sz="quarter" idx="11"/>
+          </p:nvPr>
+        </p:nvSpPr>
+        <p:spPr/>
+        <p:txBody>
+          <a:bodyPr/>
+          <a:lstStyle/>
+          <a:p>
+            <a:r>
+              <a:rPr lang="en-GB"/>
+              <a:t>Team r2-d2</a:t>
+            </a:r>
+            <a:endParaRPr lang="en-DE"/>
+          </a:p>
+        </p:txBody>
+      </p:sp>
+      <p:sp>
+        <p:nvSpPr>
+          <p:cNvPr id="6" name="Slide Number Placeholder 5">
+            <a:extLst>
+              <a:ext uri="{FF2B5EF4-FFF2-40B4-BE49-F238E27FC236}">
+                <a16:creationId xmlns:a16="http://schemas.microsoft.com/office/drawing/2014/main" id="{1493E770-71D9-E147-BC2E-9B7DF7B98F70}"/>
+              </a:ext>
+            </a:extLst>
+          </p:cNvPr>
+          <p:cNvSpPr>
+            <a:spLocks noGrp="1"/>
+          </p:cNvSpPr>
+          <p:nvPr>
+            <p:ph type="sldNum" sz="quarter" idx="12"/>
+          </p:nvPr>
+        </p:nvSpPr>
+        <p:spPr/>
+        <p:txBody>
+          <a:bodyPr/>
+          <a:lstStyle/>
+          <a:p>
+            <a:fld id="{3E09C7DF-480D-9E40-BFD2-100BCD1F8EF2}" type="slidenum">
+              <a:rPr lang="en-DE" smtClean="0"/>
+              <a:t>5</a:t>
+            </a:fld>
+            <a:endParaRPr lang="en-DE"/>
+          </a:p>
+        </p:txBody>
+      </p:sp>
     </p:spTree>
     <p:extLst>
       <p:ext uri="{BB962C8B-B14F-4D97-AF65-F5344CB8AC3E}">
@@ -6571,7 +9433,7 @@
 </file>
 
 <file path=ppt/slides/slide6.xml><?xml version="1.0" encoding="utf-8"?>
-<p:sld xmlns:a="http://schemas.openxmlformats.org/drawingml/2006/main" xmlns:r="http://schemas.openxmlformats.org/officeDocument/2006/relationships" xmlns:p="http://schemas.openxmlformats.org/presentationml/2006/main">
+<p:sld xmlns:a="http://schemas.openxmlformats.org/drawingml/2006/main" xmlns:r="http://schemas.openxmlformats.org/officeDocument/2006/relationships" xmlns:p="http://schemas.openxmlformats.org/presentationml/2006/main" show="0">
   <p:cSld>
     <p:spTree>
       <p:nvGrpSpPr>
@@ -6708,6 +9570,93 @@
               <a:buNone/>
             </a:pPr>
             <a:endParaRPr lang="en-DE" dirty="0"/>
+          </a:p>
+        </p:txBody>
+      </p:sp>
+      <p:sp>
+        <p:nvSpPr>
+          <p:cNvPr id="4" name="Date Placeholder 3">
+            <a:extLst>
+              <a:ext uri="{FF2B5EF4-FFF2-40B4-BE49-F238E27FC236}">
+                <a16:creationId xmlns:a16="http://schemas.microsoft.com/office/drawing/2014/main" id="{C8EE268F-4AB4-374A-86DB-B03F2B03AD12}"/>
+              </a:ext>
+            </a:extLst>
+          </p:cNvPr>
+          <p:cNvSpPr>
+            <a:spLocks noGrp="1"/>
+          </p:cNvSpPr>
+          <p:nvPr>
+            <p:ph type="dt" sz="half" idx="10"/>
+          </p:nvPr>
+        </p:nvSpPr>
+        <p:spPr/>
+        <p:txBody>
+          <a:bodyPr/>
+          <a:lstStyle/>
+          <a:p>
+            <a:fld id="{C007225C-46D7-4F48-ACE6-85E11F519FEB}" type="datetime1">
+              <a:rPr lang="de-DE" smtClean="0"/>
+              <a:t>30.03.21</a:t>
+            </a:fld>
+            <a:endParaRPr lang="en-DE"/>
+          </a:p>
+        </p:txBody>
+      </p:sp>
+      <p:sp>
+        <p:nvSpPr>
+          <p:cNvPr id="5" name="Footer Placeholder 4">
+            <a:extLst>
+              <a:ext uri="{FF2B5EF4-FFF2-40B4-BE49-F238E27FC236}">
+                <a16:creationId xmlns:a16="http://schemas.microsoft.com/office/drawing/2014/main" id="{EDFAC84A-3C0B-D14C-A726-C4247BF7CE9F}"/>
+              </a:ext>
+            </a:extLst>
+          </p:cNvPr>
+          <p:cNvSpPr>
+            <a:spLocks noGrp="1"/>
+          </p:cNvSpPr>
+          <p:nvPr>
+            <p:ph type="ftr" sz="quarter" idx="11"/>
+          </p:nvPr>
+        </p:nvSpPr>
+        <p:spPr/>
+        <p:txBody>
+          <a:bodyPr/>
+          <a:lstStyle/>
+          <a:p>
+            <a:r>
+              <a:rPr lang="en-GB"/>
+              <a:t>Team r2-d2</a:t>
+            </a:r>
+            <a:endParaRPr lang="en-DE"/>
+          </a:p>
+        </p:txBody>
+      </p:sp>
+      <p:sp>
+        <p:nvSpPr>
+          <p:cNvPr id="6" name="Slide Number Placeholder 5">
+            <a:extLst>
+              <a:ext uri="{FF2B5EF4-FFF2-40B4-BE49-F238E27FC236}">
+                <a16:creationId xmlns:a16="http://schemas.microsoft.com/office/drawing/2014/main" id="{13920125-F471-C745-B873-B5F7C86B83F8}"/>
+              </a:ext>
+            </a:extLst>
+          </p:cNvPr>
+          <p:cNvSpPr>
+            <a:spLocks noGrp="1"/>
+          </p:cNvSpPr>
+          <p:nvPr>
+            <p:ph type="sldNum" sz="quarter" idx="12"/>
+          </p:nvPr>
+        </p:nvSpPr>
+        <p:spPr/>
+        <p:txBody>
+          <a:bodyPr/>
+          <a:lstStyle/>
+          <a:p>
+            <a:fld id="{3E09C7DF-480D-9E40-BFD2-100BCD1F8EF2}" type="slidenum">
+              <a:rPr lang="en-DE" smtClean="0"/>
+              <a:t>6</a:t>
+            </a:fld>
+            <a:endParaRPr lang="en-DE"/>
           </a:p>
         </p:txBody>
       </p:sp>
@@ -6746,7 +9695,7 @@
           <p:cNvPr id="2" name="Title 1">
             <a:extLst>
               <a:ext uri="{FF2B5EF4-FFF2-40B4-BE49-F238E27FC236}">
-                <a16:creationId xmlns:a16="http://schemas.microsoft.com/office/drawing/2014/main" id="{2847ED7E-2B8D-6445-929D-9ECD1DC5CCC1}"/>
+                <a16:creationId xmlns:a16="http://schemas.microsoft.com/office/drawing/2014/main" id="{767E48EC-31E5-3044-B893-A1B80A01714C}"/>
               </a:ext>
             </a:extLst>
           </p:cNvPr>
@@ -6763,181 +9712,205 @@
           <a:lstStyle/>
           <a:p>
             <a:r>
-              <a:rPr lang="en-GB" dirty="0"/>
-              <a:t>Insights 'positions'</a:t>
-            </a:r>
-          </a:p>
-        </p:txBody>
-      </p:sp>
-      <p:sp>
-        <p:nvSpPr>
-          <p:cNvPr id="3" name="Content Placeholder 2">
-            <a:extLst>
-              <a:ext uri="{FF2B5EF4-FFF2-40B4-BE49-F238E27FC236}">
-                <a16:creationId xmlns:a16="http://schemas.microsoft.com/office/drawing/2014/main" id="{655C10C6-16C3-9F4D-97C1-AD4FD3878DA4}"/>
-              </a:ext>
-            </a:extLst>
-          </p:cNvPr>
-          <p:cNvSpPr>
-            <a:spLocks noGrp="1"/>
-          </p:cNvSpPr>
-          <p:nvPr>
-            <p:ph idx="1"/>
-          </p:nvPr>
-        </p:nvSpPr>
-        <p:spPr/>
-        <p:txBody>
-          <a:bodyPr>
-            <a:normAutofit fontScale="92500" lnSpcReduction="20000"/>
-          </a:bodyPr>
-          <a:lstStyle/>
-          <a:p>
-            <a:pPr marL="0" indent="0">
-              <a:buNone/>
-            </a:pPr>
-            <a:r>
-              <a:rPr lang="en-GB" dirty="0"/>
-              <a:t>W</a:t>
-            </a:r>
-            <a:r>
               <a:rPr lang="en-DE" dirty="0"/>
-              <a:t>e can see that the most frequent</a:t>
-            </a:r>
-          </a:p>
-          <a:p>
-            <a:pPr marL="0" indent="0">
-              <a:buNone/>
-            </a:pPr>
-            <a:r>
-              <a:rPr lang="en-GB" dirty="0"/>
-              <a:t>J</a:t>
-            </a:r>
-            <a:r>
-              <a:rPr lang="en-DE" dirty="0"/>
-              <a:t>ob position is “data scientist”.</a:t>
-            </a:r>
-          </a:p>
-          <a:p>
-            <a:pPr marL="0" indent="0">
-              <a:buNone/>
-            </a:pPr>
-            <a:r>
-              <a:rPr lang="en-DE" dirty="0"/>
-              <a:t>Followed by “engineer”, which we </a:t>
-            </a:r>
-          </a:p>
-          <a:p>
-            <a:pPr marL="0" indent="0">
-              <a:buNone/>
-            </a:pPr>
-            <a:r>
-              <a:rPr lang="en-GB" dirty="0"/>
-              <a:t>W</a:t>
-            </a:r>
-            <a:r>
-              <a:rPr lang="en-DE" dirty="0"/>
-              <a:t>ill disregard as its too unspecific.</a:t>
-            </a:r>
-          </a:p>
-          <a:p>
-            <a:pPr marL="0" indent="0">
-              <a:buNone/>
-            </a:pPr>
-            <a:r>
-              <a:rPr lang="en-DE" dirty="0"/>
-              <a:t>Top 2 and 3 are approx 4x less repre-</a:t>
-            </a:r>
-          </a:p>
-          <a:p>
-            <a:pPr marL="0" indent="0">
-              <a:buNone/>
-            </a:pPr>
-            <a:r>
-              <a:rPr lang="en-GB" dirty="0"/>
-              <a:t>S</a:t>
-            </a:r>
-            <a:r>
-              <a:rPr lang="en-DE" dirty="0"/>
-              <a:t>ented than the top 1 position.</a:t>
-            </a:r>
-          </a:p>
-          <a:p>
-            <a:pPr marL="0" indent="0">
-              <a:buNone/>
-            </a:pPr>
-            <a:endParaRPr lang="en-DE" dirty="0"/>
-          </a:p>
-          <a:p>
-            <a:pPr marL="514350" indent="-514350">
-              <a:buAutoNum type="arabicPeriod"/>
-            </a:pPr>
-            <a:r>
-              <a:rPr lang="en-DE" dirty="0"/>
-              <a:t>Data Scientist</a:t>
-            </a:r>
-          </a:p>
-          <a:p>
-            <a:pPr marL="514350" indent="-514350">
-              <a:buAutoNum type="arabicPeriod"/>
-            </a:pPr>
-            <a:r>
-              <a:rPr lang="en-DE" dirty="0"/>
-              <a:t>Rese</a:t>
-            </a:r>
-            <a:r>
-              <a:rPr lang="en-GB" dirty="0" err="1"/>
-              <a:t>ar</a:t>
-            </a:r>
-            <a:r>
-              <a:rPr lang="en-DE" dirty="0"/>
-              <a:t>ch Analyst</a:t>
-            </a:r>
-          </a:p>
-          <a:p>
-            <a:pPr marL="514350" indent="-514350">
-              <a:buAutoNum type="arabicPeriod"/>
-            </a:pPr>
-            <a:r>
-              <a:rPr lang="en-DE" dirty="0"/>
-              <a:t>Research Scientist</a:t>
+              <a:t>Final table we used for visualization</a:t>
             </a:r>
           </a:p>
         </p:txBody>
       </p:sp>
       <p:pic>
         <p:nvPicPr>
-          <p:cNvPr id="4" name="Picture 3">
-            <a:extLst>
-              <a:ext uri="{FF2B5EF4-FFF2-40B4-BE49-F238E27FC236}">
-                <a16:creationId xmlns:a16="http://schemas.microsoft.com/office/drawing/2014/main" id="{9D566B50-D275-504C-BB86-1B9CB2202CFD}"/>
+          <p:cNvPr id="5" name="Content Placeholder 4">
+            <a:extLst>
+              <a:ext uri="{FF2B5EF4-FFF2-40B4-BE49-F238E27FC236}">
+                <a16:creationId xmlns:a16="http://schemas.microsoft.com/office/drawing/2014/main" id="{CCEDE357-71FE-4B44-AA7E-3992AC663D4A}"/>
               </a:ext>
             </a:extLst>
           </p:cNvPr>
           <p:cNvPicPr>
-            <a:picLocks noChangeAspect="1"/>
+            <a:picLocks noGrp="1" noChangeAspect="1"/>
           </p:cNvPicPr>
-          <p:nvPr/>
+          <p:nvPr>
+            <p:ph idx="1"/>
+          </p:nvPr>
         </p:nvPicPr>
         <p:blipFill>
-          <a:blip r:embed="rId3"/>
+          <a:blip r:embed="rId2"/>
           <a:stretch>
             <a:fillRect/>
           </a:stretch>
         </p:blipFill>
         <p:spPr>
           <a:xfrm>
-            <a:off x="6283036" y="1652012"/>
-            <a:ext cx="5651500" cy="4940300"/>
+            <a:off x="662354" y="2027434"/>
+            <a:ext cx="11123732" cy="2990043"/>
+          </a:xfrm>
+        </p:spPr>
+      </p:pic>
+      <p:sp>
+        <p:nvSpPr>
+          <p:cNvPr id="7" name="TextBox 6">
+            <a:extLst>
+              <a:ext uri="{FF2B5EF4-FFF2-40B4-BE49-F238E27FC236}">
+                <a16:creationId xmlns:a16="http://schemas.microsoft.com/office/drawing/2014/main" id="{E38B669D-6846-1A41-9F53-ACA5C9856672}"/>
+              </a:ext>
+            </a:extLst>
+          </p:cNvPr>
+          <p:cNvSpPr txBox="1"/>
+          <p:nvPr/>
+        </p:nvSpPr>
+        <p:spPr>
+          <a:xfrm>
+            <a:off x="687320" y="5169557"/>
+            <a:ext cx="5652317" cy="369332"/>
+          </a:xfrm>
+          <a:prstGeom prst="rect">
+            <a:avLst/>
+          </a:prstGeom>
+          <a:noFill/>
+        </p:spPr>
+        <p:txBody>
+          <a:bodyPr wrap="none" rtlCol="0">
+            <a:spAutoFit/>
+          </a:bodyPr>
+          <a:lstStyle/>
+          <a:p>
+            <a:r>
+              <a:rPr lang="en-GB" dirty="0"/>
+              <a:t>W</a:t>
+            </a:r>
+            <a:r>
+              <a:rPr lang="en-DE" dirty="0"/>
+              <a:t>e dropped the entries which did not in the following list:</a:t>
+            </a:r>
+          </a:p>
+        </p:txBody>
+      </p:sp>
+      <p:sp>
+        <p:nvSpPr>
+          <p:cNvPr id="9" name="Rectangle 8">
+            <a:extLst>
+              <a:ext uri="{FF2B5EF4-FFF2-40B4-BE49-F238E27FC236}">
+                <a16:creationId xmlns:a16="http://schemas.microsoft.com/office/drawing/2014/main" id="{25120AC1-A3B3-0549-817B-D850FBA81D4E}"/>
+              </a:ext>
+            </a:extLst>
+          </p:cNvPr>
+          <p:cNvSpPr/>
+          <p:nvPr/>
+        </p:nvSpPr>
+        <p:spPr>
+          <a:xfrm>
+            <a:off x="838200" y="5569545"/>
+            <a:ext cx="10515600" cy="584775"/>
           </a:xfrm>
           <a:prstGeom prst="rect">
             <a:avLst/>
           </a:prstGeom>
         </p:spPr>
-      </p:pic>
+        <p:txBody>
+          <a:bodyPr wrap="square">
+            <a:spAutoFit/>
+          </a:bodyPr>
+          <a:lstStyle/>
+          <a:p>
+            <a:r>
+              <a:rPr lang="en-DE" sz="1600" dirty="0"/>
+              <a:t>positions = ['research scientist', 'data scientist', 'data analyst’, 'data engineer’, 'business analyst’, 'research analyst’, 'web analyst’, 'finance analyst’, 'research associate’, 'associate scientist', 'data analyst', 'engineer']</a:t>
+            </a:r>
+          </a:p>
+        </p:txBody>
+      </p:sp>
+      <p:sp>
+        <p:nvSpPr>
+          <p:cNvPr id="10" name="Date Placeholder 9">
+            <a:extLst>
+              <a:ext uri="{FF2B5EF4-FFF2-40B4-BE49-F238E27FC236}">
+                <a16:creationId xmlns:a16="http://schemas.microsoft.com/office/drawing/2014/main" id="{54D02876-30AE-1749-8BB9-83AFB3F2CCF7}"/>
+              </a:ext>
+            </a:extLst>
+          </p:cNvPr>
+          <p:cNvSpPr>
+            <a:spLocks noGrp="1"/>
+          </p:cNvSpPr>
+          <p:nvPr>
+            <p:ph type="dt" sz="half" idx="10"/>
+          </p:nvPr>
+        </p:nvSpPr>
+        <p:spPr/>
+        <p:txBody>
+          <a:bodyPr/>
+          <a:lstStyle/>
+          <a:p>
+            <a:fld id="{BCF0984B-F3FD-964B-95FB-87584F5A79D2}" type="datetime1">
+              <a:rPr lang="de-DE" smtClean="0"/>
+              <a:t>30.03.21</a:t>
+            </a:fld>
+            <a:endParaRPr lang="en-DE"/>
+          </a:p>
+        </p:txBody>
+      </p:sp>
+      <p:sp>
+        <p:nvSpPr>
+          <p:cNvPr id="11" name="Footer Placeholder 10">
+            <a:extLst>
+              <a:ext uri="{FF2B5EF4-FFF2-40B4-BE49-F238E27FC236}">
+                <a16:creationId xmlns:a16="http://schemas.microsoft.com/office/drawing/2014/main" id="{06224DD3-0CC4-684E-8FB1-17015A2B413D}"/>
+              </a:ext>
+            </a:extLst>
+          </p:cNvPr>
+          <p:cNvSpPr>
+            <a:spLocks noGrp="1"/>
+          </p:cNvSpPr>
+          <p:nvPr>
+            <p:ph type="ftr" sz="quarter" idx="11"/>
+          </p:nvPr>
+        </p:nvSpPr>
+        <p:spPr/>
+        <p:txBody>
+          <a:bodyPr/>
+          <a:lstStyle/>
+          <a:p>
+            <a:r>
+              <a:rPr lang="en-GB"/>
+              <a:t>Team r2-d2</a:t>
+            </a:r>
+            <a:endParaRPr lang="en-DE"/>
+          </a:p>
+        </p:txBody>
+      </p:sp>
+      <p:sp>
+        <p:nvSpPr>
+          <p:cNvPr id="12" name="Slide Number Placeholder 11">
+            <a:extLst>
+              <a:ext uri="{FF2B5EF4-FFF2-40B4-BE49-F238E27FC236}">
+                <a16:creationId xmlns:a16="http://schemas.microsoft.com/office/drawing/2014/main" id="{E0A552F6-2923-C74D-B66E-90329B5B0E6D}"/>
+              </a:ext>
+            </a:extLst>
+          </p:cNvPr>
+          <p:cNvSpPr>
+            <a:spLocks noGrp="1"/>
+          </p:cNvSpPr>
+          <p:nvPr>
+            <p:ph type="sldNum" sz="quarter" idx="12"/>
+          </p:nvPr>
+        </p:nvSpPr>
+        <p:spPr/>
+        <p:txBody>
+          <a:bodyPr/>
+          <a:lstStyle/>
+          <a:p>
+            <a:fld id="{3E09C7DF-480D-9E40-BFD2-100BCD1F8EF2}" type="slidenum">
+              <a:rPr lang="en-DE" smtClean="0"/>
+              <a:t>7</a:t>
+            </a:fld>
+            <a:endParaRPr lang="en-DE"/>
+          </a:p>
+        </p:txBody>
+      </p:sp>
     </p:spTree>
     <p:extLst>
       <p:ext uri="{BB962C8B-B14F-4D97-AF65-F5344CB8AC3E}">
-        <p14:creationId xmlns:p14="http://schemas.microsoft.com/office/powerpoint/2010/main" val="2084489172"/>
+        <p14:creationId xmlns:p14="http://schemas.microsoft.com/office/powerpoint/2010/main" val="3219370132"/>
       </p:ext>
     </p:extLst>
   </p:cSld>
@@ -6987,7 +9960,7 @@
           <a:p>
             <a:r>
               <a:rPr lang="en-GB" dirty="0"/>
-              <a:t>Insights 'location'</a:t>
+              <a:t>Insights 'positions'</a:t>
             </a:r>
           </a:p>
         </p:txBody>
@@ -7015,29 +9988,20 @@
           </a:bodyPr>
           <a:lstStyle/>
           <a:p>
-            <a:r>
-              <a:rPr lang="en-GB" dirty="0"/>
-              <a:t>standardize column 'location'</a:t>
-            </a:r>
-          </a:p>
-          <a:p>
-            <a:pPr lvl="1"/>
-            <a:r>
-              <a:rPr lang="en-GB" dirty="0"/>
-              <a:t>split up into new columns ‘state’</a:t>
-            </a:r>
-          </a:p>
-          <a:p>
-            <a:pPr lvl="1"/>
-            <a:endParaRPr lang="en-GB" dirty="0"/>
-          </a:p>
-          <a:p>
             <a:pPr marL="0" indent="0">
               <a:buNone/>
             </a:pPr>
             <a:r>
               <a:rPr lang="en-GB" dirty="0"/>
-              <a:t>We can see that the most job positions</a:t>
+              <a:t>W</a:t>
+            </a:r>
+            <a:r>
+              <a:rPr lang="en-DE" dirty="0"/>
+              <a:t>e can see that the </a:t>
+            </a:r>
+            <a:r>
+              <a:rPr lang="en-DE" b="1" dirty="0"/>
+              <a:t>most frequent</a:t>
             </a:r>
           </a:p>
           <a:p>
@@ -7046,7 +10010,19 @@
             </a:pPr>
             <a:r>
               <a:rPr lang="en-GB" dirty="0"/>
-              <a:t>are being posted in CA with nearly</a:t>
+              <a:t>j</a:t>
+            </a:r>
+            <a:r>
+              <a:rPr lang="en-DE" dirty="0"/>
+              <a:t>ob position is </a:t>
+            </a:r>
+            <a:r>
+              <a:rPr lang="en-DE" b="1" dirty="0"/>
+              <a:t>data scientist</a:t>
+            </a:r>
+            <a:r>
+              <a:rPr lang="en-DE" dirty="0"/>
+              <a:t>.</a:t>
             </a:r>
           </a:p>
           <a:p>
@@ -7054,8 +10030,8 @@
               <a:buNone/>
             </a:pPr>
             <a:r>
-              <a:rPr lang="en-GB" dirty="0"/>
-              <a:t>double the amount as the following</a:t>
+              <a:rPr lang="en-DE" dirty="0"/>
+              <a:t>Followed by engineer, which we </a:t>
             </a:r>
           </a:p>
           <a:p>
@@ -7064,40 +10040,33 @@
             </a:pPr>
             <a:r>
               <a:rPr lang="en-GB" dirty="0"/>
-              <a:t>Top 2 and 3.</a:t>
+              <a:t>w</a:t>
+            </a:r>
+            <a:r>
+              <a:rPr lang="en-DE" dirty="0"/>
+              <a:t>ill disregard as its too unspecific.</a:t>
             </a:r>
           </a:p>
           <a:p>
             <a:pPr marL="0" indent="0">
               <a:buNone/>
             </a:pPr>
-            <a:endParaRPr lang="en-GB" dirty="0"/>
-          </a:p>
-          <a:p>
-            <a:pPr marL="514350" indent="-514350">
-              <a:buAutoNum type="arabicPeriod"/>
+            <a:r>
+              <a:rPr lang="en-DE" dirty="0"/>
+              <a:t>Top 2 and 3 are approx 4x less repre-</a:t>
+            </a:r>
+          </a:p>
+          <a:p>
+            <a:pPr marL="0" indent="0">
+              <a:buNone/>
             </a:pPr>
             <a:r>
               <a:rPr lang="en-GB" dirty="0"/>
-              <a:t>CA</a:t>
-            </a:r>
-          </a:p>
-          <a:p>
-            <a:pPr marL="514350" indent="-514350">
-              <a:buAutoNum type="arabicPeriod"/>
-            </a:pPr>
-            <a:r>
-              <a:rPr lang="en-GB" dirty="0"/>
-              <a:t>NY</a:t>
-            </a:r>
-          </a:p>
-          <a:p>
-            <a:pPr marL="514350" indent="-514350">
-              <a:buAutoNum type="arabicPeriod"/>
-            </a:pPr>
-            <a:r>
-              <a:rPr lang="en-GB" dirty="0"/>
-              <a:t>MA</a:t>
+              <a:t>s</a:t>
+            </a:r>
+            <a:r>
+              <a:rPr lang="en-DE" dirty="0"/>
+              <a:t>ented than the top 1 position.</a:t>
             </a:r>
           </a:p>
           <a:p>
@@ -7106,6 +10075,41 @@
             </a:pPr>
             <a:endParaRPr lang="en-DE" dirty="0"/>
           </a:p>
+          <a:p>
+            <a:pPr marL="514350" indent="-514350">
+              <a:buAutoNum type="arabicPeriod"/>
+            </a:pPr>
+            <a:r>
+              <a:rPr lang="en-DE" dirty="0"/>
+              <a:t>Data Scientist</a:t>
+            </a:r>
+          </a:p>
+          <a:p>
+            <a:pPr marL="514350" indent="-514350">
+              <a:buAutoNum type="arabicPeriod"/>
+            </a:pPr>
+            <a:r>
+              <a:rPr lang="en-DE" dirty="0"/>
+              <a:t>Rese</a:t>
+            </a:r>
+            <a:r>
+              <a:rPr lang="en-GB" dirty="0" err="1"/>
+              <a:t>ar</a:t>
+            </a:r>
+            <a:r>
+              <a:rPr lang="en-DE" dirty="0"/>
+              <a:t>ch Analyst</a:t>
+            </a:r>
+          </a:p>
+          <a:p>
+            <a:pPr marL="514350" indent="-514350">
+              <a:buAutoNum type="arabicPeriod"/>
+            </a:pPr>
+            <a:r>
+              <a:rPr lang="en-DE" dirty="0"/>
+              <a:t>Research Scientist</a:t>
+            </a:r>
+          </a:p>
         </p:txBody>
       </p:sp>
       <p:pic>
@@ -7113,7 +10117,7 @@
           <p:cNvPr id="4" name="Picture 3">
             <a:extLst>
               <a:ext uri="{FF2B5EF4-FFF2-40B4-BE49-F238E27FC236}">
-                <a16:creationId xmlns:a16="http://schemas.microsoft.com/office/drawing/2014/main" id="{26C61E1E-2DA9-1442-8BA5-3388339BDBB9}"/>
+                <a16:creationId xmlns:a16="http://schemas.microsoft.com/office/drawing/2014/main" id="{9D566B50-D275-504C-BB86-1B9CB2202CFD}"/>
               </a:ext>
             </a:extLst>
           </p:cNvPr>
@@ -7130,18 +10134,105 @@
         </p:blipFill>
         <p:spPr>
           <a:xfrm>
-            <a:off x="6096000" y="1825625"/>
-            <a:ext cx="5829300" cy="3962400"/>
+            <a:off x="6283036" y="1652012"/>
+            <a:ext cx="5651500" cy="4940300"/>
           </a:xfrm>
           <a:prstGeom prst="rect">
             <a:avLst/>
           </a:prstGeom>
         </p:spPr>
       </p:pic>
+      <p:sp>
+        <p:nvSpPr>
+          <p:cNvPr id="5" name="Date Placeholder 4">
+            <a:extLst>
+              <a:ext uri="{FF2B5EF4-FFF2-40B4-BE49-F238E27FC236}">
+                <a16:creationId xmlns:a16="http://schemas.microsoft.com/office/drawing/2014/main" id="{B33A0FCE-FFF3-8B41-8E05-BF7D106676FC}"/>
+              </a:ext>
+            </a:extLst>
+          </p:cNvPr>
+          <p:cNvSpPr>
+            <a:spLocks noGrp="1"/>
+          </p:cNvSpPr>
+          <p:nvPr>
+            <p:ph type="dt" sz="half" idx="10"/>
+          </p:nvPr>
+        </p:nvSpPr>
+        <p:spPr/>
+        <p:txBody>
+          <a:bodyPr/>
+          <a:lstStyle/>
+          <a:p>
+            <a:fld id="{8B39B1FF-036A-264A-AE02-C0CA4D3CFDD6}" type="datetime1">
+              <a:rPr lang="de-DE" smtClean="0"/>
+              <a:t>30.03.21</a:t>
+            </a:fld>
+            <a:endParaRPr lang="en-DE"/>
+          </a:p>
+        </p:txBody>
+      </p:sp>
+      <p:sp>
+        <p:nvSpPr>
+          <p:cNvPr id="6" name="Footer Placeholder 5">
+            <a:extLst>
+              <a:ext uri="{FF2B5EF4-FFF2-40B4-BE49-F238E27FC236}">
+                <a16:creationId xmlns:a16="http://schemas.microsoft.com/office/drawing/2014/main" id="{0A44D148-C8CD-6E43-9727-8F0B13BDD701}"/>
+              </a:ext>
+            </a:extLst>
+          </p:cNvPr>
+          <p:cNvSpPr>
+            <a:spLocks noGrp="1"/>
+          </p:cNvSpPr>
+          <p:nvPr>
+            <p:ph type="ftr" sz="quarter" idx="11"/>
+          </p:nvPr>
+        </p:nvSpPr>
+        <p:spPr/>
+        <p:txBody>
+          <a:bodyPr/>
+          <a:lstStyle/>
+          <a:p>
+            <a:r>
+              <a:rPr lang="en-GB"/>
+              <a:t>Team r2-d2</a:t>
+            </a:r>
+            <a:endParaRPr lang="en-DE"/>
+          </a:p>
+        </p:txBody>
+      </p:sp>
+      <p:sp>
+        <p:nvSpPr>
+          <p:cNvPr id="7" name="Slide Number Placeholder 6">
+            <a:extLst>
+              <a:ext uri="{FF2B5EF4-FFF2-40B4-BE49-F238E27FC236}">
+                <a16:creationId xmlns:a16="http://schemas.microsoft.com/office/drawing/2014/main" id="{41F2B13B-3063-CC4E-8FE2-81EF2FBA2B49}"/>
+              </a:ext>
+            </a:extLst>
+          </p:cNvPr>
+          <p:cNvSpPr>
+            <a:spLocks noGrp="1"/>
+          </p:cNvSpPr>
+          <p:nvPr>
+            <p:ph type="sldNum" sz="quarter" idx="12"/>
+          </p:nvPr>
+        </p:nvSpPr>
+        <p:spPr/>
+        <p:txBody>
+          <a:bodyPr/>
+          <a:lstStyle/>
+          <a:p>
+            <a:fld id="{3E09C7DF-480D-9E40-BFD2-100BCD1F8EF2}" type="slidenum">
+              <a:rPr lang="en-DE" smtClean="0"/>
+              <a:t>8</a:t>
+            </a:fld>
+            <a:endParaRPr lang="en-DE"/>
+          </a:p>
+        </p:txBody>
+      </p:sp>
     </p:spTree>
     <p:extLst>
       <p:ext uri="{BB962C8B-B14F-4D97-AF65-F5344CB8AC3E}">
-        <p14:creationId xmlns:p14="http://schemas.microsoft.com/office/powerpoint/2010/main" val="1542583990"/>
+        <p14:creationId xmlns:p14="http://schemas.microsoft.com/office/powerpoint/2010/main" val="2084489172"/>
       </p:ext>
     </p:extLst>
   </p:cSld>
@@ -7191,7 +10282,7 @@
           <a:p>
             <a:r>
               <a:rPr lang="en-GB" dirty="0"/>
-              <a:t>Insights from 'description’ - Languages</a:t>
+              <a:t>Insights 'location'</a:t>
             </a:r>
           </a:p>
         </p:txBody>
@@ -7224,7 +10315,46 @@
             </a:pPr>
             <a:r>
               <a:rPr lang="en-GB" dirty="0"/>
-              <a:t>We can see that python is the most requested of the 3 programming languages. </a:t>
+              <a:t>We can see that the </a:t>
+            </a:r>
+            <a:r>
+              <a:rPr lang="en-GB" b="1" dirty="0"/>
+              <a:t>most job positions</a:t>
+            </a:r>
+          </a:p>
+          <a:p>
+            <a:pPr marL="0" indent="0">
+              <a:buNone/>
+            </a:pPr>
+            <a:r>
+              <a:rPr lang="en-GB" dirty="0"/>
+              <a:t>are being posted in </a:t>
+            </a:r>
+            <a:r>
+              <a:rPr lang="en-GB" b="1" dirty="0"/>
+              <a:t>CA</a:t>
+            </a:r>
+            <a:r>
+              <a:rPr lang="en-GB" dirty="0"/>
+              <a:t> with nearly</a:t>
+            </a:r>
+          </a:p>
+          <a:p>
+            <a:pPr marL="0" indent="0">
+              <a:buNone/>
+            </a:pPr>
+            <a:r>
+              <a:rPr lang="en-GB" dirty="0"/>
+              <a:t>double the amount as the following</a:t>
+            </a:r>
+          </a:p>
+          <a:p>
+            <a:pPr marL="0" indent="0">
+              <a:buNone/>
+            </a:pPr>
+            <a:r>
+              <a:rPr lang="en-GB" dirty="0"/>
+              <a:t>Top 2 and 3.</a:t>
             </a:r>
           </a:p>
           <a:p>
@@ -7239,7 +10369,7 @@
             </a:pPr>
             <a:r>
               <a:rPr lang="en-GB" dirty="0"/>
-              <a:t>Python</a:t>
+              <a:t>CA</a:t>
             </a:r>
           </a:p>
           <a:p>
@@ -7248,7 +10378,7 @@
             </a:pPr>
             <a:r>
               <a:rPr lang="en-GB" dirty="0"/>
-              <a:t>SQL</a:t>
+              <a:t>NY</a:t>
             </a:r>
           </a:p>
           <a:p>
@@ -7257,10 +10387,13 @@
             </a:pPr>
             <a:r>
               <a:rPr lang="en-GB" dirty="0"/>
-              <a:t>Java</a:t>
-            </a:r>
-          </a:p>
-          <a:p>
+              <a:t>MA</a:t>
+            </a:r>
+          </a:p>
+          <a:p>
+            <a:pPr marL="0" indent="0">
+              <a:buNone/>
+            </a:pPr>
             <a:endParaRPr lang="en-DE" dirty="0"/>
           </a:p>
         </p:txBody>
@@ -7270,7 +10403,7 @@
           <p:cNvPr id="4" name="Picture 3">
             <a:extLst>
               <a:ext uri="{FF2B5EF4-FFF2-40B4-BE49-F238E27FC236}">
-                <a16:creationId xmlns:a16="http://schemas.microsoft.com/office/drawing/2014/main" id="{756A1803-346B-FD40-9AA7-D3B7D947AA4F}"/>
+                <a16:creationId xmlns:a16="http://schemas.microsoft.com/office/drawing/2014/main" id="{26C61E1E-2DA9-1442-8BA5-3388339BDBB9}"/>
               </a:ext>
             </a:extLst>
           </p:cNvPr>
@@ -7279,25 +10412,113 @@
           </p:cNvPicPr>
           <p:nvPr/>
         </p:nvPicPr>
-        <p:blipFill rotWithShape="1">
+        <p:blipFill>
           <a:blip r:embed="rId3"/>
-          <a:srcRect l="4231" t="9441" r="4296"/>
-          <a:stretch/>
+          <a:stretch>
+            <a:fillRect/>
+          </a:stretch>
         </p:blipFill>
         <p:spPr>
           <a:xfrm>
-            <a:off x="4601027" y="2934720"/>
-            <a:ext cx="7416801" cy="3923280"/>
+            <a:off x="6362700" y="2214563"/>
+            <a:ext cx="5829300" cy="3962400"/>
           </a:xfrm>
           <a:prstGeom prst="rect">
             <a:avLst/>
           </a:prstGeom>
         </p:spPr>
       </p:pic>
+      <p:sp>
+        <p:nvSpPr>
+          <p:cNvPr id="5" name="Date Placeholder 4">
+            <a:extLst>
+              <a:ext uri="{FF2B5EF4-FFF2-40B4-BE49-F238E27FC236}">
+                <a16:creationId xmlns:a16="http://schemas.microsoft.com/office/drawing/2014/main" id="{B3C08335-A72B-F447-832D-718B94979A5B}"/>
+              </a:ext>
+            </a:extLst>
+          </p:cNvPr>
+          <p:cNvSpPr>
+            <a:spLocks noGrp="1"/>
+          </p:cNvSpPr>
+          <p:nvPr>
+            <p:ph type="dt" sz="half" idx="10"/>
+          </p:nvPr>
+        </p:nvSpPr>
+        <p:spPr/>
+        <p:txBody>
+          <a:bodyPr/>
+          <a:lstStyle/>
+          <a:p>
+            <a:fld id="{FCBA8662-7BEF-0646-8346-45166D60EE09}" type="datetime1">
+              <a:rPr lang="de-DE" smtClean="0"/>
+              <a:t>30.03.21</a:t>
+            </a:fld>
+            <a:endParaRPr lang="en-DE"/>
+          </a:p>
+        </p:txBody>
+      </p:sp>
+      <p:sp>
+        <p:nvSpPr>
+          <p:cNvPr id="6" name="Footer Placeholder 5">
+            <a:extLst>
+              <a:ext uri="{FF2B5EF4-FFF2-40B4-BE49-F238E27FC236}">
+                <a16:creationId xmlns:a16="http://schemas.microsoft.com/office/drawing/2014/main" id="{AB0D7367-36CD-0E42-AB11-075E96834827}"/>
+              </a:ext>
+            </a:extLst>
+          </p:cNvPr>
+          <p:cNvSpPr>
+            <a:spLocks noGrp="1"/>
+          </p:cNvSpPr>
+          <p:nvPr>
+            <p:ph type="ftr" sz="quarter" idx="11"/>
+          </p:nvPr>
+        </p:nvSpPr>
+        <p:spPr/>
+        <p:txBody>
+          <a:bodyPr/>
+          <a:lstStyle/>
+          <a:p>
+            <a:r>
+              <a:rPr lang="en-GB"/>
+              <a:t>Team r2-d2</a:t>
+            </a:r>
+            <a:endParaRPr lang="en-DE"/>
+          </a:p>
+        </p:txBody>
+      </p:sp>
+      <p:sp>
+        <p:nvSpPr>
+          <p:cNvPr id="7" name="Slide Number Placeholder 6">
+            <a:extLst>
+              <a:ext uri="{FF2B5EF4-FFF2-40B4-BE49-F238E27FC236}">
+                <a16:creationId xmlns:a16="http://schemas.microsoft.com/office/drawing/2014/main" id="{A6409914-64B2-E149-8FC4-0C80028FDBC3}"/>
+              </a:ext>
+            </a:extLst>
+          </p:cNvPr>
+          <p:cNvSpPr>
+            <a:spLocks noGrp="1"/>
+          </p:cNvSpPr>
+          <p:nvPr>
+            <p:ph type="sldNum" sz="quarter" idx="12"/>
+          </p:nvPr>
+        </p:nvSpPr>
+        <p:spPr/>
+        <p:txBody>
+          <a:bodyPr/>
+          <a:lstStyle/>
+          <a:p>
+            <a:fld id="{3E09C7DF-480D-9E40-BFD2-100BCD1F8EF2}" type="slidenum">
+              <a:rPr lang="en-DE" smtClean="0"/>
+              <a:t>9</a:t>
+            </a:fld>
+            <a:endParaRPr lang="en-DE"/>
+          </a:p>
+        </p:txBody>
+      </p:sp>
     </p:spTree>
     <p:extLst>
       <p:ext uri="{BB962C8B-B14F-4D97-AF65-F5344CB8AC3E}">
-        <p14:creationId xmlns:p14="http://schemas.microsoft.com/office/powerpoint/2010/main" val="3208035039"/>
+        <p14:creationId xmlns:p14="http://schemas.microsoft.com/office/powerpoint/2010/main" val="1542583990"/>
       </p:ext>
     </p:extLst>
   </p:cSld>
